--- a/DP-RTF.pptx
+++ b/DP-RTF.pptx
@@ -3762,15 +3762,9 @@
   <p:cSld>
     <p:bg>
       <p:bgPr>
-        <a:blipFill dpi="0" rotWithShape="1">
-          <a:blip r:embed="rId2">
-            <a:lum/>
-          </a:blip>
-          <a:srcRect/>
-          <a:stretch>
-            <a:fillRect t="-9000" b="-9000"/>
-          </a:stretch>
-        </a:blipFill>
+        <a:solidFill>
+          <a:schemeClr val="bg1"/>
+        </a:solidFill>
         <a:effectLst/>
       </p:bgPr>
     </p:bg>
@@ -3868,7 +3862,7 @@
             <p:ph idx="1"/>
             <p:extLst>
               <p:ext uri="{D42A27DB-BD31-4B8C-83A1-F6EECF244321}">
-                <p14:modId xmlns:p14="http://schemas.microsoft.com/office/powerpoint/2010/main" val="2333029368"/>
+                <p14:modId xmlns:p14="http://schemas.microsoft.com/office/powerpoint/2010/main" val="1914032161"/>
               </p:ext>
             </p:extLst>
           </p:nvPr>
@@ -3934,9 +3928,7 @@
                   </a:txBody>
                   <a:tcPr marB="0" anchor="ctr">
                     <a:solidFill>
-                      <a:schemeClr val="accent5">
-                        <a:alpha val="73000"/>
-                      </a:schemeClr>
+                      <a:schemeClr val="accent5"/>
                     </a:solidFill>
                   </a:tcPr>
                 </a:tc>
@@ -3988,9 +3980,7 @@
                   </a:txBody>
                   <a:tcPr marB="0" anchor="ctr">
                     <a:solidFill>
-                      <a:schemeClr val="accent5">
-                        <a:alpha val="73000"/>
-                      </a:schemeClr>
+                      <a:schemeClr val="accent5"/>
                     </a:solidFill>
                   </a:tcPr>
                 </a:tc>
@@ -4042,9 +4032,7 @@
                   </a:txBody>
                   <a:tcPr marB="0" anchor="ctr">
                     <a:solidFill>
-                      <a:schemeClr val="accent5">
-                        <a:alpha val="73000"/>
-                      </a:schemeClr>
+                      <a:schemeClr val="accent5"/>
                     </a:solidFill>
                   </a:tcPr>
                 </a:tc>
@@ -4102,9 +4090,7 @@
                   </a:txBody>
                   <a:tcPr marB="0" anchor="ctr">
                     <a:solidFill>
-                      <a:schemeClr val="accent5">
-                        <a:alpha val="73000"/>
-                      </a:schemeClr>
+                      <a:schemeClr val="accent5"/>
                     </a:solidFill>
                   </a:tcPr>
                 </a:tc>
@@ -4133,7 +4119,7 @@
           <p:nvPr>
             <p:extLst>
               <p:ext uri="{D42A27DB-BD31-4B8C-83A1-F6EECF244321}">
-                <p14:modId xmlns:p14="http://schemas.microsoft.com/office/powerpoint/2010/main" val="112681198"/>
+                <p14:modId xmlns:p14="http://schemas.microsoft.com/office/powerpoint/2010/main" val="2728993806"/>
               </p:ext>
             </p:extLst>
           </p:nvPr>
@@ -4166,9 +4152,9 @@
                       <a:r>
                         <a:rPr lang="en-US" b="0" dirty="0">
                           <a:solidFill>
-                            <a:schemeClr val="accent5">
-                              <a:lumMod val="60000"/>
-                              <a:lumOff val="40000"/>
+                            <a:schemeClr val="tx1">
+                              <a:lumMod val="65000"/>
+                              <a:lumOff val="35000"/>
                             </a:schemeClr>
                           </a:solidFill>
                         </a:rPr>
@@ -4176,9 +4162,9 @@
                       </a:r>
                       <a:endParaRPr lang="en-IN" b="0" dirty="0">
                         <a:solidFill>
-                          <a:schemeClr val="accent5">
-                            <a:lumMod val="60000"/>
-                            <a:lumOff val="40000"/>
+                          <a:schemeClr val="tx1">
+                            <a:lumMod val="65000"/>
+                            <a:lumOff val="35000"/>
                           </a:schemeClr>
                         </a:solidFill>
                       </a:endParaRPr>
@@ -4220,9 +4206,9 @@
                       <a:r>
                         <a:rPr lang="en-US" dirty="0">
                           <a:solidFill>
-                            <a:schemeClr val="accent5">
-                              <a:lumMod val="60000"/>
-                              <a:lumOff val="40000"/>
+                            <a:schemeClr val="tx1">
+                              <a:lumMod val="65000"/>
+                              <a:lumOff val="35000"/>
                             </a:schemeClr>
                           </a:solidFill>
                         </a:rPr>
@@ -4249,9 +4235,9 @@
                       <a:r>
                         <a:rPr lang="en-US" dirty="0">
                           <a:solidFill>
-                            <a:schemeClr val="accent5">
-                              <a:lumMod val="60000"/>
-                              <a:lumOff val="40000"/>
+                            <a:schemeClr val="tx1">
+                              <a:lumMod val="65000"/>
+                              <a:lumOff val="35000"/>
                             </a:schemeClr>
                           </a:solidFill>
                         </a:rPr>
@@ -4259,9 +4245,9 @@
                       </a:r>
                       <a:endParaRPr lang="en-IN" dirty="0">
                         <a:solidFill>
-                          <a:schemeClr val="accent5">
-                            <a:lumMod val="60000"/>
-                            <a:lumOff val="40000"/>
+                          <a:schemeClr val="tx1">
+                            <a:lumMod val="65000"/>
+                            <a:lumOff val="35000"/>
                           </a:schemeClr>
                         </a:solidFill>
                       </a:endParaRPr>
@@ -4286,9 +4272,9 @@
                       <a:r>
                         <a:rPr lang="en-US" dirty="0">
                           <a:solidFill>
-                            <a:schemeClr val="accent5">
-                              <a:lumMod val="60000"/>
-                              <a:lumOff val="40000"/>
+                            <a:schemeClr val="tx1">
+                              <a:lumMod val="65000"/>
+                              <a:lumOff val="35000"/>
                             </a:schemeClr>
                           </a:solidFill>
                         </a:rPr>
@@ -4394,7 +4380,7 @@
         </p:nvSpPr>
         <p:spPr>
           <a:xfrm>
-            <a:off x="657225" y="333375"/>
+            <a:off x="523874" y="829569"/>
             <a:ext cx="9963150" cy="461665"/>
           </a:xfrm>
           <a:prstGeom prst="rect">
@@ -4409,16 +4395,6 @@
           <a:lstStyle/>
           <a:p>
             <a:r>
-              <a:rPr lang="en-IN" sz="2400" b="0" i="0" u="none" strike="noStrike" dirty="0">
-                <a:solidFill>
-                  <a:srgbClr val="000000"/>
-                </a:solidFill>
-                <a:effectLst/>
-                <a:latin typeface="Times New Roman" panose="02020603050405020304" pitchFamily="18" charset="0"/>
-              </a:rPr>
-              <a:t> </a:t>
-            </a:r>
-            <a:r>
               <a:rPr lang="en-IN" sz="2400" b="1" dirty="0">
                 <a:solidFill>
                   <a:schemeClr val="accent2">
@@ -4487,18 +4463,6 @@
                 <a:latin typeface="Times New Roman" panose="02020603050405020304" pitchFamily="18" charset="0"/>
               </a:rPr>
               <a:t> </a:t>
-            </a:r>
-            <a:r>
-              <a:rPr lang="en-IN" sz="2400" b="0" i="0" u="none" strike="noStrike" dirty="0">
-                <a:solidFill>
-                  <a:schemeClr val="accent2">
-                    <a:lumMod val="75000"/>
-                  </a:schemeClr>
-                </a:solidFill>
-                <a:effectLst/>
-                <a:latin typeface="Times New Roman" panose="02020603050405020304" pitchFamily="18" charset="0"/>
-              </a:rPr>
-              <a:t>DOA estimation</a:t>
             </a:r>
             <a:endParaRPr lang="en-IN" sz="2400" dirty="0">
               <a:solidFill>
@@ -4524,8 +4488,8 @@
         </p:nvSpPr>
         <p:spPr>
           <a:xfrm>
-            <a:off x="457200" y="795040"/>
-            <a:ext cx="11077575" cy="923330"/>
+            <a:off x="361950" y="1242715"/>
+            <a:ext cx="11468100" cy="646331"/>
           </a:xfrm>
           <a:prstGeom prst="rect">
             <a:avLst/>
@@ -4598,7 +4562,7 @@
         </p:nvSpPr>
         <p:spPr>
           <a:xfrm flipH="1">
-            <a:off x="457199" y="1635146"/>
+            <a:off x="457199" y="1779390"/>
             <a:ext cx="10696575" cy="2462213"/>
           </a:xfrm>
           <a:prstGeom prst="rect">
@@ -4832,7 +4796,7 @@
         </p:blipFill>
         <p:spPr bwMode="auto">
           <a:xfrm>
-            <a:off x="1309687" y="4097359"/>
+            <a:off x="1309687" y="4240234"/>
             <a:ext cx="9725026" cy="2478012"/>
           </a:xfrm>
           <a:prstGeom prst="rect">
@@ -4850,6 +4814,59 @@
           </a:extLst>
         </p:spPr>
       </p:pic>
+      <p:sp>
+        <p:nvSpPr>
+          <p:cNvPr id="12" name="TextBox 11">
+            <a:extLst>
+              <a:ext uri="{FF2B5EF4-FFF2-40B4-BE49-F238E27FC236}">
+                <a16:creationId xmlns:a16="http://schemas.microsoft.com/office/drawing/2014/main" id="{94EF1367-6239-1EF7-C3CC-4DF6BC39BD57}"/>
+              </a:ext>
+            </a:extLst>
+          </p:cNvPr>
+          <p:cNvSpPr txBox="1"/>
+          <p:nvPr/>
+        </p:nvSpPr>
+        <p:spPr>
+          <a:xfrm>
+            <a:off x="1181100" y="139753"/>
+            <a:ext cx="9853613" cy="646331"/>
+          </a:xfrm>
+          <a:prstGeom prst="rect">
+            <a:avLst/>
+          </a:prstGeom>
+          <a:noFill/>
+        </p:spPr>
+        <p:txBody>
+          <a:bodyPr wrap="square" rtlCol="0">
+            <a:spAutoFit/>
+          </a:bodyPr>
+          <a:lstStyle/>
+          <a:p>
+            <a:pPr algn="ctr"/>
+            <a:r>
+              <a:rPr lang="en-US" sz="3600" b="1" dirty="0">
+                <a:solidFill>
+                  <a:schemeClr val="tx1">
+                    <a:lumMod val="75000"/>
+                    <a:lumOff val="25000"/>
+                  </a:schemeClr>
+                </a:solidFill>
+                <a:latin typeface="+mj-lt"/>
+              </a:rPr>
+              <a:t>Different Methods in DOA estimation</a:t>
+            </a:r>
+            <a:endParaRPr lang="en-IN" sz="3600" b="1" dirty="0">
+              <a:solidFill>
+                <a:schemeClr val="tx1">
+                  <a:lumMod val="75000"/>
+                  <a:lumOff val="25000"/>
+                </a:schemeClr>
+              </a:solidFill>
+              <a:latin typeface="+mj-lt"/>
+            </a:endParaRPr>
+          </a:p>
+        </p:txBody>
+      </p:sp>
     </p:spTree>
     <p:extLst>
       <p:ext uri="{BB962C8B-B14F-4D97-AF65-F5344CB8AC3E}">
@@ -4898,7 +4915,7 @@
         </p:nvSpPr>
         <p:spPr>
           <a:xfrm>
-            <a:off x="6797415" y="709614"/>
+            <a:off x="6797414" y="1366839"/>
             <a:ext cx="5327911" cy="5294312"/>
           </a:xfrm>
         </p:spPr>
@@ -4918,7 +4935,7 @@
                 <a:effectLst/>
                 <a:latin typeface="Bahnschrift" panose="020B0502040204020203" pitchFamily="34" charset="0"/>
               </a:rPr>
-              <a:t>Methodology:</a:t>
+              <a:t>Outline:</a:t>
             </a:r>
           </a:p>
           <a:p>
@@ -5753,7 +5770,7 @@
         </p:blipFill>
         <p:spPr>
           <a:xfrm>
-            <a:off x="1" y="939799"/>
+            <a:off x="0" y="1625599"/>
             <a:ext cx="6797414" cy="4518026"/>
           </a:xfrm>
           <a:prstGeom prst="rect">
@@ -5761,6 +5778,51 @@
           </a:prstGeom>
         </p:spPr>
       </p:pic>
+      <p:sp>
+        <p:nvSpPr>
+          <p:cNvPr id="7" name="TextBox 6">
+            <a:extLst>
+              <a:ext uri="{FF2B5EF4-FFF2-40B4-BE49-F238E27FC236}">
+                <a16:creationId xmlns:a16="http://schemas.microsoft.com/office/drawing/2014/main" id="{546B76DE-2F54-513E-DEA4-56C6B30BE9DC}"/>
+              </a:ext>
+            </a:extLst>
+          </p:cNvPr>
+          <p:cNvSpPr txBox="1"/>
+          <p:nvPr/>
+        </p:nvSpPr>
+        <p:spPr>
+          <a:xfrm>
+            <a:off x="2543175" y="409575"/>
+            <a:ext cx="6610350" cy="646331"/>
+          </a:xfrm>
+          <a:prstGeom prst="rect">
+            <a:avLst/>
+          </a:prstGeom>
+          <a:noFill/>
+        </p:spPr>
+        <p:txBody>
+          <a:bodyPr wrap="square" rtlCol="0">
+            <a:spAutoFit/>
+          </a:bodyPr>
+          <a:lstStyle/>
+          <a:p>
+            <a:pPr algn="ctr"/>
+            <a:r>
+              <a:rPr lang="en-IN" sz="3600" b="1" i="0" u="none" strike="noStrike" dirty="0">
+                <a:solidFill>
+                  <a:schemeClr val="tx1">
+                    <a:lumMod val="65000"/>
+                    <a:lumOff val="35000"/>
+                  </a:schemeClr>
+                </a:solidFill>
+                <a:effectLst/>
+                <a:latin typeface="Bahnschrift" panose="020B0502040204020203" pitchFamily="34" charset="0"/>
+              </a:rPr>
+              <a:t>METHODOLOGY</a:t>
+            </a:r>
+          </a:p>
+        </p:txBody>
+      </p:sp>
     </p:spTree>
     <p:extLst>
       <p:ext uri="{BB962C8B-B14F-4D97-AF65-F5344CB8AC3E}">

--- a/DP-RTF.pptx
+++ b/DP-RTF.pptx
@@ -5,10 +5,11 @@
     <p:sldMasterId id="2147483660" r:id="rId4"/>
   </p:sldMasterIdLst>
   <p:sldIdLst>
-    <p:sldId id="298" r:id="rId5"/>
-    <p:sldId id="302" r:id="rId6"/>
-    <p:sldId id="303" r:id="rId7"/>
-    <p:sldId id="304" r:id="rId8"/>
+    <p:sldId id="305" r:id="rId5"/>
+    <p:sldId id="306" r:id="rId6"/>
+    <p:sldId id="307" r:id="rId7"/>
+    <p:sldId id="308" r:id="rId8"/>
+    <p:sldId id="309" r:id="rId9"/>
   </p:sldIdLst>
   <p:sldSz cx="12192000" cy="6858000"/>
   <p:notesSz cx="6858000" cy="9144000"/>
@@ -3312,14 +3313,6 @@
 <file path=ppt/slides/slide1.xml><?xml version="1.0" encoding="utf-8"?>
 <p:sld xmlns:a="http://schemas.openxmlformats.org/drawingml/2006/main" xmlns:r="http://schemas.openxmlformats.org/officeDocument/2006/relationships" xmlns:p="http://schemas.openxmlformats.org/presentationml/2006/main">
   <p:cSld>
-    <p:bg>
-      <p:bgPr>
-        <a:solidFill>
-          <a:schemeClr val="bg1"/>
-        </a:solidFill>
-        <a:effectLst/>
-      </p:bgPr>
-    </p:bg>
     <p:spTree>
       <p:nvGrpSpPr>
         <p:cNvPr id="1" name=""/>
@@ -3336,423 +3329,101 @@
       </p:grpSpPr>
       <p:sp>
         <p:nvSpPr>
-          <p:cNvPr id="33" name="Rectangle 32">
+          <p:cNvPr id="4" name="TextBox 3">
             <a:extLst>
               <a:ext uri="{FF2B5EF4-FFF2-40B4-BE49-F238E27FC236}">
-                <a16:creationId xmlns:a16="http://schemas.microsoft.com/office/drawing/2014/main" id="{2FDF0794-1B86-42B2-B8C7-F60123E638ED}"/>
-              </a:ext>
-              <a:ext uri="{C183D7F6-B498-43B3-948B-1728B52AA6E4}">
-                <adec:decorative xmlns:adec="http://schemas.microsoft.com/office/drawing/2017/decorative" val="1"/>
+                <a16:creationId xmlns:a16="http://schemas.microsoft.com/office/drawing/2014/main" id="{CE68F733-BDFA-0FCC-A587-8D18A5223848}"/>
               </a:ext>
             </a:extLst>
           </p:cNvPr>
-          <p:cNvSpPr>
-            <a:spLocks noGrp="1" noRot="1" noChangeAspect="1" noMove="1" noResize="1" noEditPoints="1" noAdjustHandles="1" noChangeArrowheads="1" noChangeShapeType="1" noTextEdit="1"/>
-          </p:cNvSpPr>
-          <p:nvPr>
-            <p:extLst>
-              <p:ext uri="{386F3935-93C4-4BCD-93E2-E3B085C9AB24}">
-                <p16:designElem xmlns:p16="http://schemas.microsoft.com/office/powerpoint/2015/main" val="1"/>
-              </p:ext>
-            </p:extLst>
-          </p:nvPr>
+          <p:cNvSpPr txBox="1"/>
+          <p:nvPr/>
         </p:nvSpPr>
         <p:spPr>
           <a:xfrm>
-            <a:off x="1" y="0"/>
-            <a:ext cx="12188726" cy="6858975"/>
+            <a:off x="519113" y="285750"/>
+            <a:ext cx="11153774" cy="4524315"/>
           </a:xfrm>
           <a:prstGeom prst="rect">
             <a:avLst/>
           </a:prstGeom>
-          <a:solidFill>
-            <a:schemeClr val="bg1"/>
-          </a:solidFill>
-          <a:ln>
-            <a:noFill/>
-          </a:ln>
+          <a:noFill/>
         </p:spPr>
-        <p:style>
-          <a:lnRef idx="2">
-            <a:schemeClr val="accent1">
-              <a:shade val="50000"/>
-            </a:schemeClr>
-          </a:lnRef>
-          <a:fillRef idx="1">
-            <a:schemeClr val="accent1"/>
-          </a:fillRef>
-          <a:effectRef idx="0">
-            <a:schemeClr val="accent1"/>
-          </a:effectRef>
-          <a:fontRef idx="minor">
-            <a:schemeClr val="lt1"/>
-          </a:fontRef>
-        </p:style>
-        <p:txBody>
-          <a:bodyPr rtlCol="0" anchor="ctr"/>
+        <p:txBody>
+          <a:bodyPr wrap="square" rtlCol="0">
+            <a:spAutoFit/>
+          </a:bodyPr>
           <a:lstStyle/>
           <a:p>
-            <a:pPr marL="0" marR="0" lvl="0" indent="0" algn="ctr" defTabSz="914400" rtl="0" eaLnBrk="1" fontAlgn="auto" latinLnBrk="0" hangingPunct="1">
-              <a:lnSpc>
-                <a:spcPct val="100000"/>
-              </a:lnSpc>
-              <a:spcBef>
-                <a:spcPts val="0"/>
-              </a:spcBef>
-              <a:spcAft>
-                <a:spcPts val="0"/>
-              </a:spcAft>
-              <a:buClrTx/>
-              <a:buSzTx/>
-              <a:buFontTx/>
-              <a:buNone/>
-              <a:tabLst/>
-              <a:defRPr/>
-            </a:pPr>
-            <a:endParaRPr kumimoji="0" lang="en-US" sz="1800" b="0" i="0" u="none" strike="noStrike" kern="1200" cap="none" spc="0" normalizeH="0" baseline="0" noProof="0" dirty="0">
-              <a:ln>
-                <a:noFill/>
-              </a:ln>
-              <a:solidFill>
-                <a:srgbClr val="FFFFFF"/>
-              </a:solidFill>
-              <a:effectLst/>
-              <a:uLnTx/>
-              <a:uFillTx/>
-              <a:latin typeface="Franklin Gothic Book" panose="020F0502020204030204"/>
-              <a:ea typeface="+mn-ea"/>
-              <a:cs typeface="+mn-cs"/>
-            </a:endParaRPr>
-          </a:p>
-        </p:txBody>
-      </p:sp>
-      <p:pic>
-        <p:nvPicPr>
-          <p:cNvPr id="4" name="Picture 3" descr="A close up of a piece of paper with a pencil laying on top">
+            <a:pPr algn="ctr"/>
+            <a:r>
+              <a:rPr lang="en-US" sz="7200" b="1" dirty="0"/>
+              <a:t>Direction Of Arrival Estimation Using </a:t>
+            </a:r>
+            <a:r>
+              <a:rPr lang="en-IN" sz="7200" b="1" dirty="0"/>
+              <a:t>Direct-Path Relative Transfer Function </a:t>
+            </a:r>
+          </a:p>
+        </p:txBody>
+      </p:sp>
+      <p:sp>
+        <p:nvSpPr>
+          <p:cNvPr id="5" name="TextBox 4">
             <a:extLst>
               <a:ext uri="{FF2B5EF4-FFF2-40B4-BE49-F238E27FC236}">
-                <a16:creationId xmlns:a16="http://schemas.microsoft.com/office/drawing/2014/main" id="{65810330-F0B5-43C9-BC34-094FFB5C0529}"/>
+                <a16:creationId xmlns:a16="http://schemas.microsoft.com/office/drawing/2014/main" id="{A8D65204-8C35-86CE-C31E-30372CD0B504}"/>
               </a:ext>
             </a:extLst>
           </p:cNvPr>
-          <p:cNvPicPr>
-            <a:picLocks noChangeAspect="1"/>
-          </p:cNvPicPr>
+          <p:cNvSpPr txBox="1"/>
           <p:nvPr/>
-        </p:nvPicPr>
-        <p:blipFill rotWithShape="1">
-          <a:blip r:embed="rId3">
-            <a:extLst>
-              <a:ext uri="{28A0092B-C50C-407E-A947-70E740481C1C}">
-                <a14:useLocalDpi xmlns:a14="http://schemas.microsoft.com/office/drawing/2010/main" val="0"/>
-              </a:ext>
-            </a:extLst>
-          </a:blip>
-          <a:srcRect/>
-          <a:stretch/>
-        </p:blipFill>
+        </p:nvSpPr>
         <p:spPr>
           <a:xfrm>
-            <a:off x="20" y="975"/>
-            <a:ext cx="12191980" cy="6858000"/>
+            <a:off x="8743950" y="4810065"/>
+            <a:ext cx="2928937" cy="923330"/>
           </a:xfrm>
           <a:prstGeom prst="rect">
             <a:avLst/>
           </a:prstGeom>
+          <a:noFill/>
         </p:spPr>
-      </p:pic>
-      <p:sp>
-        <p:nvSpPr>
-          <p:cNvPr id="35" name="Rectangle 34">
-            <a:extLst>
-              <a:ext uri="{FF2B5EF4-FFF2-40B4-BE49-F238E27FC236}">
-                <a16:creationId xmlns:a16="http://schemas.microsoft.com/office/drawing/2014/main" id="{C5373426-E26E-431D-959C-5DB96C0B6208}"/>
-              </a:ext>
-              <a:ext uri="{C183D7F6-B498-43B3-948B-1728B52AA6E4}">
-                <adec:decorative xmlns:adec="http://schemas.microsoft.com/office/drawing/2017/decorative" val="1"/>
-              </a:ext>
-            </a:extLst>
-          </p:cNvPr>
-          <p:cNvSpPr>
-            <a:spLocks noGrp="1" noRot="1" noChangeAspect="1" noMove="1" noResize="1" noEditPoints="1" noAdjustHandles="1" noChangeArrowheads="1" noChangeShapeType="1" noTextEdit="1"/>
-          </p:cNvSpPr>
-          <p:nvPr>
-            <p:extLst>
-              <p:ext uri="{386F3935-93C4-4BCD-93E2-E3B085C9AB24}">
-                <p16:designElem xmlns:p16="http://schemas.microsoft.com/office/powerpoint/2015/main" val="1"/>
-              </p:ext>
-            </p:extLst>
-          </p:nvPr>
-        </p:nvSpPr>
-        <p:spPr>
-          <a:xfrm>
-            <a:off x="7912607" y="1238442"/>
-            <a:ext cx="3635926" cy="4355751"/>
-          </a:xfrm>
-          <a:prstGeom prst="rect">
-            <a:avLst/>
-          </a:prstGeom>
-          <a:solidFill>
-            <a:schemeClr val="bg1">
-              <a:alpha val="85000"/>
-            </a:schemeClr>
-          </a:solidFill>
-          <a:ln>
-            <a:noFill/>
-          </a:ln>
-        </p:spPr>
-        <p:style>
-          <a:lnRef idx="2">
-            <a:schemeClr val="accent1">
-              <a:shade val="50000"/>
-            </a:schemeClr>
-          </a:lnRef>
-          <a:fillRef idx="1">
-            <a:schemeClr val="accent1"/>
-          </a:fillRef>
-          <a:effectRef idx="0">
-            <a:schemeClr val="accent1"/>
-          </a:effectRef>
-          <a:fontRef idx="minor">
-            <a:schemeClr val="lt1"/>
-          </a:fontRef>
-        </p:style>
-        <p:txBody>
-          <a:bodyPr rtlCol="0" anchor="ctr"/>
-          <a:lstStyle/>
-          <a:p>
-            <a:pPr marL="0" marR="0" lvl="0" indent="0" algn="ctr" defTabSz="914400" rtl="0" eaLnBrk="1" fontAlgn="auto" latinLnBrk="0" hangingPunct="1">
-              <a:lnSpc>
-                <a:spcPct val="100000"/>
-              </a:lnSpc>
-              <a:spcBef>
-                <a:spcPts val="0"/>
-              </a:spcBef>
-              <a:spcAft>
-                <a:spcPts val="0"/>
-              </a:spcAft>
-              <a:buClrTx/>
-              <a:buSzTx/>
-              <a:buFontTx/>
-              <a:buNone/>
-              <a:tabLst/>
-              <a:defRPr/>
-            </a:pPr>
-            <a:endParaRPr kumimoji="0" lang="en-US" sz="1800" b="0" i="0" u="none" strike="noStrike" kern="1200" cap="none" spc="0" normalizeH="0" baseline="0" noProof="0" dirty="0">
-              <a:ln>
-                <a:noFill/>
-              </a:ln>
-              <a:solidFill>
-                <a:srgbClr val="FFFFFF"/>
-              </a:solidFill>
-              <a:effectLst/>
-              <a:uLnTx/>
-              <a:uFillTx/>
-              <a:latin typeface="Franklin Gothic Book" panose="020F0502020204030204"/>
-              <a:ea typeface="+mn-ea"/>
-              <a:cs typeface="+mn-cs"/>
-            </a:endParaRPr>
-          </a:p>
-        </p:txBody>
-      </p:sp>
-      <p:sp>
-        <p:nvSpPr>
-          <p:cNvPr id="2" name="Title 1">
-            <a:extLst>
-              <a:ext uri="{FF2B5EF4-FFF2-40B4-BE49-F238E27FC236}">
-                <a16:creationId xmlns:a16="http://schemas.microsoft.com/office/drawing/2014/main" id="{9AB2EA78-AEB3-469B-9025-3B17201A457B}"/>
-              </a:ext>
-            </a:extLst>
-          </p:cNvPr>
-          <p:cNvSpPr>
-            <a:spLocks noGrp="1"/>
-          </p:cNvSpPr>
-          <p:nvPr>
-            <p:ph type="ctrTitle"/>
-          </p:nvPr>
-        </p:nvSpPr>
-        <p:spPr>
-          <a:xfrm>
-            <a:off x="8654323" y="2642130"/>
-            <a:ext cx="3214307" cy="774187"/>
-          </a:xfrm>
-        </p:spPr>
-        <p:txBody>
-          <a:bodyPr anchor="b">
-            <a:normAutofit/>
+        <p:txBody>
+          <a:bodyPr wrap="square" rtlCol="0">
+            <a:spAutoFit/>
           </a:bodyPr>
           <a:lstStyle/>
           <a:p>
             <a:r>
-              <a:rPr lang="en-US" sz="4400" dirty="0">
-                <a:solidFill>
-                  <a:schemeClr val="tx1"/>
-                </a:solidFill>
-              </a:rPr>
-              <a:t>DP-RTF</a:t>
-            </a:r>
-          </a:p>
-        </p:txBody>
-      </p:sp>
-      <p:sp>
-        <p:nvSpPr>
-          <p:cNvPr id="3" name="Subtitle 2">
-            <a:extLst>
-              <a:ext uri="{FF2B5EF4-FFF2-40B4-BE49-F238E27FC236}">
-                <a16:creationId xmlns:a16="http://schemas.microsoft.com/office/drawing/2014/main" id="{255E1F2F-E259-4EA8-9FFD-3A10AF541859}"/>
-              </a:ext>
-            </a:extLst>
-          </p:cNvPr>
-          <p:cNvSpPr>
-            <a:spLocks noGrp="1"/>
-          </p:cNvSpPr>
-          <p:nvPr>
-            <p:ph type="subTitle" idx="1"/>
-          </p:nvPr>
-        </p:nvSpPr>
-        <p:spPr>
-          <a:xfrm>
-            <a:off x="8127750" y="4608576"/>
-            <a:ext cx="3205640" cy="774186"/>
-          </a:xfrm>
-        </p:spPr>
-        <p:txBody>
-          <a:bodyPr anchor="t">
-            <a:normAutofit/>
-          </a:bodyPr>
-          <a:lstStyle/>
-          <a:p>
-            <a:pPr>
-              <a:lnSpc>
-                <a:spcPct val="100000"/>
-              </a:lnSpc>
-            </a:pPr>
-            <a:r>
-              <a:rPr lang="en-IN" sz="1200" dirty="0"/>
-              <a:t>DOA estimation using Direct-path relative transfer function</a:t>
-            </a:r>
-            <a:endParaRPr lang="en-US" sz="1600" dirty="0"/>
-          </a:p>
-        </p:txBody>
-      </p:sp>
-      <p:cxnSp>
-        <p:nvCxnSpPr>
-          <p:cNvPr id="37" name="Straight Connector 36">
-            <a:extLst>
-              <a:ext uri="{FF2B5EF4-FFF2-40B4-BE49-F238E27FC236}">
-                <a16:creationId xmlns:a16="http://schemas.microsoft.com/office/drawing/2014/main" id="{96D07482-83A3-4451-943C-B46961082957}"/>
-              </a:ext>
-              <a:ext uri="{C183D7F6-B498-43B3-948B-1728B52AA6E4}">
-                <adec:decorative xmlns:adec="http://schemas.microsoft.com/office/drawing/2017/decorative" val="1"/>
-              </a:ext>
-            </a:extLst>
-          </p:cNvPr>
-          <p:cNvCxnSpPr>
-            <a:cxnSpLocks noGrp="1" noRot="1" noChangeAspect="1" noMove="1" noResize="1" noEditPoints="1" noAdjustHandles="1" noChangeArrowheads="1" noChangeShapeType="1"/>
-          </p:cNvCxnSpPr>
-          <p:nvPr>
-            <p:extLst>
-              <p:ext uri="{386F3935-93C4-4BCD-93E2-E3B085C9AB24}">
-                <p16:designElem xmlns:p16="http://schemas.microsoft.com/office/powerpoint/2015/main" val="1"/>
-              </p:ext>
-            </p:extLst>
-          </p:nvPr>
-        </p:nvCxnSpPr>
-        <p:spPr>
-          <a:xfrm>
-            <a:off x="8176090" y="4508519"/>
-            <a:ext cx="3108960" cy="0"/>
-          </a:xfrm>
-          <a:prstGeom prst="line">
-            <a:avLst/>
-          </a:prstGeom>
-          <a:ln w="19050">
-            <a:solidFill>
-              <a:schemeClr val="accent1"/>
-            </a:solidFill>
-          </a:ln>
-        </p:spPr>
-        <p:style>
-          <a:lnRef idx="1">
-            <a:schemeClr val="accent1"/>
-          </a:lnRef>
-          <a:fillRef idx="0">
-            <a:schemeClr val="accent1"/>
-          </a:fillRef>
-          <a:effectRef idx="0">
-            <a:schemeClr val="accent1"/>
-          </a:effectRef>
-          <a:fontRef idx="minor">
-            <a:schemeClr val="tx1"/>
-          </a:fontRef>
-        </p:style>
-      </p:cxnSp>
-      <p:sp>
-        <p:nvSpPr>
-          <p:cNvPr id="39" name="Rectangle 38">
-            <a:extLst>
-              <a:ext uri="{FF2B5EF4-FFF2-40B4-BE49-F238E27FC236}">
-                <a16:creationId xmlns:a16="http://schemas.microsoft.com/office/drawing/2014/main" id="{EDC90921-9082-491B-940E-827D679F3478}"/>
-              </a:ext>
-              <a:ext uri="{C183D7F6-B498-43B3-948B-1728B52AA6E4}">
-                <adec:decorative xmlns:adec="http://schemas.microsoft.com/office/drawing/2017/decorative" val="1"/>
-              </a:ext>
-            </a:extLst>
-          </p:cNvPr>
-          <p:cNvSpPr>
-            <a:spLocks noGrp="1" noRot="1" noChangeAspect="1" noMove="1" noResize="1" noEditPoints="1" noAdjustHandles="1" noChangeArrowheads="1" noChangeShapeType="1" noTextEdit="1"/>
-          </p:cNvSpPr>
-          <p:nvPr>
-            <p:extLst>
-              <p:ext uri="{386F3935-93C4-4BCD-93E2-E3B085C9AB24}">
-                <p16:designElem xmlns:p16="http://schemas.microsoft.com/office/powerpoint/2015/main" val="1"/>
-              </p:ext>
-            </p:extLst>
-          </p:nvPr>
-        </p:nvSpPr>
-        <p:spPr>
-          <a:xfrm>
-            <a:off x="1" y="6400800"/>
-            <a:ext cx="12192000" cy="457200"/>
-          </a:xfrm>
-          <a:prstGeom prst="rect">
-            <a:avLst/>
-          </a:prstGeom>
-          <a:solidFill>
-            <a:srgbClr val="262626">
-              <a:alpha val="95000"/>
-            </a:srgbClr>
-          </a:solidFill>
-          <a:ln>
-            <a:noFill/>
-          </a:ln>
-        </p:spPr>
-        <p:style>
-          <a:lnRef idx="2">
-            <a:schemeClr val="accent1">
-              <a:shade val="50000"/>
-            </a:schemeClr>
-          </a:lnRef>
-          <a:fillRef idx="1">
-            <a:schemeClr val="accent1"/>
-          </a:fillRef>
-          <a:effectRef idx="0">
-            <a:schemeClr val="accent1"/>
-          </a:effectRef>
-          <a:fontRef idx="minor">
-            <a:schemeClr val="lt1"/>
-          </a:fontRef>
-        </p:style>
+              <a:rPr lang="en-US" dirty="0"/>
+              <a:t>Presented by:</a:t>
+            </a:r>
+          </a:p>
+          <a:p>
+            <a:r>
+              <a:rPr lang="en-US" dirty="0"/>
+              <a:t>S Harsha Vardhan</a:t>
+            </a:r>
+          </a:p>
+          <a:p>
+            <a:r>
+              <a:rPr lang="en-US" dirty="0"/>
+              <a:t>14-July</a:t>
+            </a:r>
+            <a:endParaRPr lang="en-IN" dirty="0"/>
+          </a:p>
+        </p:txBody>
       </p:sp>
     </p:spTree>
     <p:extLst>
       <p:ext uri="{BB962C8B-B14F-4D97-AF65-F5344CB8AC3E}">
-        <p14:creationId xmlns:p14="http://schemas.microsoft.com/office/powerpoint/2010/main" val="193143965"/>
+        <p14:creationId xmlns:p14="http://schemas.microsoft.com/office/powerpoint/2010/main" val="3110762917"/>
       </p:ext>
     </p:extLst>
   </p:cSld>
   <p:clrMapOvr>
-    <a:overrideClrMapping bg1="dk1" tx1="lt1" bg2="dk2" tx2="lt2" accent1="accent1" accent2="accent2" accent3="accent3" accent4="accent4" accent5="accent5" accent6="accent6" hlink="hlink" folHlink="folHlink"/>
+    <a:masterClrMapping/>
   </p:clrMapOvr>
 </p:sld>
 </file>
@@ -3760,14 +3431,6 @@
 <file path=ppt/slides/slide2.xml><?xml version="1.0" encoding="utf-8"?>
 <p:sld xmlns:a="http://schemas.openxmlformats.org/drawingml/2006/main" xmlns:r="http://schemas.openxmlformats.org/officeDocument/2006/relationships" xmlns:p="http://schemas.openxmlformats.org/presentationml/2006/main">
   <p:cSld>
-    <p:bg>
-      <p:bgPr>
-        <a:solidFill>
-          <a:schemeClr val="bg1"/>
-        </a:solidFill>
-        <a:effectLst/>
-      </p:bgPr>
-    </p:bg>
     <p:spTree>
       <p:nvGrpSpPr>
         <p:cNvPr id="1" name=""/>
@@ -3784,524 +3447,10 @@
       </p:grpSpPr>
       <p:sp>
         <p:nvSpPr>
-          <p:cNvPr id="4" name="Title 3">
+          <p:cNvPr id="3" name="TextBox 2">
             <a:extLst>
               <a:ext uri="{FF2B5EF4-FFF2-40B4-BE49-F238E27FC236}">
-                <a16:creationId xmlns:a16="http://schemas.microsoft.com/office/drawing/2014/main" id="{ADD7502D-56E0-5981-CE30-CBE6FFD51530}"/>
-              </a:ext>
-            </a:extLst>
-          </p:cNvPr>
-          <p:cNvSpPr>
-            <a:spLocks noGrp="1"/>
-          </p:cNvSpPr>
-          <p:nvPr>
-            <p:ph type="title"/>
-          </p:nvPr>
-        </p:nvSpPr>
-        <p:spPr/>
-        <p:txBody>
-          <a:bodyPr/>
-          <a:lstStyle/>
-          <a:p>
-            <a:r>
-              <a:rPr lang="en-US" dirty="0"/>
-              <a:t>DOA Estimation</a:t>
-            </a:r>
-            <a:endParaRPr lang="en-IN" dirty="0"/>
-          </a:p>
-        </p:txBody>
-      </p:sp>
-      <p:sp>
-        <p:nvSpPr>
-          <p:cNvPr id="6" name="Text Placeholder 5">
-            <a:extLst>
-              <a:ext uri="{FF2B5EF4-FFF2-40B4-BE49-F238E27FC236}">
-                <a16:creationId xmlns:a16="http://schemas.microsoft.com/office/drawing/2014/main" id="{06F89865-EEB6-2724-D8F0-D2AA349918C6}"/>
-              </a:ext>
-            </a:extLst>
-          </p:cNvPr>
-          <p:cNvSpPr>
-            <a:spLocks noGrp="1"/>
-          </p:cNvSpPr>
-          <p:nvPr>
-            <p:ph type="body" sz="half" idx="2"/>
-          </p:nvPr>
-        </p:nvSpPr>
-        <p:spPr/>
-        <p:txBody>
-          <a:bodyPr/>
-          <a:lstStyle/>
-          <a:p>
-            <a:r>
-              <a:rPr lang="en-US" dirty="0">
-                <a:solidFill>
-                  <a:srgbClr val="FFC000"/>
-                </a:solidFill>
-              </a:rPr>
-              <a:t>Determining the Direction of Arrival or Estimating the direction of arrival of sound sources in an acoustic environment. </a:t>
-            </a:r>
-          </a:p>
-          <a:p>
-            <a:endParaRPr lang="en-IN" dirty="0"/>
-          </a:p>
-        </p:txBody>
-      </p:sp>
-      <p:graphicFrame>
-        <p:nvGraphicFramePr>
-          <p:cNvPr id="10" name="Table 10">
-            <a:extLst>
-              <a:ext uri="{FF2B5EF4-FFF2-40B4-BE49-F238E27FC236}">
-                <a16:creationId xmlns:a16="http://schemas.microsoft.com/office/drawing/2014/main" id="{9EF3AA89-8096-A4E0-03FC-FC1DBE288196}"/>
-              </a:ext>
-            </a:extLst>
-          </p:cNvPr>
-          <p:cNvGraphicFramePr>
-            <a:graphicFrameLocks noGrp="1"/>
-          </p:cNvGraphicFramePr>
-          <p:nvPr>
-            <p:ph idx="1"/>
-            <p:extLst>
-              <p:ext uri="{D42A27DB-BD31-4B8C-83A1-F6EECF244321}">
-                <p14:modId xmlns:p14="http://schemas.microsoft.com/office/powerpoint/2010/main" val="1914032161"/>
-              </p:ext>
-            </p:extLst>
-          </p:nvPr>
-        </p:nvGraphicFramePr>
-        <p:xfrm>
-          <a:off x="4838797" y="1571625"/>
-          <a:ext cx="2295428" cy="4341908"/>
-        </p:xfrm>
-        <a:graphic>
-          <a:graphicData uri="http://schemas.openxmlformats.org/drawingml/2006/table">
-            <a:tbl>
-              <a:tblPr firstRow="1" bandRow="1">
-                <a:tableStyleId>{5C22544A-7EE6-4342-B048-85BDC9FD1C3A}</a:tableStyleId>
-              </a:tblPr>
-              <a:tblGrid>
-                <a:gridCol w="2295428">
-                  <a:extLst>
-                    <a:ext uri="{9D8B030D-6E8A-4147-A177-3AD203B41FA5}">
-                      <a16:colId xmlns:a16="http://schemas.microsoft.com/office/drawing/2014/main" val="1589722548"/>
-                    </a:ext>
-                  </a:extLst>
-                </a:gridCol>
-              </a:tblGrid>
-              <a:tr h="1008522">
-                <a:tc>
-                  <a:txBody>
-                    <a:bodyPr/>
-                    <a:lstStyle/>
-                    <a:p>
-                      <a:pPr marL="0" marR="0" lvl="0" indent="0" algn="ctr" defTabSz="914400" rtl="0" eaLnBrk="1" fontAlgn="auto" latinLnBrk="0" hangingPunct="1">
-                        <a:lnSpc>
-                          <a:spcPct val="100000"/>
-                        </a:lnSpc>
-                        <a:spcBef>
-                          <a:spcPts val="0"/>
-                        </a:spcBef>
-                        <a:spcAft>
-                          <a:spcPts val="0"/>
-                        </a:spcAft>
-                        <a:buClrTx/>
-                        <a:buSzTx/>
-                        <a:buFontTx/>
-                        <a:buNone/>
-                        <a:tabLst/>
-                        <a:defRPr/>
-                      </a:pPr>
-                      <a:r>
-                        <a:rPr lang="en-US" sz="2400" b="1" dirty="0">
-                          <a:solidFill>
-                            <a:schemeClr val="bg1"/>
-                          </a:solidFill>
-                          <a:latin typeface="Arial Rounded MT Bold" panose="020F0704030504030204" pitchFamily="34" charset="0"/>
-                        </a:rPr>
-                        <a:t>Radar</a:t>
-                      </a:r>
-                      <a:endParaRPr lang="en-US" sz="2400" b="1" cap="all" spc="150" dirty="0">
-                        <a:solidFill>
-                          <a:schemeClr val="bg1"/>
-                        </a:solidFill>
-                        <a:latin typeface="Arial Rounded MT Bold" panose="020F0704030504030204" pitchFamily="34" charset="0"/>
-                      </a:endParaRPr>
-                    </a:p>
-                  </a:txBody>
-                  <a:tcPr marB="0" anchor="ctr">
-                    <a:solidFill>
-                      <a:schemeClr val="accent5"/>
-                    </a:solidFill>
-                  </a:tcPr>
-                </a:tc>
-                <a:extLst>
-                  <a:ext uri="{0D108BD9-81ED-4DB2-BD59-A6C34878D82A}">
-                    <a16:rowId xmlns:a16="http://schemas.microsoft.com/office/drawing/2014/main" val="3647829462"/>
-                  </a:ext>
-                </a:extLst>
-              </a:tr>
-              <a:tr h="1037551">
-                <a:tc>
-                  <a:txBody>
-                    <a:bodyPr/>
-                    <a:lstStyle/>
-                    <a:p>
-                      <a:pPr marL="0" marR="0" lvl="0" indent="0" algn="ctr" defTabSz="914400" rtl="0" eaLnBrk="1" fontAlgn="auto" latinLnBrk="0" hangingPunct="1">
-                        <a:lnSpc>
-                          <a:spcPct val="100000"/>
-                        </a:lnSpc>
-                        <a:spcBef>
-                          <a:spcPts val="0"/>
-                        </a:spcBef>
-                        <a:spcAft>
-                          <a:spcPts val="0"/>
-                        </a:spcAft>
-                        <a:buClrTx/>
-                        <a:buSzTx/>
-                        <a:buFontTx/>
-                        <a:buNone/>
-                        <a:tabLst/>
-                        <a:defRPr/>
-                      </a:pPr>
-                      <a:r>
-                        <a:rPr lang="en-US" sz="2400" b="1" dirty="0">
-                          <a:solidFill>
-                            <a:schemeClr val="bg1"/>
-                          </a:solidFill>
-                          <a:latin typeface="Arial Rounded MT Bold" panose="020F0704030504030204" pitchFamily="34" charset="0"/>
-                        </a:rPr>
-                        <a:t>Sonar</a:t>
-                      </a:r>
-                      <a:endParaRPr lang="en-US" sz="2400" b="1" cap="all" spc="150" dirty="0">
-                        <a:solidFill>
-                          <a:schemeClr val="bg1"/>
-                        </a:solidFill>
-                        <a:latin typeface="Arial Rounded MT Bold" panose="020F0704030504030204" pitchFamily="34" charset="0"/>
-                      </a:endParaRPr>
-                    </a:p>
-                  </a:txBody>
-                  <a:tcPr marB="0" anchor="ctr">
-                    <a:solidFill>
-                      <a:schemeClr val="accent5"/>
-                    </a:solidFill>
-                  </a:tcPr>
-                </a:tc>
-                <a:extLst>
-                  <a:ext uri="{0D108BD9-81ED-4DB2-BD59-A6C34878D82A}">
-                    <a16:rowId xmlns:a16="http://schemas.microsoft.com/office/drawing/2014/main" val="384234318"/>
-                  </a:ext>
-                </a:extLst>
-              </a:tr>
-              <a:tr h="1152835">
-                <a:tc>
-                  <a:txBody>
-                    <a:bodyPr/>
-                    <a:lstStyle/>
-                    <a:p>
-                      <a:pPr marL="0" marR="0" lvl="0" indent="0" algn="ctr" defTabSz="914400" rtl="0" eaLnBrk="1" fontAlgn="auto" latinLnBrk="0" hangingPunct="1">
-                        <a:lnSpc>
-                          <a:spcPct val="100000"/>
-                        </a:lnSpc>
-                        <a:spcBef>
-                          <a:spcPts val="0"/>
-                        </a:spcBef>
-                        <a:spcAft>
-                          <a:spcPts val="0"/>
-                        </a:spcAft>
-                        <a:buClrTx/>
-                        <a:buSzTx/>
-                        <a:buFontTx/>
-                        <a:buNone/>
-                        <a:tabLst/>
-                        <a:defRPr/>
-                      </a:pPr>
-                      <a:r>
-                        <a:rPr lang="en-US" sz="2400" b="1" dirty="0">
-                          <a:solidFill>
-                            <a:schemeClr val="bg1"/>
-                          </a:solidFill>
-                          <a:latin typeface="Arial Rounded MT Bold" panose="020F0704030504030204" pitchFamily="34" charset="0"/>
-                        </a:rPr>
-                        <a:t>Speech Recognition</a:t>
-                      </a:r>
-                      <a:endParaRPr lang="en-US" sz="2400" b="1" cap="all" spc="150" dirty="0">
-                        <a:solidFill>
-                          <a:schemeClr val="bg1"/>
-                        </a:solidFill>
-                        <a:latin typeface="Arial Rounded MT Bold" panose="020F0704030504030204" pitchFamily="34" charset="0"/>
-                      </a:endParaRPr>
-                    </a:p>
-                  </a:txBody>
-                  <a:tcPr marB="0" anchor="ctr">
-                    <a:solidFill>
-                      <a:schemeClr val="accent5"/>
-                    </a:solidFill>
-                  </a:tcPr>
-                </a:tc>
-                <a:extLst>
-                  <a:ext uri="{0D108BD9-81ED-4DB2-BD59-A6C34878D82A}">
-                    <a16:rowId xmlns:a16="http://schemas.microsoft.com/office/drawing/2014/main" val="1523373184"/>
-                  </a:ext>
-                </a:extLst>
-              </a:tr>
-              <a:tr h="1125442">
-                <a:tc>
-                  <a:txBody>
-                    <a:bodyPr/>
-                    <a:lstStyle/>
-                    <a:p>
-                      <a:pPr marL="0" marR="0" lvl="0" indent="0" algn="ctr" defTabSz="914400" rtl="0" eaLnBrk="1" fontAlgn="auto" latinLnBrk="0" hangingPunct="1">
-                        <a:lnSpc>
-                          <a:spcPct val="100000"/>
-                        </a:lnSpc>
-                        <a:spcBef>
-                          <a:spcPts val="0"/>
-                        </a:spcBef>
-                        <a:spcAft>
-                          <a:spcPts val="0"/>
-                        </a:spcAft>
-                        <a:buClrTx/>
-                        <a:buSzTx/>
-                        <a:buFontTx/>
-                        <a:buNone/>
-                        <a:tabLst/>
-                        <a:defRPr/>
-                      </a:pPr>
-                      <a:r>
-                        <a:rPr lang="en-US" sz="2400" b="1" dirty="0">
-                          <a:solidFill>
-                            <a:schemeClr val="bg1"/>
-                          </a:solidFill>
-                          <a:latin typeface="Arial Rounded MT Bold" panose="020F0704030504030204" pitchFamily="34" charset="0"/>
-                        </a:rPr>
-                        <a:t>Audio Localization</a:t>
-                      </a:r>
-                      <a:endParaRPr lang="en-US" sz="2400" b="1" cap="all" spc="150" dirty="0">
-                        <a:solidFill>
-                          <a:schemeClr val="bg1"/>
-                        </a:solidFill>
-                        <a:latin typeface="Arial Rounded MT Bold" panose="020F0704030504030204" pitchFamily="34" charset="0"/>
-                      </a:endParaRPr>
-                    </a:p>
-                    <a:p>
-                      <a:pPr algn="ctr"/>
-                      <a:endParaRPr lang="en-IN" sz="2400" b="1" dirty="0">
-                        <a:latin typeface="Arial Rounded MT Bold" panose="020F0704030504030204" pitchFamily="34" charset="0"/>
-                      </a:endParaRPr>
-                    </a:p>
-                  </a:txBody>
-                  <a:tcPr marB="0" anchor="ctr">
-                    <a:solidFill>
-                      <a:schemeClr val="accent5"/>
-                    </a:solidFill>
-                  </a:tcPr>
-                </a:tc>
-                <a:extLst>
-                  <a:ext uri="{0D108BD9-81ED-4DB2-BD59-A6C34878D82A}">
-                    <a16:rowId xmlns:a16="http://schemas.microsoft.com/office/drawing/2014/main" val="175947000"/>
-                  </a:ext>
-                </a:extLst>
-              </a:tr>
-            </a:tbl>
-          </a:graphicData>
-        </a:graphic>
-      </p:graphicFrame>
-      <p:graphicFrame>
-        <p:nvGraphicFramePr>
-          <p:cNvPr id="11" name="Table 11">
-            <a:extLst>
-              <a:ext uri="{FF2B5EF4-FFF2-40B4-BE49-F238E27FC236}">
-                <a16:creationId xmlns:a16="http://schemas.microsoft.com/office/drawing/2014/main" id="{796E7A2F-A4E4-2259-53B2-22925559886E}"/>
-              </a:ext>
-            </a:extLst>
-          </p:cNvPr>
-          <p:cNvGraphicFramePr>
-            <a:graphicFrameLocks noGrp="1"/>
-          </p:cNvGraphicFramePr>
-          <p:nvPr>
-            <p:extLst>
-              <p:ext uri="{D42A27DB-BD31-4B8C-83A1-F6EECF244321}">
-                <p14:modId xmlns:p14="http://schemas.microsoft.com/office/powerpoint/2010/main" val="2728993806"/>
-              </p:ext>
-            </p:extLst>
-          </p:nvPr>
-        </p:nvGraphicFramePr>
-        <p:xfrm>
-          <a:off x="7134225" y="1581150"/>
-          <a:ext cx="4819650" cy="4317062"/>
-        </p:xfrm>
-        <a:graphic>
-          <a:graphicData uri="http://schemas.openxmlformats.org/drawingml/2006/table">
-            <a:tbl>
-              <a:tblPr firstRow="1" bandRow="1">
-                <a:tableStyleId>{5C22544A-7EE6-4342-B048-85BDC9FD1C3A}</a:tableStyleId>
-              </a:tblPr>
-              <a:tblGrid>
-                <a:gridCol w="4819650">
-                  <a:extLst>
-                    <a:ext uri="{9D8B030D-6E8A-4147-A177-3AD203B41FA5}">
-                      <a16:colId xmlns:a16="http://schemas.microsoft.com/office/drawing/2014/main" val="799308396"/>
-                    </a:ext>
-                  </a:extLst>
-                </a:gridCol>
-              </a:tblGrid>
-              <a:tr h="1006807">
-                <a:tc>
-                  <a:txBody>
-                    <a:bodyPr/>
-                    <a:lstStyle/>
-                    <a:p>
-                      <a:r>
-                        <a:rPr lang="en-US" b="0" dirty="0">
-                          <a:solidFill>
-                            <a:schemeClr val="tx1">
-                              <a:lumMod val="65000"/>
-                              <a:lumOff val="35000"/>
-                            </a:schemeClr>
-                          </a:solidFill>
-                        </a:rPr>
-                        <a:t>For determining the location of targets (e.g., aircraft, ships).</a:t>
-                      </a:r>
-                      <a:endParaRPr lang="en-IN" b="0" dirty="0">
-                        <a:solidFill>
-                          <a:schemeClr val="tx1">
-                            <a:lumMod val="65000"/>
-                            <a:lumOff val="35000"/>
-                          </a:schemeClr>
-                        </a:solidFill>
-                      </a:endParaRPr>
-                    </a:p>
-                  </a:txBody>
-                  <a:tcPr anchor="ctr">
-                    <a:noFill/>
-                  </a:tcPr>
-                </a:tc>
-                <a:extLst>
-                  <a:ext uri="{0D108BD9-81ED-4DB2-BD59-A6C34878D82A}">
-                    <a16:rowId xmlns:a16="http://schemas.microsoft.com/office/drawing/2014/main" val="560651308"/>
-                  </a:ext>
-                </a:extLst>
-              </a:tr>
-              <a:tr h="999899">
-                <a:tc>
-                  <a:txBody>
-                    <a:bodyPr/>
-                    <a:lstStyle/>
-                    <a:p>
-                      <a:pPr marL="0" marR="0" lvl="0" indent="0" algn="l" defTabSz="914400" rtl="0" eaLnBrk="1" fontAlgn="auto" latinLnBrk="0" hangingPunct="1">
-                        <a:lnSpc>
-                          <a:spcPct val="100000"/>
-                        </a:lnSpc>
-                        <a:spcBef>
-                          <a:spcPts val="0"/>
-                        </a:spcBef>
-                        <a:spcAft>
-                          <a:spcPts val="0"/>
-                        </a:spcAft>
-                        <a:buClrTx/>
-                        <a:buSzTx/>
-                        <a:buFontTx/>
-                        <a:buNone/>
-                        <a:tabLst/>
-                        <a:defRPr/>
-                      </a:pPr>
-                      <a:r>
-                        <a:rPr lang="en-US" dirty="0">
-                          <a:solidFill>
-                            <a:schemeClr val="tx1">
-                              <a:lumMod val="65000"/>
-                              <a:lumOff val="35000"/>
-                            </a:schemeClr>
-                          </a:solidFill>
-                        </a:rPr>
-                        <a:t>Determines the location of underwater objects (e.g., submarines, mines).</a:t>
-                      </a:r>
-                    </a:p>
-                  </a:txBody>
-                  <a:tcPr anchor="ctr">
-                    <a:noFill/>
-                  </a:tcPr>
-                </a:tc>
-                <a:extLst>
-                  <a:ext uri="{0D108BD9-81ED-4DB2-BD59-A6C34878D82A}">
-                    <a16:rowId xmlns:a16="http://schemas.microsoft.com/office/drawing/2014/main" val="884266901"/>
-                  </a:ext>
-                </a:extLst>
-              </a:tr>
-              <a:tr h="1157978">
-                <a:tc>
-                  <a:txBody>
-                    <a:bodyPr/>
-                    <a:lstStyle/>
-                    <a:p>
-                      <a:r>
-                        <a:rPr lang="en-US" dirty="0">
-                          <a:solidFill>
-                            <a:schemeClr val="tx1">
-                              <a:lumMod val="65000"/>
-                              <a:lumOff val="35000"/>
-                            </a:schemeClr>
-                          </a:solidFill>
-                        </a:rPr>
-                        <a:t>Improves the accuracy of speech recognition systems by determining the direction of arrival of a speaker's voice</a:t>
-                      </a:r>
-                      <a:endParaRPr lang="en-IN" dirty="0">
-                        <a:solidFill>
-                          <a:schemeClr val="tx1">
-                            <a:lumMod val="65000"/>
-                            <a:lumOff val="35000"/>
-                          </a:schemeClr>
-                        </a:solidFill>
-                      </a:endParaRPr>
-                    </a:p>
-                  </a:txBody>
-                  <a:tcPr anchor="ctr">
-                    <a:noFill/>
-                  </a:tcPr>
-                </a:tc>
-                <a:extLst>
-                  <a:ext uri="{0D108BD9-81ED-4DB2-BD59-A6C34878D82A}">
-                    <a16:rowId xmlns:a16="http://schemas.microsoft.com/office/drawing/2014/main" val="2211406487"/>
-                  </a:ext>
-                </a:extLst>
-              </a:tr>
-              <a:tr h="1152378">
-                <a:tc>
-                  <a:txBody>
-                    <a:bodyPr/>
-                    <a:lstStyle/>
-                    <a:p>
-                      <a:r>
-                        <a:rPr lang="en-US" dirty="0">
-                          <a:solidFill>
-                            <a:schemeClr val="tx1">
-                              <a:lumMod val="65000"/>
-                              <a:lumOff val="35000"/>
-                            </a:schemeClr>
-                          </a:solidFill>
-                        </a:rPr>
-                        <a:t>Improves the quality of audio systems (e.g., headphones, speakers) by determining the location of sound sources</a:t>
-                      </a:r>
-                    </a:p>
-                  </a:txBody>
-                  <a:tcPr anchor="ctr">
-                    <a:noFill/>
-                  </a:tcPr>
-                </a:tc>
-                <a:extLst>
-                  <a:ext uri="{0D108BD9-81ED-4DB2-BD59-A6C34878D82A}">
-                    <a16:rowId xmlns:a16="http://schemas.microsoft.com/office/drawing/2014/main" val="2695081611"/>
-                  </a:ext>
-                </a:extLst>
-              </a:tr>
-            </a:tbl>
-          </a:graphicData>
-        </a:graphic>
-      </p:graphicFrame>
-      <p:sp>
-        <p:nvSpPr>
-          <p:cNvPr id="12" name="TextBox 11">
-            <a:extLst>
-              <a:ext uri="{FF2B5EF4-FFF2-40B4-BE49-F238E27FC236}">
-                <a16:creationId xmlns:a16="http://schemas.microsoft.com/office/drawing/2014/main" id="{285E3572-49F2-6115-A2B4-BF5B2B782E2B}"/>
+                <a16:creationId xmlns:a16="http://schemas.microsoft.com/office/drawing/2014/main" id="{B2C2F46D-B576-305B-1083-31759DF8781C}"/>
               </a:ext>
             </a:extLst>
           </p:cNvPr>
@@ -4310,8 +3459,8 @@
         </p:nvSpPr>
         <p:spPr>
           <a:xfrm>
-            <a:off x="5791200" y="677774"/>
-            <a:ext cx="5553075" cy="646331"/>
+            <a:off x="1971675" y="180975"/>
+            <a:ext cx="7219950" cy="523220"/>
           </a:xfrm>
           <a:prstGeom prst="rect">
             <a:avLst/>
@@ -4324,14 +3473,477 @@
           </a:bodyPr>
           <a:lstStyle/>
           <a:p>
-            <a:r>
-              <a:rPr lang="en-US" sz="3600" dirty="0">
-                <a:latin typeface="Arial Rounded MT Bold" panose="020F0704030504030204" pitchFamily="34" charset="0"/>
+            <a:pPr algn="ctr"/>
+            <a:r>
+              <a:rPr lang="en-US" sz="2800" b="1" dirty="0"/>
+              <a:t>Applications of Direction of Arrival Estimation</a:t>
+            </a:r>
+            <a:endParaRPr lang="en-IN" sz="2800" b="1" dirty="0"/>
+          </a:p>
+        </p:txBody>
+      </p:sp>
+      <p:sp>
+        <p:nvSpPr>
+          <p:cNvPr id="4" name="TextBox 3">
+            <a:extLst>
+              <a:ext uri="{FF2B5EF4-FFF2-40B4-BE49-F238E27FC236}">
+                <a16:creationId xmlns:a16="http://schemas.microsoft.com/office/drawing/2014/main" id="{4769AB1B-7CFC-C51A-8E26-D8D7BC8A5AAE}"/>
+              </a:ext>
+            </a:extLst>
+          </p:cNvPr>
+          <p:cNvSpPr txBox="1"/>
+          <p:nvPr/>
+        </p:nvSpPr>
+        <p:spPr>
+          <a:xfrm>
+            <a:off x="5581651" y="3429000"/>
+            <a:ext cx="3195468" cy="2031325"/>
+          </a:xfrm>
+          <a:prstGeom prst="rect">
+            <a:avLst/>
+          </a:prstGeom>
+          <a:noFill/>
+        </p:spPr>
+        <p:txBody>
+          <a:bodyPr wrap="square" rtlCol="0">
+            <a:spAutoFit/>
+          </a:bodyPr>
+          <a:lstStyle/>
+          <a:p>
+            <a:pPr algn="l"/>
+            <a:r>
+              <a:rPr lang="en-US" b="1" i="0" dirty="0">
+                <a:solidFill>
+                  <a:schemeClr val="tx1">
+                    <a:lumMod val="75000"/>
+                    <a:lumOff val="25000"/>
+                  </a:schemeClr>
+                </a:solidFill>
+                <a:effectLst/>
               </a:rPr>
-              <a:t>Applications of DOA</a:t>
-            </a:r>
-            <a:endParaRPr lang="en-IN" sz="3600" dirty="0">
-              <a:latin typeface="Arial Rounded MT Bold" panose="020F0704030504030204" pitchFamily="34" charset="0"/>
+              <a:t>Audio Localization:</a:t>
+            </a:r>
+            <a:r>
+              <a:rPr lang="en-US" b="0" i="0" dirty="0">
+                <a:solidFill>
+                  <a:schemeClr val="tx1">
+                    <a:lumMod val="75000"/>
+                    <a:lumOff val="25000"/>
+                  </a:schemeClr>
+                </a:solidFill>
+                <a:effectLst/>
+              </a:rPr>
+              <a:t> </a:t>
+            </a:r>
+            <a:r>
+              <a:rPr lang="en-US" sz="1800" b="0" i="0" u="none" strike="noStrike" dirty="0">
+                <a:solidFill>
+                  <a:srgbClr val="000000"/>
+                </a:solidFill>
+                <a:effectLst/>
+              </a:rPr>
+              <a:t>It is used in audio localization to determine the location of sound sources. This information can be used to improve the quality of audio systems, such as headphones and speakers.</a:t>
+            </a:r>
+            <a:endParaRPr lang="en-IN" dirty="0">
+              <a:solidFill>
+                <a:schemeClr val="tx1">
+                  <a:lumMod val="75000"/>
+                  <a:lumOff val="25000"/>
+                </a:schemeClr>
+              </a:solidFill>
+            </a:endParaRPr>
+          </a:p>
+        </p:txBody>
+      </p:sp>
+      <p:pic>
+        <p:nvPicPr>
+          <p:cNvPr id="6" name="Picture 5">
+            <a:extLst>
+              <a:ext uri="{FF2B5EF4-FFF2-40B4-BE49-F238E27FC236}">
+                <a16:creationId xmlns:a16="http://schemas.microsoft.com/office/drawing/2014/main" id="{69D9AAC0-11F7-C3EE-0857-70EDAE5F8DFB}"/>
+              </a:ext>
+            </a:extLst>
+          </p:cNvPr>
+          <p:cNvPicPr>
+            <a:picLocks noChangeAspect="1"/>
+          </p:cNvPicPr>
+          <p:nvPr/>
+        </p:nvPicPr>
+        <p:blipFill>
+          <a:blip r:embed="rId2"/>
+          <a:stretch>
+            <a:fillRect/>
+          </a:stretch>
+        </p:blipFill>
+        <p:spPr>
+          <a:xfrm>
+            <a:off x="495300" y="914844"/>
+            <a:ext cx="2446166" cy="1724026"/>
+          </a:xfrm>
+          <a:prstGeom prst="rect">
+            <a:avLst/>
+          </a:prstGeom>
+        </p:spPr>
+      </p:pic>
+      <p:pic>
+        <p:nvPicPr>
+          <p:cNvPr id="11" name="Picture 10">
+            <a:extLst>
+              <a:ext uri="{FF2B5EF4-FFF2-40B4-BE49-F238E27FC236}">
+                <a16:creationId xmlns:a16="http://schemas.microsoft.com/office/drawing/2014/main" id="{78E57700-B465-40F7-82EC-9421BC4B8323}"/>
+              </a:ext>
+            </a:extLst>
+          </p:cNvPr>
+          <p:cNvPicPr>
+            <a:picLocks noChangeAspect="1"/>
+          </p:cNvPicPr>
+          <p:nvPr/>
+        </p:nvPicPr>
+        <p:blipFill>
+          <a:blip r:embed="rId3"/>
+          <a:stretch>
+            <a:fillRect/>
+          </a:stretch>
+        </p:blipFill>
+        <p:spPr>
+          <a:xfrm>
+            <a:off x="3234955" y="3260051"/>
+            <a:ext cx="2057401" cy="2239242"/>
+          </a:xfrm>
+          <a:prstGeom prst="rect">
+            <a:avLst/>
+          </a:prstGeom>
+        </p:spPr>
+      </p:pic>
+      <p:pic>
+        <p:nvPicPr>
+          <p:cNvPr id="2056" name="Picture 8" descr="Direction-of-Voice (DoV) Estimation for Intuitive Speech Interaction with Smart  Devices Ecosystems | Proceedings of the 33rd Annual ACM Symposium on User  Interface Software and Technology">
+            <a:extLst>
+              <a:ext uri="{FF2B5EF4-FFF2-40B4-BE49-F238E27FC236}">
+                <a16:creationId xmlns:a16="http://schemas.microsoft.com/office/drawing/2014/main" id="{F7623971-C640-8B05-F4C3-C58741CFA02D}"/>
+              </a:ext>
+            </a:extLst>
+          </p:cNvPr>
+          <p:cNvPicPr>
+            <a:picLocks noChangeAspect="1" noChangeArrowheads="1"/>
+          </p:cNvPicPr>
+          <p:nvPr/>
+        </p:nvPicPr>
+        <p:blipFill>
+          <a:blip r:embed="rId4">
+            <a:extLst>
+              <a:ext uri="{28A0092B-C50C-407E-A947-70E740481C1C}">
+                <a14:useLocalDpi xmlns:a14="http://schemas.microsoft.com/office/drawing/2010/main" val="0"/>
+              </a:ext>
+            </a:extLst>
+          </a:blip>
+          <a:srcRect/>
+          <a:stretch>
+            <a:fillRect/>
+          </a:stretch>
+        </p:blipFill>
+        <p:spPr bwMode="auto">
+          <a:xfrm>
+            <a:off x="5682974" y="779770"/>
+            <a:ext cx="2541694" cy="1828800"/>
+          </a:xfrm>
+          <a:prstGeom prst="rect">
+            <a:avLst/>
+          </a:prstGeom>
+          <a:noFill/>
+          <a:extLst>
+            <a:ext uri="{909E8E84-426E-40DD-AFC4-6F175D3DCCD1}">
+              <a14:hiddenFill xmlns:a14="http://schemas.microsoft.com/office/drawing/2010/main">
+                <a:solidFill>
+                  <a:srgbClr val="FFFFFF"/>
+                </a:solidFill>
+              </a14:hiddenFill>
+            </a:ext>
+          </a:extLst>
+        </p:spPr>
+      </p:pic>
+      <p:pic>
+        <p:nvPicPr>
+          <p:cNvPr id="2058" name="Picture 10" descr="difference between active and passive noise cancelling Off 65%">
+            <a:extLst>
+              <a:ext uri="{FF2B5EF4-FFF2-40B4-BE49-F238E27FC236}">
+                <a16:creationId xmlns:a16="http://schemas.microsoft.com/office/drawing/2014/main" id="{C390D610-D7EB-DE3F-C15F-702D6F6247B3}"/>
+              </a:ext>
+            </a:extLst>
+          </p:cNvPr>
+          <p:cNvPicPr>
+            <a:picLocks noChangeAspect="1" noChangeArrowheads="1"/>
+          </p:cNvPicPr>
+          <p:nvPr/>
+        </p:nvPicPr>
+        <p:blipFill>
+          <a:blip r:embed="rId5">
+            <a:extLst>
+              <a:ext uri="{28A0092B-C50C-407E-A947-70E740481C1C}">
+                <a14:useLocalDpi xmlns:a14="http://schemas.microsoft.com/office/drawing/2010/main" val="0"/>
+              </a:ext>
+            </a:extLst>
+          </a:blip>
+          <a:srcRect/>
+          <a:stretch>
+            <a:fillRect/>
+          </a:stretch>
+        </p:blipFill>
+        <p:spPr bwMode="auto">
+          <a:xfrm>
+            <a:off x="9118971" y="3336059"/>
+            <a:ext cx="2787279" cy="1815954"/>
+          </a:xfrm>
+          <a:prstGeom prst="rect">
+            <a:avLst/>
+          </a:prstGeom>
+          <a:noFill/>
+          <a:extLst>
+            <a:ext uri="{909E8E84-426E-40DD-AFC4-6F175D3DCCD1}">
+              <a14:hiddenFill xmlns:a14="http://schemas.microsoft.com/office/drawing/2010/main">
+                <a:solidFill>
+                  <a:srgbClr val="FFFFFF"/>
+                </a:solidFill>
+              </a14:hiddenFill>
+            </a:ext>
+          </a:extLst>
+        </p:spPr>
+      </p:pic>
+      <p:sp>
+        <p:nvSpPr>
+          <p:cNvPr id="12" name="TextBox 11">
+            <a:extLst>
+              <a:ext uri="{FF2B5EF4-FFF2-40B4-BE49-F238E27FC236}">
+                <a16:creationId xmlns:a16="http://schemas.microsoft.com/office/drawing/2014/main" id="{529E76C9-A05F-9E57-6419-4347A7ABABED}"/>
+              </a:ext>
+            </a:extLst>
+          </p:cNvPr>
+          <p:cNvSpPr txBox="1"/>
+          <p:nvPr/>
+        </p:nvSpPr>
+        <p:spPr>
+          <a:xfrm>
+            <a:off x="2892795" y="1038193"/>
+            <a:ext cx="2741719" cy="1477328"/>
+          </a:xfrm>
+          <a:prstGeom prst="rect">
+            <a:avLst/>
+          </a:prstGeom>
+          <a:noFill/>
+        </p:spPr>
+        <p:txBody>
+          <a:bodyPr wrap="square" rtlCol="0">
+            <a:spAutoFit/>
+          </a:bodyPr>
+          <a:lstStyle/>
+          <a:p>
+            <a:pPr algn="l"/>
+            <a:r>
+              <a:rPr lang="en-US" b="1" i="0" dirty="0">
+                <a:solidFill>
+                  <a:schemeClr val="tx1">
+                    <a:lumMod val="75000"/>
+                    <a:lumOff val="25000"/>
+                  </a:schemeClr>
+                </a:solidFill>
+                <a:effectLst/>
+              </a:rPr>
+              <a:t>Radar:</a:t>
+            </a:r>
+            <a:r>
+              <a:rPr lang="en-US" b="0" i="0" dirty="0">
+                <a:solidFill>
+                  <a:schemeClr val="tx1">
+                    <a:lumMod val="75000"/>
+                    <a:lumOff val="25000"/>
+                  </a:schemeClr>
+                </a:solidFill>
+                <a:effectLst/>
+              </a:rPr>
+              <a:t> Used to Determine the location of targets. </a:t>
+            </a:r>
+            <a:r>
+              <a:rPr lang="en-US" sz="1800" b="0" i="0" u="none" strike="noStrike" dirty="0">
+                <a:solidFill>
+                  <a:schemeClr val="tx1">
+                    <a:lumMod val="75000"/>
+                    <a:lumOff val="25000"/>
+                  </a:schemeClr>
+                </a:solidFill>
+                <a:effectLst/>
+              </a:rPr>
+              <a:t>This information can be used to track aircraft, ships, and other objects.</a:t>
+            </a:r>
+            <a:endParaRPr lang="en-US" b="0" i="0" dirty="0">
+              <a:solidFill>
+                <a:schemeClr val="tx1">
+                  <a:lumMod val="75000"/>
+                  <a:lumOff val="25000"/>
+                </a:schemeClr>
+              </a:solidFill>
+              <a:effectLst/>
+            </a:endParaRPr>
+          </a:p>
+        </p:txBody>
+      </p:sp>
+      <p:sp>
+        <p:nvSpPr>
+          <p:cNvPr id="13" name="TextBox 12">
+            <a:extLst>
+              <a:ext uri="{FF2B5EF4-FFF2-40B4-BE49-F238E27FC236}">
+                <a16:creationId xmlns:a16="http://schemas.microsoft.com/office/drawing/2014/main" id="{71581F5B-56C7-0FB3-9B80-11AA72835AC9}"/>
+              </a:ext>
+            </a:extLst>
+          </p:cNvPr>
+          <p:cNvSpPr txBox="1"/>
+          <p:nvPr/>
+        </p:nvSpPr>
+        <p:spPr>
+          <a:xfrm>
+            <a:off x="570450" y="3572799"/>
+            <a:ext cx="2628994" cy="1754326"/>
+          </a:xfrm>
+          <a:prstGeom prst="rect">
+            <a:avLst/>
+          </a:prstGeom>
+          <a:noFill/>
+        </p:spPr>
+        <p:txBody>
+          <a:bodyPr wrap="square" rtlCol="0">
+            <a:spAutoFit/>
+          </a:bodyPr>
+          <a:lstStyle/>
+          <a:p>
+            <a:r>
+              <a:rPr lang="en-US" b="1" i="0" dirty="0">
+                <a:solidFill>
+                  <a:schemeClr val="tx1">
+                    <a:lumMod val="75000"/>
+                    <a:lumOff val="25000"/>
+                  </a:schemeClr>
+                </a:solidFill>
+                <a:effectLst/>
+              </a:rPr>
+              <a:t>Sonar:</a:t>
+            </a:r>
+            <a:r>
+              <a:rPr lang="en-US" b="0" i="0" dirty="0">
+                <a:solidFill>
+                  <a:schemeClr val="tx1">
+                    <a:lumMod val="75000"/>
+                    <a:lumOff val="25000"/>
+                  </a:schemeClr>
+                </a:solidFill>
+                <a:effectLst/>
+              </a:rPr>
+              <a:t> Determines the location of underwater objects. </a:t>
+            </a:r>
+            <a:r>
+              <a:rPr lang="en-US" sz="1800" b="0" i="0" u="none" strike="noStrike" dirty="0">
+                <a:solidFill>
+                  <a:schemeClr val="tx1">
+                    <a:lumMod val="75000"/>
+                    <a:lumOff val="25000"/>
+                  </a:schemeClr>
+                </a:solidFill>
+                <a:effectLst/>
+              </a:rPr>
+              <a:t>can be used to track submarines, mines, ships etc. </a:t>
+            </a:r>
+            <a:endParaRPr lang="en-US" b="0" i="0" dirty="0">
+              <a:solidFill>
+                <a:schemeClr val="tx1">
+                  <a:lumMod val="75000"/>
+                  <a:lumOff val="25000"/>
+                </a:schemeClr>
+              </a:solidFill>
+              <a:effectLst/>
+            </a:endParaRPr>
+          </a:p>
+          <a:p>
+            <a:endParaRPr lang="en-IN" dirty="0">
+              <a:solidFill>
+                <a:schemeClr val="tx1">
+                  <a:lumMod val="75000"/>
+                  <a:lumOff val="25000"/>
+                </a:schemeClr>
+              </a:solidFill>
+            </a:endParaRPr>
+          </a:p>
+        </p:txBody>
+      </p:sp>
+      <p:sp>
+        <p:nvSpPr>
+          <p:cNvPr id="14" name="TextBox 13">
+            <a:extLst>
+              <a:ext uri="{FF2B5EF4-FFF2-40B4-BE49-F238E27FC236}">
+                <a16:creationId xmlns:a16="http://schemas.microsoft.com/office/drawing/2014/main" id="{B97FA512-AD81-63DA-F248-5FB30C0F4B18}"/>
+              </a:ext>
+            </a:extLst>
+          </p:cNvPr>
+          <p:cNvSpPr txBox="1"/>
+          <p:nvPr/>
+        </p:nvSpPr>
+        <p:spPr>
+          <a:xfrm>
+            <a:off x="8348832" y="642640"/>
+            <a:ext cx="3557418" cy="2308324"/>
+          </a:xfrm>
+          <a:prstGeom prst="rect">
+            <a:avLst/>
+          </a:prstGeom>
+          <a:noFill/>
+        </p:spPr>
+        <p:txBody>
+          <a:bodyPr wrap="square" rtlCol="0">
+            <a:spAutoFit/>
+          </a:bodyPr>
+          <a:lstStyle/>
+          <a:p>
+            <a:r>
+              <a:rPr lang="en-US" b="1" i="0" dirty="0">
+                <a:solidFill>
+                  <a:schemeClr val="tx1">
+                    <a:lumMod val="75000"/>
+                    <a:lumOff val="25000"/>
+                  </a:schemeClr>
+                </a:solidFill>
+                <a:effectLst/>
+              </a:rPr>
+              <a:t>Speech Recognition:</a:t>
+            </a:r>
+            <a:r>
+              <a:rPr lang="en-US" b="0" i="0" dirty="0">
+                <a:solidFill>
+                  <a:schemeClr val="tx1">
+                    <a:lumMod val="75000"/>
+                    <a:lumOff val="25000"/>
+                  </a:schemeClr>
+                </a:solidFill>
+                <a:effectLst/>
+              </a:rPr>
+              <a:t> Improves the accuracy of speech recognition systems by determining the direction of arrival of a speaker's voice and </a:t>
+            </a:r>
+            <a:r>
+              <a:rPr lang="en-US" sz="1800" b="0" i="0" u="none" strike="noStrike" dirty="0">
+                <a:solidFill>
+                  <a:srgbClr val="000000"/>
+                </a:solidFill>
+                <a:effectLst/>
+              </a:rPr>
+              <a:t>can be used to improve the accuracy of speech recognition systems.</a:t>
+            </a:r>
+          </a:p>
+          <a:p>
+            <a:pPr algn="l"/>
+            <a:endParaRPr lang="en-US" b="0" i="0" dirty="0">
+              <a:solidFill>
+                <a:schemeClr val="tx1">
+                  <a:lumMod val="75000"/>
+                  <a:lumOff val="25000"/>
+                </a:schemeClr>
+              </a:solidFill>
+              <a:effectLst/>
             </a:endParaRPr>
           </a:p>
         </p:txBody>
@@ -4339,7 +3951,7 @@
     </p:spTree>
     <p:extLst>
       <p:ext uri="{BB962C8B-B14F-4D97-AF65-F5344CB8AC3E}">
-        <p14:creationId xmlns:p14="http://schemas.microsoft.com/office/powerpoint/2010/main" val="1129354608"/>
+        <p14:creationId xmlns:p14="http://schemas.microsoft.com/office/powerpoint/2010/main" val="224778429"/>
       </p:ext>
     </p:extLst>
   </p:cSld>
@@ -4366,413 +3978,12 @@
           <a:chExt cx="0" cy="0"/>
         </a:xfrm>
       </p:grpSpPr>
-      <p:sp>
-        <p:nvSpPr>
-          <p:cNvPr id="9" name="TextBox 8">
-            <a:extLst>
-              <a:ext uri="{FF2B5EF4-FFF2-40B4-BE49-F238E27FC236}">
-                <a16:creationId xmlns:a16="http://schemas.microsoft.com/office/drawing/2014/main" id="{3927A8D0-E5B9-DED5-A7B6-DA4898A989F2}"/>
-              </a:ext>
-            </a:extLst>
-          </p:cNvPr>
-          <p:cNvSpPr txBox="1"/>
-          <p:nvPr/>
-        </p:nvSpPr>
-        <p:spPr>
-          <a:xfrm>
-            <a:off x="523874" y="829569"/>
-            <a:ext cx="9963150" cy="461665"/>
-          </a:xfrm>
-          <a:prstGeom prst="rect">
-            <a:avLst/>
-          </a:prstGeom>
-          <a:noFill/>
-        </p:spPr>
-        <p:txBody>
-          <a:bodyPr wrap="square" rtlCol="0">
-            <a:spAutoFit/>
-          </a:bodyPr>
-          <a:lstStyle/>
-          <a:p>
-            <a:r>
-              <a:rPr lang="en-IN" sz="2400" b="1" dirty="0">
-                <a:solidFill>
-                  <a:schemeClr val="accent2">
-                    <a:lumMod val="75000"/>
-                  </a:schemeClr>
-                </a:solidFill>
-                <a:latin typeface="Times New Roman" panose="02020603050405020304" pitchFamily="18" charset="0"/>
-              </a:rPr>
-              <a:t>N</a:t>
-            </a:r>
-            <a:r>
-              <a:rPr lang="en-IN" sz="2400" b="1" i="0" u="none" strike="noStrike" dirty="0">
-                <a:solidFill>
-                  <a:schemeClr val="accent2">
-                    <a:lumMod val="75000"/>
-                  </a:schemeClr>
-                </a:solidFill>
-                <a:effectLst/>
-                <a:latin typeface="Times New Roman" panose="02020603050405020304" pitchFamily="18" charset="0"/>
-              </a:rPr>
-              <a:t>arrowband</a:t>
-            </a:r>
-            <a:r>
-              <a:rPr lang="en-IN" sz="2400" b="0" i="0" u="none" strike="noStrike" dirty="0">
-                <a:solidFill>
-                  <a:schemeClr val="accent2">
-                    <a:lumMod val="75000"/>
-                  </a:schemeClr>
-                </a:solidFill>
-                <a:effectLst/>
-                <a:latin typeface="Times New Roman" panose="02020603050405020304" pitchFamily="18" charset="0"/>
-              </a:rPr>
-              <a:t> and </a:t>
-            </a:r>
-            <a:r>
-              <a:rPr lang="en-IN" sz="2400" b="1" dirty="0">
-                <a:solidFill>
-                  <a:schemeClr val="accent2">
-                    <a:lumMod val="75000"/>
-                  </a:schemeClr>
-                </a:solidFill>
-                <a:latin typeface="Times New Roman" panose="02020603050405020304" pitchFamily="18" charset="0"/>
-              </a:rPr>
-              <a:t>B</a:t>
-            </a:r>
-            <a:r>
-              <a:rPr lang="en-IN" sz="2400" b="1" i="0" u="none" strike="noStrike" dirty="0">
-                <a:solidFill>
-                  <a:schemeClr val="accent2">
-                    <a:lumMod val="75000"/>
-                  </a:schemeClr>
-                </a:solidFill>
-                <a:effectLst/>
-                <a:latin typeface="Times New Roman" panose="02020603050405020304" pitchFamily="18" charset="0"/>
-              </a:rPr>
-              <a:t>roadband</a:t>
-            </a:r>
-            <a:r>
-              <a:rPr lang="en-US" sz="2400" b="1" i="0" u="none" strike="noStrike" dirty="0">
-                <a:solidFill>
-                  <a:schemeClr val="accent2">
-                    <a:lumMod val="75000"/>
-                  </a:schemeClr>
-                </a:solidFill>
-                <a:effectLst/>
-                <a:latin typeface="Times New Roman" panose="02020603050405020304" pitchFamily="18" charset="0"/>
-              </a:rPr>
-              <a:t> </a:t>
-            </a:r>
-            <a:endParaRPr lang="en-IN" sz="2400" dirty="0">
-              <a:solidFill>
-                <a:schemeClr val="accent2">
-                  <a:lumMod val="75000"/>
-                </a:schemeClr>
-              </a:solidFill>
-            </a:endParaRPr>
-          </a:p>
-        </p:txBody>
-      </p:sp>
-      <p:sp>
-        <p:nvSpPr>
-          <p:cNvPr id="10" name="TextBox 9">
-            <a:extLst>
-              <a:ext uri="{FF2B5EF4-FFF2-40B4-BE49-F238E27FC236}">
-                <a16:creationId xmlns:a16="http://schemas.microsoft.com/office/drawing/2014/main" id="{CF896990-41F9-4650-7FC5-2B356F126067}"/>
-              </a:ext>
-            </a:extLst>
-          </p:cNvPr>
-          <p:cNvSpPr txBox="1"/>
-          <p:nvPr/>
-        </p:nvSpPr>
-        <p:spPr>
-          <a:xfrm>
-            <a:off x="361950" y="1242715"/>
-            <a:ext cx="11468100" cy="646331"/>
-          </a:xfrm>
-          <a:prstGeom prst="rect">
-            <a:avLst/>
-          </a:prstGeom>
-          <a:noFill/>
-        </p:spPr>
-        <p:txBody>
-          <a:bodyPr wrap="square" rtlCol="0">
-            <a:spAutoFit/>
-          </a:bodyPr>
-          <a:lstStyle/>
-          <a:p>
-            <a:pPr marL="285750" indent="-285750">
-              <a:buFontTx/>
-              <a:buChar char="-"/>
-            </a:pPr>
-            <a:r>
-              <a:rPr lang="en-US" sz="1800" b="0" i="0" u="none" strike="noStrike" dirty="0">
-                <a:solidFill>
-                  <a:srgbClr val="000000"/>
-                </a:solidFill>
-                <a:effectLst/>
-                <a:latin typeface="Times New Roman" panose="02020603050405020304" pitchFamily="18" charset="0"/>
-              </a:rPr>
-              <a:t>Narrowband DOA estimation methods assume that the signal is narrowband, meaning that it has a single frequency</a:t>
-            </a:r>
-            <a:endParaRPr lang="en-IN" sz="1800" b="0" i="0" u="none" strike="noStrike" dirty="0">
-              <a:solidFill>
-                <a:srgbClr val="000000"/>
-              </a:solidFill>
-              <a:effectLst/>
-              <a:latin typeface="Times New Roman" panose="02020603050405020304" pitchFamily="18" charset="0"/>
-            </a:endParaRPr>
-          </a:p>
-          <a:p>
-            <a:pPr marL="285750" indent="-285750">
-              <a:buFontTx/>
-              <a:buChar char="-"/>
-            </a:pPr>
-            <a:r>
-              <a:rPr lang="en-US" sz="1800" b="0" i="0" u="none" strike="noStrike" dirty="0">
-                <a:solidFill>
-                  <a:srgbClr val="000000"/>
-                </a:solidFill>
-                <a:effectLst/>
-                <a:latin typeface="Times New Roman" panose="02020603050405020304" pitchFamily="18" charset="0"/>
-              </a:rPr>
-              <a:t>Broadband DOA estimation methods assume that the signal is broadband, meaning that it has a range of frequencies</a:t>
-            </a:r>
-            <a:endParaRPr lang="en-IN" dirty="0">
-              <a:solidFill>
-                <a:srgbClr val="000000"/>
-              </a:solidFill>
-              <a:latin typeface="Times New Roman" panose="02020603050405020304" pitchFamily="18" charset="0"/>
-            </a:endParaRPr>
-          </a:p>
-        </p:txBody>
-      </p:sp>
-      <p:sp>
-        <p:nvSpPr>
-          <p:cNvPr id="11" name="TextBox 10">
-            <a:extLst>
-              <a:ext uri="{FF2B5EF4-FFF2-40B4-BE49-F238E27FC236}">
-                <a16:creationId xmlns:a16="http://schemas.microsoft.com/office/drawing/2014/main" id="{3C252211-33C3-FFEF-0659-1A311FA1B502}"/>
-              </a:ext>
-            </a:extLst>
-          </p:cNvPr>
-          <p:cNvSpPr txBox="1"/>
-          <p:nvPr/>
-        </p:nvSpPr>
-        <p:spPr>
-          <a:xfrm flipH="1">
-            <a:off x="457199" y="1779390"/>
-            <a:ext cx="10696575" cy="2462213"/>
-          </a:xfrm>
-          <a:prstGeom prst="rect">
-            <a:avLst/>
-          </a:prstGeom>
-          <a:noFill/>
-        </p:spPr>
-        <p:txBody>
-          <a:bodyPr wrap="square" rtlCol="0">
-            <a:spAutoFit/>
-          </a:bodyPr>
-          <a:lstStyle/>
-          <a:p>
-            <a:r>
-              <a:rPr lang="en-US" sz="2400" b="1" i="0" u="none" strike="noStrike" dirty="0">
-                <a:solidFill>
-                  <a:schemeClr val="accent2">
-                    <a:lumMod val="75000"/>
-                  </a:schemeClr>
-                </a:solidFill>
-                <a:effectLst/>
-                <a:latin typeface="Times New Roman" panose="02020603050405020304" pitchFamily="18" charset="0"/>
-              </a:rPr>
-              <a:t>Traditional DSP methods for DOA estimation</a:t>
-            </a:r>
-          </a:p>
-          <a:p>
-            <a:pPr marL="285750" marR="57150" indent="-285750" algn="just" rtl="0">
-              <a:spcBef>
-                <a:spcPts val="0"/>
-              </a:spcBef>
-              <a:spcAft>
-                <a:spcPts val="0"/>
-              </a:spcAft>
-              <a:buFont typeface="Wingdings" panose="05000000000000000000" pitchFamily="2" charset="2"/>
-              <a:buChar char="q"/>
-            </a:pPr>
-            <a:r>
-              <a:rPr lang="en-IN" sz="1800" i="0" dirty="0">
-                <a:solidFill>
-                  <a:srgbClr val="000000"/>
-                </a:solidFill>
-                <a:effectLst/>
-                <a:latin typeface="Times New Roman" panose="02020603050405020304" pitchFamily="18" charset="0"/>
-              </a:rPr>
-              <a:t>Multiple signal classification (MUSIC)</a:t>
-            </a:r>
-            <a:endParaRPr lang="en-IN" sz="2000" dirty="0"/>
-          </a:p>
-          <a:p>
-            <a:pPr marL="285750" marR="57150" indent="-285750" algn="just" rtl="0">
-              <a:spcBef>
-                <a:spcPts val="0"/>
-              </a:spcBef>
-              <a:spcAft>
-                <a:spcPts val="0"/>
-              </a:spcAft>
-              <a:buFont typeface="Wingdings" panose="05000000000000000000" pitchFamily="2" charset="2"/>
-              <a:buChar char="q"/>
-            </a:pPr>
-            <a:r>
-              <a:rPr lang="en-US" sz="1800" i="0" dirty="0">
-                <a:solidFill>
-                  <a:srgbClr val="000000"/>
-                </a:solidFill>
-                <a:effectLst/>
-                <a:latin typeface="Times New Roman" panose="02020603050405020304" pitchFamily="18" charset="0"/>
-              </a:rPr>
-              <a:t>Time Difference of Arrival (TDOA)</a:t>
-            </a:r>
-            <a:endParaRPr lang="en-IN" sz="2000" dirty="0">
-              <a:solidFill>
-                <a:srgbClr val="000000"/>
-              </a:solidFill>
-              <a:latin typeface="Times New Roman" panose="02020603050405020304" pitchFamily="18" charset="0"/>
-            </a:endParaRPr>
-          </a:p>
-          <a:p>
-            <a:pPr marL="285750" marR="57150" indent="-285750" algn="just" rtl="0">
-              <a:spcBef>
-                <a:spcPts val="0"/>
-              </a:spcBef>
-              <a:spcAft>
-                <a:spcPts val="0"/>
-              </a:spcAft>
-              <a:buFont typeface="Wingdings" panose="05000000000000000000" pitchFamily="2" charset="2"/>
-              <a:buChar char="q"/>
-            </a:pPr>
-            <a:r>
-              <a:rPr lang="en-IN" sz="1800" i="0" dirty="0">
-                <a:solidFill>
-                  <a:srgbClr val="000000"/>
-                </a:solidFill>
-                <a:effectLst/>
-                <a:latin typeface="Times New Roman" panose="02020603050405020304" pitchFamily="18" charset="0"/>
-              </a:rPr>
-              <a:t>Beamforming</a:t>
-            </a:r>
-          </a:p>
-          <a:p>
-            <a:r>
-              <a:rPr lang="en-US" sz="2000" b="1" i="0" u="none" strike="noStrike" dirty="0">
-                <a:solidFill>
-                  <a:schemeClr val="accent2">
-                    <a:lumMod val="75000"/>
-                  </a:schemeClr>
-                </a:solidFill>
-                <a:effectLst/>
-                <a:latin typeface="Times New Roman" panose="02020603050405020304" pitchFamily="18" charset="0"/>
-              </a:rPr>
-              <a:t>Deep learning based methods for DOA estimation</a:t>
-            </a:r>
-            <a:endParaRPr lang="en-IN" sz="2000" b="1" u="sng" strike="noStrike" dirty="0">
-              <a:solidFill>
-                <a:schemeClr val="accent2">
-                  <a:lumMod val="75000"/>
-                </a:schemeClr>
-              </a:solidFill>
-              <a:latin typeface="Times New Roman" panose="02020603050405020304" pitchFamily="18" charset="0"/>
-            </a:endParaRPr>
-          </a:p>
-          <a:p>
-            <a:pPr marL="285750" indent="-285750">
-              <a:buFont typeface="Wingdings" panose="05000000000000000000" pitchFamily="2" charset="2"/>
-              <a:buChar char="q"/>
-            </a:pPr>
-            <a:r>
-              <a:rPr lang="en-IN" sz="1800" i="0" dirty="0">
-                <a:solidFill>
-                  <a:srgbClr val="000000"/>
-                </a:solidFill>
-                <a:effectLst/>
-                <a:latin typeface="Times New Roman" panose="02020603050405020304" pitchFamily="18" charset="0"/>
-              </a:rPr>
-              <a:t>Convolutional neural networks (CNNs)</a:t>
-            </a:r>
-          </a:p>
-          <a:p>
-            <a:pPr marL="285750" indent="-285750">
-              <a:buFont typeface="Wingdings" panose="05000000000000000000" pitchFamily="2" charset="2"/>
-              <a:buChar char="q"/>
-            </a:pPr>
-            <a:r>
-              <a:rPr lang="en-US" sz="1800" i="0" dirty="0">
-                <a:solidFill>
-                  <a:srgbClr val="000000"/>
-                </a:solidFill>
-                <a:effectLst/>
-                <a:latin typeface="Times New Roman" panose="02020603050405020304" pitchFamily="18" charset="0"/>
-              </a:rPr>
-              <a:t>Recurrent neural networks (RNNs) works</a:t>
-            </a:r>
-            <a:endParaRPr lang="en-IN" sz="2000" b="1" u="sng" dirty="0">
-              <a:solidFill>
-                <a:srgbClr val="000000"/>
-              </a:solidFill>
-              <a:latin typeface="Times New Roman" panose="02020603050405020304" pitchFamily="18" charset="0"/>
-            </a:endParaRPr>
-          </a:p>
-          <a:p>
-            <a:r>
-              <a:rPr lang="en-US" sz="2000" b="1" i="0" dirty="0">
-                <a:solidFill>
-                  <a:srgbClr val="000000"/>
-                </a:solidFill>
-                <a:effectLst/>
-                <a:latin typeface="Times New Roman" panose="02020603050405020304" pitchFamily="18" charset="0"/>
-              </a:rPr>
-              <a:t>			</a:t>
-            </a:r>
-            <a:r>
-              <a:rPr lang="en-US" sz="2000" b="1" i="0" dirty="0">
-                <a:solidFill>
-                  <a:schemeClr val="accent5">
-                    <a:lumMod val="75000"/>
-                  </a:schemeClr>
-                </a:solidFill>
-                <a:effectLst/>
-                <a:latin typeface="Times New Roman" panose="02020603050405020304" pitchFamily="18" charset="0"/>
-              </a:rPr>
-              <a:t>Direct-path relative transfer function (DP-RTF)</a:t>
-            </a:r>
-            <a:r>
-              <a:rPr lang="en-US" sz="2000" b="1" i="0" strike="noStrike" dirty="0">
-                <a:solidFill>
-                  <a:schemeClr val="accent5">
-                    <a:lumMod val="75000"/>
-                  </a:schemeClr>
-                </a:solidFill>
-                <a:effectLst/>
-                <a:latin typeface="Times New Roman" panose="02020603050405020304" pitchFamily="18" charset="0"/>
-              </a:rPr>
-              <a:t>:  </a:t>
-            </a:r>
-            <a:endParaRPr lang="en-IN" sz="2400" b="1" dirty="0">
-              <a:solidFill>
-                <a:schemeClr val="accent5">
-                  <a:lumMod val="75000"/>
-                </a:schemeClr>
-              </a:solidFill>
-            </a:endParaRPr>
-          </a:p>
-        </p:txBody>
-      </p:sp>
       <p:pic>
         <p:nvPicPr>
-          <p:cNvPr id="1026" name="Picture 2">
+          <p:cNvPr id="3074" name="Picture 2">
             <a:extLst>
               <a:ext uri="{FF2B5EF4-FFF2-40B4-BE49-F238E27FC236}">
-                <a16:creationId xmlns:a16="http://schemas.microsoft.com/office/drawing/2014/main" id="{9678318D-3D14-F96B-7A76-51F5594E2CD8}"/>
+                <a16:creationId xmlns:a16="http://schemas.microsoft.com/office/drawing/2014/main" id="{B3DB0382-3A70-BF28-ACA9-8F9C18C528F4}"/>
               </a:ext>
             </a:extLst>
           </p:cNvPr>
@@ -4796,8 +4007,8 @@
         </p:blipFill>
         <p:spPr bwMode="auto">
           <a:xfrm>
-            <a:off x="1309687" y="4240234"/>
-            <a:ext cx="9725026" cy="2478012"/>
+            <a:off x="5079208" y="1919169"/>
+            <a:ext cx="5695951" cy="739379"/>
           </a:xfrm>
           <a:prstGeom prst="rect">
             <a:avLst/>
@@ -4816,10 +4027,10 @@
       </p:pic>
       <p:sp>
         <p:nvSpPr>
-          <p:cNvPr id="12" name="TextBox 11">
+          <p:cNvPr id="2" name="TextBox 1">
             <a:extLst>
               <a:ext uri="{FF2B5EF4-FFF2-40B4-BE49-F238E27FC236}">
-                <a16:creationId xmlns:a16="http://schemas.microsoft.com/office/drawing/2014/main" id="{94EF1367-6239-1EF7-C3CC-4DF6BC39BD57}"/>
+                <a16:creationId xmlns:a16="http://schemas.microsoft.com/office/drawing/2014/main" id="{A5538A55-1D95-186E-6BA4-9C75E5010433}"/>
               </a:ext>
             </a:extLst>
           </p:cNvPr>
@@ -4829,7 +4040,7 @@
         <p:spPr>
           <a:xfrm>
             <a:off x="1181100" y="139753"/>
-            <a:ext cx="9853613" cy="646331"/>
+            <a:ext cx="9853613" cy="584775"/>
           </a:xfrm>
           <a:prstGeom prst="rect">
             <a:avLst/>
@@ -4844,33 +4055,626 @@
           <a:p>
             <a:pPr algn="ctr"/>
             <a:r>
-              <a:rPr lang="en-US" sz="3600" b="1" dirty="0">
+              <a:rPr lang="en-US" sz="3200" b="1" dirty="0"/>
+              <a:t>Different Methods in Direction Of Arrival estimation</a:t>
+            </a:r>
+            <a:endParaRPr lang="en-IN" sz="3200" b="1" dirty="0"/>
+          </a:p>
+        </p:txBody>
+      </p:sp>
+      <p:sp>
+        <p:nvSpPr>
+          <p:cNvPr id="3" name="TextBox 2">
+            <a:extLst>
+              <a:ext uri="{FF2B5EF4-FFF2-40B4-BE49-F238E27FC236}">
+                <a16:creationId xmlns:a16="http://schemas.microsoft.com/office/drawing/2014/main" id="{D0EF05CF-27C2-B1A8-95E5-74C4B6EF3E34}"/>
+              </a:ext>
+            </a:extLst>
+          </p:cNvPr>
+          <p:cNvSpPr txBox="1"/>
+          <p:nvPr/>
+        </p:nvSpPr>
+        <p:spPr>
+          <a:xfrm>
+            <a:off x="278606" y="573583"/>
+            <a:ext cx="9963150" cy="461665"/>
+          </a:xfrm>
+          <a:prstGeom prst="rect">
+            <a:avLst/>
+          </a:prstGeom>
+          <a:noFill/>
+        </p:spPr>
+        <p:txBody>
+          <a:bodyPr wrap="square" rtlCol="0">
+            <a:spAutoFit/>
+          </a:bodyPr>
+          <a:lstStyle/>
+          <a:p>
+            <a:r>
+              <a:rPr lang="en-IN" sz="2400" b="1" dirty="0"/>
+              <a:t>N</a:t>
+            </a:r>
+            <a:r>
+              <a:rPr lang="en-IN" sz="2400" b="1" i="0" u="none" strike="noStrike" dirty="0">
+                <a:effectLst/>
+              </a:rPr>
+              <a:t>arrowband</a:t>
+            </a:r>
+            <a:r>
+              <a:rPr lang="en-IN" sz="2400" b="0" i="0" u="none" strike="noStrike" dirty="0">
+                <a:effectLst/>
+              </a:rPr>
+              <a:t> and </a:t>
+            </a:r>
+            <a:r>
+              <a:rPr lang="en-IN" sz="2400" b="1" dirty="0"/>
+              <a:t>B</a:t>
+            </a:r>
+            <a:r>
+              <a:rPr lang="en-IN" sz="2400" b="1" i="0" u="none" strike="noStrike" dirty="0">
+                <a:effectLst/>
+              </a:rPr>
+              <a:t>roadband</a:t>
+            </a:r>
+            <a:r>
+              <a:rPr lang="en-US" sz="2400" b="1" i="0" u="none" strike="noStrike" dirty="0">
+                <a:effectLst/>
+              </a:rPr>
+              <a:t> </a:t>
+            </a:r>
+            <a:endParaRPr lang="en-IN" sz="2400" dirty="0"/>
+          </a:p>
+        </p:txBody>
+      </p:sp>
+      <p:sp>
+        <p:nvSpPr>
+          <p:cNvPr id="4" name="TextBox 3">
+            <a:extLst>
+              <a:ext uri="{FF2B5EF4-FFF2-40B4-BE49-F238E27FC236}">
+                <a16:creationId xmlns:a16="http://schemas.microsoft.com/office/drawing/2014/main" id="{F4D971F7-6EF7-9881-2729-BE9F0A17214C}"/>
+              </a:ext>
+            </a:extLst>
+          </p:cNvPr>
+          <p:cNvSpPr txBox="1"/>
+          <p:nvPr/>
+        </p:nvSpPr>
+        <p:spPr>
+          <a:xfrm>
+            <a:off x="278606" y="906082"/>
+            <a:ext cx="11658600" cy="1107996"/>
+          </a:xfrm>
+          <a:prstGeom prst="rect">
+            <a:avLst/>
+          </a:prstGeom>
+          <a:noFill/>
+        </p:spPr>
+        <p:txBody>
+          <a:bodyPr wrap="square" rtlCol="0">
+            <a:spAutoFit/>
+          </a:bodyPr>
+          <a:lstStyle/>
+          <a:p>
+            <a:pPr marL="285750" indent="-285750">
+              <a:buFontTx/>
+              <a:buChar char="-"/>
+            </a:pPr>
+            <a:r>
+              <a:rPr lang="en-US" sz="1600" b="0" i="0" u="none" strike="noStrike" dirty="0">
+                <a:solidFill>
+                  <a:srgbClr val="000000"/>
+                </a:solidFill>
+                <a:effectLst/>
+              </a:rPr>
+              <a:t>Narrowband DOA estimation methods assume that the signal is narrowband, meaning that it has a single frequency</a:t>
+            </a:r>
+            <a:endParaRPr lang="en-IN" sz="1600" b="0" i="0" u="none" strike="noStrike" dirty="0">
+              <a:solidFill>
+                <a:srgbClr val="000000"/>
+              </a:solidFill>
+              <a:effectLst/>
+            </a:endParaRPr>
+          </a:p>
+          <a:p>
+            <a:pPr marL="285750" indent="-285750">
+              <a:buFontTx/>
+              <a:buChar char="-"/>
+            </a:pPr>
+            <a:r>
+              <a:rPr lang="en-US" sz="1600" b="0" i="0" u="none" strike="noStrike" dirty="0">
+                <a:solidFill>
+                  <a:srgbClr val="000000"/>
+                </a:solidFill>
+                <a:effectLst/>
+              </a:rPr>
+              <a:t>Broadband DOA estimation methods assume that the signal is broadband, meaning that it has a range of frequencies, typically  more accurate than narrowband DOA estimation methods.</a:t>
+            </a:r>
+          </a:p>
+          <a:p>
+            <a:pPr marL="285750" indent="-285750">
+              <a:buFontTx/>
+              <a:buChar char="-"/>
+            </a:pPr>
+            <a:endParaRPr lang="en-IN" dirty="0">
+              <a:solidFill>
+                <a:srgbClr val="000000"/>
+              </a:solidFill>
+            </a:endParaRPr>
+          </a:p>
+        </p:txBody>
+      </p:sp>
+      <p:sp>
+        <p:nvSpPr>
+          <p:cNvPr id="5" name="TextBox 4">
+            <a:extLst>
+              <a:ext uri="{FF2B5EF4-FFF2-40B4-BE49-F238E27FC236}">
+                <a16:creationId xmlns:a16="http://schemas.microsoft.com/office/drawing/2014/main" id="{99EA7E58-6555-FB29-D219-3F32AF0135A4}"/>
+              </a:ext>
+            </a:extLst>
+          </p:cNvPr>
+          <p:cNvSpPr txBox="1"/>
+          <p:nvPr/>
+        </p:nvSpPr>
+        <p:spPr>
+          <a:xfrm flipH="1">
+            <a:off x="278606" y="1642169"/>
+            <a:ext cx="9848853" cy="5232202"/>
+          </a:xfrm>
+          <a:prstGeom prst="rect">
+            <a:avLst/>
+          </a:prstGeom>
+          <a:noFill/>
+        </p:spPr>
+        <p:txBody>
+          <a:bodyPr wrap="square" rtlCol="0">
+            <a:spAutoFit/>
+          </a:bodyPr>
+          <a:lstStyle/>
+          <a:p>
+            <a:r>
+              <a:rPr lang="en-US" sz="2400" b="1" i="0" u="none" strike="noStrike" dirty="0">
+                <a:effectLst/>
+              </a:rPr>
+              <a:t>Traditional DSP methods for DOA estimation</a:t>
+            </a:r>
+          </a:p>
+          <a:p>
+            <a:pPr marL="285750" marR="57150" indent="-285750" algn="just" rtl="0">
+              <a:spcBef>
+                <a:spcPts val="0"/>
+              </a:spcBef>
+              <a:spcAft>
+                <a:spcPts val="0"/>
+              </a:spcAft>
+              <a:buFont typeface="Wingdings" panose="05000000000000000000" pitchFamily="2" charset="2"/>
+              <a:buChar char="q"/>
+            </a:pPr>
+            <a:r>
+              <a:rPr lang="en-IN" sz="1800" i="0" dirty="0">
                 <a:solidFill>
                   <a:schemeClr val="tx1">
                     <a:lumMod val="75000"/>
                     <a:lumOff val="25000"/>
                   </a:schemeClr>
                 </a:solidFill>
-                <a:latin typeface="+mj-lt"/>
+                <a:effectLst/>
               </a:rPr>
-              <a:t>Different Methods in DOA estimation</a:t>
-            </a:r>
-            <a:endParaRPr lang="en-IN" sz="3600" b="1" dirty="0">
+              <a:t>Multiple signal classification (MUSIC)</a:t>
+            </a:r>
+          </a:p>
+          <a:p>
+            <a:pPr marR="57150" algn="just" rtl="0">
+              <a:spcBef>
+                <a:spcPts val="0"/>
+              </a:spcBef>
+              <a:spcAft>
+                <a:spcPts val="0"/>
+              </a:spcAft>
+            </a:pPr>
+            <a:endParaRPr lang="en-IN" sz="1800" i="0" dirty="0">
               <a:solidFill>
                 <a:schemeClr val="tx1">
                   <a:lumMod val="75000"/>
                   <a:lumOff val="25000"/>
                 </a:schemeClr>
               </a:solidFill>
-              <a:latin typeface="+mj-lt"/>
+              <a:effectLst/>
             </a:endParaRPr>
           </a:p>
-        </p:txBody>
-      </p:sp>
+          <a:p>
+            <a:pPr marL="285750" marR="57150" indent="-285750" algn="just" rtl="0">
+              <a:spcBef>
+                <a:spcPts val="0"/>
+              </a:spcBef>
+              <a:spcAft>
+                <a:spcPts val="0"/>
+              </a:spcAft>
+              <a:buFont typeface="Arial" panose="020B0604020202020204" pitchFamily="34" charset="0"/>
+              <a:buChar char="•"/>
+            </a:pPr>
+            <a:r>
+              <a:rPr lang="en-US" sz="1600" b="0" i="0" u="none" strike="noStrike" dirty="0">
+                <a:solidFill>
+                  <a:srgbClr val="000000"/>
+                </a:solidFill>
+                <a:effectLst/>
+                <a:latin typeface="Times New Roman" panose="02020603050405020304" pitchFamily="18" charset="0"/>
+              </a:rPr>
+              <a:t>It works by first decomposing the received signal into its spatial and temporal components. </a:t>
+            </a:r>
+          </a:p>
+          <a:p>
+            <a:pPr marL="285750" marR="57150" indent="-285750" algn="just" rtl="0">
+              <a:spcBef>
+                <a:spcPts val="0"/>
+              </a:spcBef>
+              <a:spcAft>
+                <a:spcPts val="0"/>
+              </a:spcAft>
+              <a:buFont typeface="Arial" panose="020B0604020202020204" pitchFamily="34" charset="0"/>
+              <a:buChar char="•"/>
+            </a:pPr>
+            <a:r>
+              <a:rPr lang="en-US" sz="1600" b="0" i="0" u="none" strike="noStrike" dirty="0">
+                <a:solidFill>
+                  <a:srgbClr val="000000"/>
+                </a:solidFill>
+                <a:effectLst/>
+                <a:latin typeface="Times New Roman" panose="02020603050405020304" pitchFamily="18" charset="0"/>
+              </a:rPr>
+              <a:t>The spatial spectrum is computed by taking the Fourier transform of the cross-correlation matrix.</a:t>
+            </a:r>
+          </a:p>
+          <a:p>
+            <a:pPr marL="285750" marR="57150" indent="-285750" algn="just" rtl="0">
+              <a:spcBef>
+                <a:spcPts val="0"/>
+              </a:spcBef>
+              <a:spcAft>
+                <a:spcPts val="0"/>
+              </a:spcAft>
+              <a:buFont typeface="Arial" panose="020B0604020202020204" pitchFamily="34" charset="0"/>
+              <a:buChar char="•"/>
+            </a:pPr>
+            <a:r>
+              <a:rPr lang="en-US" sz="1600" b="0" i="0" u="none" strike="noStrike" dirty="0">
+                <a:solidFill>
+                  <a:srgbClr val="000000"/>
+                </a:solidFill>
+                <a:effectLst/>
+                <a:latin typeface="Times New Roman" panose="02020603050405020304" pitchFamily="18" charset="0"/>
+              </a:rPr>
+              <a:t>The peaks in the spatial spectrum correspond to the directions of arrival of the sound sources.</a:t>
+            </a:r>
+            <a:endParaRPr lang="en-IN" dirty="0">
+              <a:solidFill>
+                <a:schemeClr val="tx1">
+                  <a:lumMod val="75000"/>
+                  <a:lumOff val="25000"/>
+                </a:schemeClr>
+              </a:solidFill>
+            </a:endParaRPr>
+          </a:p>
+          <a:p>
+            <a:pPr marL="285750" marR="57150" indent="-285750" algn="just" rtl="0">
+              <a:spcBef>
+                <a:spcPts val="0"/>
+              </a:spcBef>
+              <a:spcAft>
+                <a:spcPts val="0"/>
+              </a:spcAft>
+              <a:buFont typeface="Wingdings" panose="05000000000000000000" pitchFamily="2" charset="2"/>
+              <a:buChar char="q"/>
+            </a:pPr>
+            <a:r>
+              <a:rPr lang="en-US" sz="1800" i="0" dirty="0">
+                <a:solidFill>
+                  <a:schemeClr val="tx1">
+                    <a:lumMod val="75000"/>
+                    <a:lumOff val="25000"/>
+                  </a:schemeClr>
+                </a:solidFill>
+                <a:effectLst/>
+              </a:rPr>
+              <a:t>Time Difference of Arrival (TDOA)</a:t>
+            </a:r>
+          </a:p>
+          <a:p>
+            <a:pPr marL="285750" marR="57150" indent="-285750" algn="just" rtl="0">
+              <a:spcBef>
+                <a:spcPts val="0"/>
+              </a:spcBef>
+              <a:spcAft>
+                <a:spcPts val="0"/>
+              </a:spcAft>
+              <a:buFont typeface="Arial" panose="020B0604020202020204" pitchFamily="34" charset="0"/>
+              <a:buChar char="•"/>
+            </a:pPr>
+            <a:r>
+              <a:rPr lang="en-US" sz="1600" dirty="0">
+                <a:solidFill>
+                  <a:srgbClr val="000000"/>
+                </a:solidFill>
+                <a:latin typeface="Times New Roman" panose="02020603050405020304" pitchFamily="18" charset="0"/>
+              </a:rPr>
+              <a:t>E</a:t>
+            </a:r>
+            <a:r>
+              <a:rPr lang="en-US" sz="1600" b="0" i="0" u="none" strike="noStrike" dirty="0">
+                <a:solidFill>
+                  <a:srgbClr val="000000"/>
+                </a:solidFill>
+                <a:effectLst/>
+                <a:latin typeface="Times New Roman" panose="02020603050405020304" pitchFamily="18" charset="0"/>
+              </a:rPr>
+              <a:t>stimating the </a:t>
+            </a:r>
+            <a:r>
+              <a:rPr lang="en-US" sz="1600" b="0" i="0" u="none" strike="noStrike" dirty="0" err="1">
+                <a:solidFill>
+                  <a:srgbClr val="000000"/>
+                </a:solidFill>
+                <a:effectLst/>
+                <a:latin typeface="Times New Roman" panose="02020603050405020304" pitchFamily="18" charset="0"/>
+              </a:rPr>
+              <a:t>DOAof</a:t>
+            </a:r>
+            <a:r>
+              <a:rPr lang="en-US" sz="1600" b="0" i="0" u="none" strike="noStrike" dirty="0">
+                <a:solidFill>
+                  <a:srgbClr val="000000"/>
+                </a:solidFill>
+                <a:effectLst/>
+                <a:latin typeface="Times New Roman" panose="02020603050405020304" pitchFamily="18" charset="0"/>
+              </a:rPr>
+              <a:t> sound sources based on the time differences between the arrival of sound signals at different sensor locations.</a:t>
+            </a:r>
+          </a:p>
+          <a:p>
+            <a:pPr marL="285750" marR="57150" indent="-285750" algn="just" rtl="0">
+              <a:spcBef>
+                <a:spcPts val="0"/>
+              </a:spcBef>
+              <a:spcAft>
+                <a:spcPts val="0"/>
+              </a:spcAft>
+              <a:buFont typeface="Arial" panose="020B0604020202020204" pitchFamily="34" charset="0"/>
+              <a:buChar char="•"/>
+            </a:pPr>
+            <a:r>
+              <a:rPr lang="en-US" sz="1600" b="0" i="0" u="none" strike="noStrike" dirty="0">
+                <a:solidFill>
+                  <a:srgbClr val="000000"/>
+                </a:solidFill>
+                <a:effectLst/>
+                <a:latin typeface="Times New Roman" panose="02020603050405020304" pitchFamily="18" charset="0"/>
+              </a:rPr>
+              <a:t> It relies on the principle that sound travels at a finite speed, so the time delay between the arrival of the sound at different sensors can be used to determine the source's direction.</a:t>
+            </a:r>
+            <a:endParaRPr lang="en-IN" sz="2000" dirty="0">
+              <a:solidFill>
+                <a:schemeClr val="tx1">
+                  <a:lumMod val="75000"/>
+                  <a:lumOff val="25000"/>
+                </a:schemeClr>
+              </a:solidFill>
+            </a:endParaRPr>
+          </a:p>
+          <a:p>
+            <a:r>
+              <a:rPr lang="en-US" sz="2400" b="1" i="0" u="none" strike="noStrike" dirty="0">
+                <a:effectLst/>
+              </a:rPr>
+              <a:t>Deep learning based methods for DOA estimation</a:t>
+            </a:r>
+            <a:endParaRPr lang="en-IN" sz="2400" b="1" u="sng" strike="noStrike" dirty="0"/>
+          </a:p>
+          <a:p>
+            <a:pPr marL="285750" indent="-285750">
+              <a:buFont typeface="Wingdings" panose="05000000000000000000" pitchFamily="2" charset="2"/>
+              <a:buChar char="q"/>
+            </a:pPr>
+            <a:r>
+              <a:rPr lang="en-IN" sz="1800" i="0" dirty="0">
+                <a:solidFill>
+                  <a:schemeClr val="tx1">
+                    <a:lumMod val="75000"/>
+                    <a:lumOff val="25000"/>
+                  </a:schemeClr>
+                </a:solidFill>
+                <a:effectLst/>
+              </a:rPr>
+              <a:t>Convolutional neural networks (CNNs)</a:t>
+            </a:r>
+          </a:p>
+          <a:p>
+            <a:pPr marL="285750" marR="57150" indent="-285750" algn="just" rtl="0">
+              <a:spcBef>
+                <a:spcPts val="0"/>
+              </a:spcBef>
+              <a:spcAft>
+                <a:spcPts val="0"/>
+              </a:spcAft>
+              <a:buFont typeface="Arial" panose="020B0604020202020204" pitchFamily="34" charset="0"/>
+              <a:buChar char="•"/>
+            </a:pPr>
+            <a:r>
+              <a:rPr lang="en-US" sz="1600" b="0" i="0" u="none" strike="noStrike" dirty="0">
+                <a:solidFill>
+                  <a:srgbClr val="000000"/>
+                </a:solidFill>
+                <a:effectLst/>
+                <a:latin typeface="Times New Roman" panose="02020603050405020304" pitchFamily="18" charset="0"/>
+              </a:rPr>
+              <a:t>CNNs are designed to automatically learn hierarchical representations of input data by leveraging</a:t>
+            </a:r>
+          </a:p>
+          <a:p>
+            <a:pPr marR="57150" algn="just" rtl="0">
+              <a:spcBef>
+                <a:spcPts val="0"/>
+              </a:spcBef>
+              <a:spcAft>
+                <a:spcPts val="0"/>
+              </a:spcAft>
+            </a:pPr>
+            <a:r>
+              <a:rPr lang="en-US" sz="1600" dirty="0">
+                <a:solidFill>
+                  <a:srgbClr val="000000"/>
+                </a:solidFill>
+                <a:latin typeface="Times New Roman" panose="02020603050405020304" pitchFamily="18" charset="0"/>
+              </a:rPr>
+              <a:t>   </a:t>
+            </a:r>
+            <a:r>
+              <a:rPr lang="en-US" sz="1600" b="0" i="0" u="none" strike="noStrike" dirty="0">
+                <a:solidFill>
+                  <a:srgbClr val="000000"/>
+                </a:solidFill>
+                <a:effectLst/>
+                <a:latin typeface="Times New Roman" panose="02020603050405020304" pitchFamily="18" charset="0"/>
+              </a:rPr>
+              <a:t> convolutional layers, pooling layers, and fully connected layers. </a:t>
+            </a:r>
+          </a:p>
+          <a:p>
+            <a:pPr marL="285750" marR="57150" indent="-285750" algn="just" rtl="0">
+              <a:spcBef>
+                <a:spcPts val="0"/>
+              </a:spcBef>
+              <a:spcAft>
+                <a:spcPts val="0"/>
+              </a:spcAft>
+              <a:buFont typeface="Arial" panose="020B0604020202020204" pitchFamily="34" charset="0"/>
+              <a:buChar char="•"/>
+            </a:pPr>
+            <a:r>
+              <a:rPr lang="en-US" sz="1600" b="0" i="0" u="none" strike="noStrike" dirty="0">
+                <a:solidFill>
+                  <a:srgbClr val="000000"/>
+                </a:solidFill>
+                <a:effectLst/>
+                <a:latin typeface="Times New Roman" panose="02020603050405020304" pitchFamily="18" charset="0"/>
+              </a:rPr>
+              <a:t>These networks excel at capturing spatial patterns and features within the data.</a:t>
+            </a:r>
+            <a:endParaRPr lang="en-US" sz="2000" b="0" dirty="0">
+              <a:effectLst/>
+            </a:endParaRPr>
+          </a:p>
+          <a:p>
+            <a:br>
+              <a:rPr lang="en-US" sz="2400" dirty="0"/>
+            </a:br>
+            <a:endParaRPr lang="en-IN" sz="2400" b="1" dirty="0">
+              <a:solidFill>
+                <a:schemeClr val="tx1">
+                  <a:lumMod val="75000"/>
+                  <a:lumOff val="25000"/>
+                </a:schemeClr>
+              </a:solidFill>
+            </a:endParaRPr>
+          </a:p>
+        </p:txBody>
+      </p:sp>
+      <p:pic>
+        <p:nvPicPr>
+          <p:cNvPr id="3076" name="Picture 4">
+            <a:extLst>
+              <a:ext uri="{FF2B5EF4-FFF2-40B4-BE49-F238E27FC236}">
+                <a16:creationId xmlns:a16="http://schemas.microsoft.com/office/drawing/2014/main" id="{C1ABCED4-C700-58BA-ECA0-8537786140B6}"/>
+              </a:ext>
+            </a:extLst>
+          </p:cNvPr>
+          <p:cNvPicPr>
+            <a:picLocks noChangeAspect="1" noChangeArrowheads="1"/>
+          </p:cNvPicPr>
+          <p:nvPr/>
+        </p:nvPicPr>
+        <p:blipFill>
+          <a:blip r:embed="rId3">
+            <a:extLst>
+              <a:ext uri="{28A0092B-C50C-407E-A947-70E740481C1C}">
+                <a14:useLocalDpi xmlns:a14="http://schemas.microsoft.com/office/drawing/2010/main" val="0"/>
+              </a:ext>
+            </a:extLst>
+          </a:blip>
+          <a:srcRect/>
+          <a:stretch>
+            <a:fillRect/>
+          </a:stretch>
+        </p:blipFill>
+        <p:spPr bwMode="auto">
+          <a:xfrm>
+            <a:off x="10127459" y="2866951"/>
+            <a:ext cx="1724024" cy="2048262"/>
+          </a:xfrm>
+          <a:prstGeom prst="rect">
+            <a:avLst/>
+          </a:prstGeom>
+          <a:noFill/>
+          <a:extLst>
+            <a:ext uri="{909E8E84-426E-40DD-AFC4-6F175D3DCCD1}">
+              <a14:hiddenFill xmlns:a14="http://schemas.microsoft.com/office/drawing/2010/main">
+                <a:solidFill>
+                  <a:srgbClr val="FFFFFF"/>
+                </a:solidFill>
+              </a14:hiddenFill>
+            </a:ext>
+          </a:extLst>
+        </p:spPr>
+      </p:pic>
+      <p:pic>
+        <p:nvPicPr>
+          <p:cNvPr id="3078" name="Picture 6">
+            <a:extLst>
+              <a:ext uri="{FF2B5EF4-FFF2-40B4-BE49-F238E27FC236}">
+                <a16:creationId xmlns:a16="http://schemas.microsoft.com/office/drawing/2014/main" id="{AF02E53C-6C76-F4D7-FC36-CB0135373397}"/>
+              </a:ext>
+            </a:extLst>
+          </p:cNvPr>
+          <p:cNvPicPr>
+            <a:picLocks noChangeAspect="1" noChangeArrowheads="1"/>
+          </p:cNvPicPr>
+          <p:nvPr/>
+        </p:nvPicPr>
+        <p:blipFill>
+          <a:blip r:embed="rId4">
+            <a:extLst>
+              <a:ext uri="{28A0092B-C50C-407E-A947-70E740481C1C}">
+                <a14:useLocalDpi xmlns:a14="http://schemas.microsoft.com/office/drawing/2010/main" val="0"/>
+              </a:ext>
+            </a:extLst>
+          </a:blip>
+          <a:srcRect/>
+          <a:stretch>
+            <a:fillRect/>
+          </a:stretch>
+        </p:blipFill>
+        <p:spPr bwMode="auto">
+          <a:xfrm>
+            <a:off x="8607862" y="4762500"/>
+            <a:ext cx="3236481" cy="1501698"/>
+          </a:xfrm>
+          <a:prstGeom prst="rect">
+            <a:avLst/>
+          </a:prstGeom>
+          <a:noFill/>
+          <a:extLst>
+            <a:ext uri="{909E8E84-426E-40DD-AFC4-6F175D3DCCD1}">
+              <a14:hiddenFill xmlns:a14="http://schemas.microsoft.com/office/drawing/2010/main">
+                <a:solidFill>
+                  <a:srgbClr val="FFFFFF"/>
+                </a:solidFill>
+              </a14:hiddenFill>
+            </a:ext>
+          </a:extLst>
+        </p:spPr>
+      </p:pic>
     </p:spTree>
     <p:extLst>
       <p:ext uri="{BB962C8B-B14F-4D97-AF65-F5344CB8AC3E}">
-        <p14:creationId xmlns:p14="http://schemas.microsoft.com/office/powerpoint/2010/main" val="2823150657"/>
+        <p14:creationId xmlns:p14="http://schemas.microsoft.com/office/powerpoint/2010/main" val="631565020"/>
       </p:ext>
     </p:extLst>
   </p:cSld>
@@ -4899,861 +4703,47 @@
       </p:grpSpPr>
       <p:sp>
         <p:nvSpPr>
-          <p:cNvPr id="3" name="Content Placeholder 2">
+          <p:cNvPr id="2" name="TextBox 1">
             <a:extLst>
               <a:ext uri="{FF2B5EF4-FFF2-40B4-BE49-F238E27FC236}">
-                <a16:creationId xmlns:a16="http://schemas.microsoft.com/office/drawing/2014/main" id="{8D2FCABB-7DD6-97EC-F0D1-266AC86D5D76}"/>
+                <a16:creationId xmlns:a16="http://schemas.microsoft.com/office/drawing/2014/main" id="{F07D3DC5-4D87-F0AF-FAEE-A947CC16C861}"/>
               </a:ext>
             </a:extLst>
           </p:cNvPr>
-          <p:cNvSpPr>
-            <a:spLocks noGrp="1"/>
-          </p:cNvSpPr>
-          <p:nvPr>
-            <p:ph idx="4294967295"/>
-          </p:nvPr>
+          <p:cNvSpPr txBox="1"/>
+          <p:nvPr/>
         </p:nvSpPr>
         <p:spPr>
           <a:xfrm>
-            <a:off x="6797414" y="1366839"/>
-            <a:ext cx="5327911" cy="5294312"/>
-          </a:xfrm>
+            <a:off x="2990850" y="333375"/>
+            <a:ext cx="5267325" cy="523220"/>
+          </a:xfrm>
+          <a:prstGeom prst="rect">
+            <a:avLst/>
+          </a:prstGeom>
+          <a:noFill/>
         </p:spPr>
         <p:txBody>
-          <a:bodyPr>
-            <a:normAutofit fontScale="92500" lnSpcReduction="20000"/>
+          <a:bodyPr wrap="square" rtlCol="0">
+            <a:spAutoFit/>
           </a:bodyPr>
           <a:lstStyle/>
           <a:p>
-            <a:r>
-              <a:rPr lang="en-IN" sz="1800" b="1" i="0" u="none" strike="noStrike" dirty="0">
-                <a:solidFill>
-                  <a:schemeClr val="accent2">
-                    <a:lumMod val="75000"/>
-                  </a:schemeClr>
-                </a:solidFill>
-                <a:effectLst/>
-                <a:latin typeface="Bahnschrift" panose="020B0502040204020203" pitchFamily="34" charset="0"/>
-              </a:rPr>
-              <a:t>Outline:</a:t>
-            </a:r>
-          </a:p>
-          <a:p>
-            <a:pPr rtl="0">
-              <a:spcBef>
-                <a:spcPts val="0"/>
-              </a:spcBef>
-              <a:spcAft>
-                <a:spcPts val="0"/>
-              </a:spcAft>
-              <a:buFont typeface="Courier New" panose="02070309020205020404" pitchFamily="49" charset="0"/>
-              <a:buChar char="o"/>
-            </a:pPr>
-            <a:r>
-              <a:rPr lang="en-US" sz="1700" b="0" i="0" u="none" strike="noStrike" dirty="0">
-                <a:solidFill>
-                  <a:srgbClr val="333333"/>
-                </a:solidFill>
-                <a:effectLst/>
-                <a:latin typeface="Bahnschrift" panose="020B0502040204020203" pitchFamily="34" charset="0"/>
-              </a:rPr>
-              <a:t> Deep neural network-based approach for DP-RTF estimation.</a:t>
-            </a:r>
-            <a:endParaRPr lang="en-US" sz="1700" b="0" dirty="0">
-              <a:effectLst/>
-              <a:latin typeface="Bahnschrift" panose="020B0502040204020203" pitchFamily="34" charset="0"/>
-            </a:endParaRPr>
-          </a:p>
-          <a:p>
-            <a:pPr rtl="0">
-              <a:spcBef>
-                <a:spcPts val="0"/>
-              </a:spcBef>
-              <a:spcAft>
-                <a:spcPts val="0"/>
-              </a:spcAft>
-              <a:buFont typeface="Courier New" panose="02070309020205020404" pitchFamily="49" charset="0"/>
-              <a:buChar char="o"/>
-            </a:pPr>
-            <a:r>
-              <a:rPr lang="en-US" sz="1700" b="0" i="0" u="none" strike="noStrike" dirty="0">
-                <a:solidFill>
-                  <a:srgbClr val="333333"/>
-                </a:solidFill>
-                <a:effectLst/>
-                <a:latin typeface="Bahnschrift" panose="020B0502040204020203" pitchFamily="34" charset="0"/>
-              </a:rPr>
-              <a:t> Training with simulated and real-world data with added noise.</a:t>
-            </a:r>
-          </a:p>
-          <a:p>
-            <a:pPr rtl="0">
-              <a:spcBef>
-                <a:spcPts val="0"/>
-              </a:spcBef>
-              <a:spcAft>
-                <a:spcPts val="0"/>
-              </a:spcAft>
-            </a:pPr>
-            <a:endParaRPr lang="en-US" sz="1700" b="0" i="0" u="none" strike="noStrike" dirty="0">
-              <a:solidFill>
-                <a:srgbClr val="333333"/>
-              </a:solidFill>
-              <a:effectLst/>
-              <a:latin typeface="Bahnschrift" panose="020B0502040204020203" pitchFamily="34" charset="0"/>
-            </a:endParaRPr>
-          </a:p>
-          <a:p>
-            <a:pPr rtl="0">
-              <a:spcBef>
-                <a:spcPts val="0"/>
-              </a:spcBef>
-              <a:spcAft>
-                <a:spcPts val="0"/>
-              </a:spcAft>
-            </a:pPr>
-            <a:r>
-              <a:rPr lang="en-US" sz="1800" b="1" i="0" u="none" strike="noStrike" dirty="0">
-                <a:solidFill>
-                  <a:schemeClr val="accent2">
-                    <a:lumMod val="75000"/>
-                  </a:schemeClr>
-                </a:solidFill>
-                <a:effectLst/>
-                <a:latin typeface="Bahnschrift" panose="020B0502040204020203" pitchFamily="34" charset="0"/>
-              </a:rPr>
-              <a:t>Where DP-RTF Definition is:</a:t>
-            </a:r>
-            <a:endParaRPr lang="en-US" sz="1600" b="1" dirty="0">
-              <a:solidFill>
-                <a:schemeClr val="accent2">
-                  <a:lumMod val="75000"/>
-                </a:schemeClr>
-              </a:solidFill>
-              <a:effectLst/>
-              <a:latin typeface="Bahnschrift" panose="020B0502040204020203" pitchFamily="34" charset="0"/>
-            </a:endParaRPr>
-          </a:p>
-          <a:p>
-            <a:pPr rtl="0">
-              <a:spcBef>
-                <a:spcPts val="0"/>
-              </a:spcBef>
-              <a:spcAft>
-                <a:spcPts val="0"/>
-              </a:spcAft>
-              <a:buFont typeface="Courier New" panose="02070309020205020404" pitchFamily="49" charset="0"/>
-              <a:buChar char="o"/>
-            </a:pPr>
-            <a:r>
-              <a:rPr lang="en-US" sz="1700" dirty="0">
-                <a:solidFill>
-                  <a:srgbClr val="333333"/>
-                </a:solidFill>
-                <a:latin typeface="Bahnschrift" panose="020B0502040204020203" pitchFamily="34" charset="0"/>
-              </a:rPr>
-              <a:t> </a:t>
-            </a:r>
-            <a:r>
-              <a:rPr lang="en-IN" sz="1700" b="0" i="0" u="none" strike="noStrike" dirty="0">
-                <a:solidFill>
-                  <a:srgbClr val="000000"/>
-                </a:solidFill>
-                <a:effectLst/>
-                <a:latin typeface="Bahnschrift" panose="020B0502040204020203" pitchFamily="34" charset="0"/>
-              </a:rPr>
-              <a:t>R</a:t>
-            </a:r>
-            <a:r>
-              <a:rPr lang="en-IN" sz="1700" b="0" i="0" u="none" strike="noStrike" baseline="30000" dirty="0">
-                <a:solidFill>
-                  <a:srgbClr val="000000"/>
-                </a:solidFill>
-                <a:effectLst/>
-                <a:latin typeface="Bahnschrift" panose="020B0502040204020203" pitchFamily="34" charset="0"/>
-              </a:rPr>
-              <a:t>d</a:t>
-            </a:r>
-            <a:r>
-              <a:rPr lang="en-IN" sz="1700" b="0" i="0" u="none" strike="noStrike" dirty="0">
-                <a:solidFill>
-                  <a:srgbClr val="000000"/>
-                </a:solidFill>
-                <a:effectLst/>
-                <a:latin typeface="Bahnschrift" panose="020B0502040204020203" pitchFamily="34" charset="0"/>
-              </a:rPr>
-              <a:t>(f,</a:t>
-            </a:r>
-            <a:r>
-              <a:rPr lang="el-GR" sz="1700" b="0" i="0" u="none" strike="noStrike" dirty="0">
-                <a:solidFill>
-                  <a:srgbClr val="000000"/>
-                </a:solidFill>
-                <a:effectLst/>
-                <a:latin typeface="Bahnschrift" panose="020B0502040204020203" pitchFamily="34" charset="0"/>
-              </a:rPr>
-              <a:t>θ) = </a:t>
-            </a:r>
-            <a:r>
-              <a:rPr lang="en-IN" sz="1700" b="0" i="0" u="none" strike="noStrike" dirty="0">
-                <a:solidFill>
-                  <a:srgbClr val="000000"/>
-                </a:solidFill>
-                <a:effectLst/>
-                <a:latin typeface="Bahnschrift" panose="020B0502040204020203" pitchFamily="34" charset="0"/>
-              </a:rPr>
-              <a:t>H</a:t>
-            </a:r>
-            <a:r>
-              <a:rPr lang="en-IN" sz="1700" b="0" i="0" u="none" strike="noStrike" baseline="30000" dirty="0">
-                <a:solidFill>
-                  <a:srgbClr val="000000"/>
-                </a:solidFill>
-                <a:effectLst/>
-                <a:latin typeface="Bahnschrift" panose="020B0502040204020203" pitchFamily="34" charset="0"/>
-              </a:rPr>
-              <a:t>d</a:t>
-            </a:r>
-            <a:r>
-              <a:rPr lang="en-IN" sz="1700" b="0" i="0" u="none" strike="noStrike" baseline="-25000" dirty="0">
-                <a:solidFill>
-                  <a:srgbClr val="000000"/>
-                </a:solidFill>
-                <a:effectLst/>
-                <a:latin typeface="Bahnschrift" panose="020B0502040204020203" pitchFamily="34" charset="0"/>
-              </a:rPr>
-              <a:t>1</a:t>
-            </a:r>
-            <a:r>
-              <a:rPr lang="en-IN" sz="1700" b="0" i="0" u="none" strike="noStrike" dirty="0">
-                <a:solidFill>
-                  <a:srgbClr val="000000"/>
-                </a:solidFill>
-                <a:effectLst/>
-                <a:latin typeface="Bahnschrift" panose="020B0502040204020203" pitchFamily="34" charset="0"/>
-              </a:rPr>
-              <a:t>​(f,</a:t>
-            </a:r>
-            <a:r>
-              <a:rPr lang="el-GR" sz="1700" b="0" i="0" u="none" strike="noStrike" dirty="0">
-                <a:solidFill>
-                  <a:srgbClr val="000000"/>
-                </a:solidFill>
-                <a:effectLst/>
-                <a:latin typeface="Bahnschrift" panose="020B0502040204020203" pitchFamily="34" charset="0"/>
-              </a:rPr>
-              <a:t>θ)</a:t>
-            </a:r>
-            <a:r>
-              <a:rPr lang="en-US" sz="1700" b="0" i="0" u="none" strike="noStrike" dirty="0">
-                <a:solidFill>
-                  <a:srgbClr val="000000"/>
-                </a:solidFill>
-                <a:effectLst/>
-                <a:latin typeface="Bahnschrift" panose="020B0502040204020203" pitchFamily="34" charset="0"/>
-              </a:rPr>
-              <a:t> </a:t>
-            </a:r>
-            <a:r>
-              <a:rPr lang="el-GR" sz="1700" b="0" i="0" u="none" strike="noStrike" dirty="0">
-                <a:solidFill>
-                  <a:srgbClr val="000000"/>
-                </a:solidFill>
-                <a:effectLst/>
-                <a:latin typeface="Bahnschrift" panose="020B0502040204020203" pitchFamily="34" charset="0"/>
-              </a:rPr>
-              <a:t>/</a:t>
-            </a:r>
-            <a:r>
-              <a:rPr lang="en-US" sz="1700" b="0" i="0" u="none" strike="noStrike" dirty="0">
-                <a:solidFill>
-                  <a:srgbClr val="000000"/>
-                </a:solidFill>
-                <a:effectLst/>
-                <a:latin typeface="Bahnschrift" panose="020B0502040204020203" pitchFamily="34" charset="0"/>
-              </a:rPr>
-              <a:t> </a:t>
-            </a:r>
-            <a:r>
-              <a:rPr lang="en-IN" sz="1700" b="0" i="0" u="none" strike="noStrike" dirty="0">
-                <a:solidFill>
-                  <a:srgbClr val="000000"/>
-                </a:solidFill>
-                <a:effectLst/>
-                <a:latin typeface="Bahnschrift" panose="020B0502040204020203" pitchFamily="34" charset="0"/>
-              </a:rPr>
-              <a:t>H</a:t>
-            </a:r>
-            <a:r>
-              <a:rPr lang="en-IN" sz="1700" b="0" i="0" u="none" strike="noStrike" baseline="30000" dirty="0">
-                <a:solidFill>
-                  <a:srgbClr val="000000"/>
-                </a:solidFill>
-                <a:effectLst/>
-                <a:latin typeface="Bahnschrift" panose="020B0502040204020203" pitchFamily="34" charset="0"/>
-              </a:rPr>
-              <a:t>d</a:t>
-            </a:r>
-            <a:r>
-              <a:rPr lang="en-IN" sz="1700" b="0" i="0" u="none" strike="noStrike" baseline="-25000" dirty="0">
-                <a:solidFill>
-                  <a:srgbClr val="000000"/>
-                </a:solidFill>
-                <a:effectLst/>
-                <a:latin typeface="Bahnschrift" panose="020B0502040204020203" pitchFamily="34" charset="0"/>
-              </a:rPr>
-              <a:t>2</a:t>
-            </a:r>
-            <a:r>
-              <a:rPr lang="en-IN" sz="1700" b="0" i="0" u="none" strike="noStrike" dirty="0">
-                <a:solidFill>
-                  <a:srgbClr val="000000"/>
-                </a:solidFill>
-                <a:effectLst/>
-                <a:latin typeface="Bahnschrift" panose="020B0502040204020203" pitchFamily="34" charset="0"/>
-              </a:rPr>
-              <a:t>​(f,</a:t>
-            </a:r>
-            <a:r>
-              <a:rPr lang="el-GR" sz="1700" b="0" i="0" u="none" strike="noStrike" dirty="0">
-                <a:solidFill>
-                  <a:srgbClr val="000000"/>
-                </a:solidFill>
-                <a:effectLst/>
-                <a:latin typeface="Bahnschrift" panose="020B0502040204020203" pitchFamily="34" charset="0"/>
-              </a:rPr>
-              <a:t>θ) </a:t>
-            </a:r>
-            <a:endParaRPr lang="en-US" sz="1700" b="0" i="0" u="none" strike="noStrike" dirty="0">
-              <a:solidFill>
-                <a:srgbClr val="000000"/>
-              </a:solidFill>
-              <a:effectLst/>
-              <a:latin typeface="Bahnschrift" panose="020B0502040204020203" pitchFamily="34" charset="0"/>
-            </a:endParaRPr>
-          </a:p>
-          <a:p>
-            <a:pPr rtl="0">
-              <a:spcBef>
-                <a:spcPts val="0"/>
-              </a:spcBef>
-              <a:spcAft>
-                <a:spcPts val="0"/>
-              </a:spcAft>
-              <a:buFont typeface="Courier New" panose="02070309020205020404" pitchFamily="49" charset="0"/>
-              <a:buChar char="o"/>
-            </a:pPr>
-            <a:r>
-              <a:rPr lang="en-US" sz="1700" b="0" i="0" u="none" strike="noStrike" dirty="0">
-                <a:solidFill>
-                  <a:srgbClr val="333333"/>
-                </a:solidFill>
-                <a:effectLst/>
-                <a:latin typeface="Bahnschrift" panose="020B0502040204020203" pitchFamily="34" charset="0"/>
-              </a:rPr>
-              <a:t> </a:t>
-            </a:r>
-            <a:r>
-              <a:rPr lang="en-US" sz="1700" b="0" i="0" u="none" strike="noStrike" dirty="0">
-                <a:solidFill>
-                  <a:srgbClr val="000000"/>
-                </a:solidFill>
-                <a:effectLst/>
-                <a:latin typeface="Bahnschrift" panose="020B0502040204020203" pitchFamily="34" charset="0"/>
-              </a:rPr>
-              <a:t>H</a:t>
-            </a:r>
-            <a:r>
-              <a:rPr lang="en-US" sz="1700" b="0" i="0" u="none" strike="noStrike" baseline="30000" dirty="0">
-                <a:solidFill>
-                  <a:srgbClr val="000000"/>
-                </a:solidFill>
-                <a:effectLst/>
-                <a:latin typeface="Bahnschrift" panose="020B0502040204020203" pitchFamily="34" charset="0"/>
-              </a:rPr>
-              <a:t>d</a:t>
-            </a:r>
-            <a:r>
-              <a:rPr lang="en-US" sz="1700" b="0" i="0" u="none" strike="noStrike" baseline="-25000" dirty="0">
-                <a:solidFill>
-                  <a:srgbClr val="000000"/>
-                </a:solidFill>
-                <a:effectLst/>
-                <a:latin typeface="Bahnschrift" panose="020B0502040204020203" pitchFamily="34" charset="0"/>
-              </a:rPr>
-              <a:t>2</a:t>
-            </a:r>
-            <a:r>
-              <a:rPr lang="en-US" sz="1700" b="0" i="0" u="none" strike="noStrike" dirty="0">
-                <a:solidFill>
-                  <a:srgbClr val="000000"/>
-                </a:solidFill>
-                <a:effectLst/>
-                <a:latin typeface="Bahnschrift" panose="020B0502040204020203" pitchFamily="34" charset="0"/>
-              </a:rPr>
-              <a:t>​(</a:t>
-            </a:r>
-            <a:r>
-              <a:rPr lang="en-US" sz="1700" b="0" i="0" u="none" strike="noStrike" dirty="0" err="1">
-                <a:solidFill>
-                  <a:srgbClr val="000000"/>
-                </a:solidFill>
-                <a:effectLst/>
-                <a:latin typeface="Bahnschrift" panose="020B0502040204020203" pitchFamily="34" charset="0"/>
-              </a:rPr>
-              <a:t>f,θ</a:t>
-            </a:r>
-            <a:r>
-              <a:rPr lang="en-US" sz="1700" b="0" i="0" u="none" strike="noStrike" dirty="0">
-                <a:solidFill>
-                  <a:srgbClr val="000000"/>
-                </a:solidFill>
-                <a:effectLst/>
-                <a:latin typeface="Bahnschrift" panose="020B0502040204020203" pitchFamily="34" charset="0"/>
-              </a:rPr>
-              <a:t>) and H</a:t>
-            </a:r>
-            <a:r>
-              <a:rPr lang="en-US" sz="1700" b="0" i="0" u="none" strike="noStrike" baseline="30000" dirty="0">
-                <a:solidFill>
-                  <a:srgbClr val="000000"/>
-                </a:solidFill>
-                <a:effectLst/>
-                <a:latin typeface="Bahnschrift" panose="020B0502040204020203" pitchFamily="34" charset="0"/>
-              </a:rPr>
-              <a:t>d</a:t>
-            </a:r>
-            <a:r>
-              <a:rPr lang="en-US" sz="1700" b="0" i="0" u="none" strike="noStrike" baseline="-25000" dirty="0">
-                <a:solidFill>
-                  <a:srgbClr val="000000"/>
-                </a:solidFill>
-                <a:effectLst/>
-                <a:latin typeface="Bahnschrift" panose="020B0502040204020203" pitchFamily="34" charset="0"/>
-              </a:rPr>
-              <a:t>1</a:t>
-            </a:r>
-            <a:r>
-              <a:rPr lang="en-US" sz="1700" b="0" i="0" u="none" strike="noStrike" dirty="0">
-                <a:solidFill>
-                  <a:srgbClr val="000000"/>
-                </a:solidFill>
-                <a:effectLst/>
-                <a:latin typeface="Bahnschrift" panose="020B0502040204020203" pitchFamily="34" charset="0"/>
-              </a:rPr>
-              <a:t>​(</a:t>
-            </a:r>
-            <a:r>
-              <a:rPr lang="en-US" sz="1700" b="0" i="0" u="none" strike="noStrike" dirty="0" err="1">
-                <a:solidFill>
-                  <a:srgbClr val="000000"/>
-                </a:solidFill>
-                <a:effectLst/>
-                <a:latin typeface="Bahnschrift" panose="020B0502040204020203" pitchFamily="34" charset="0"/>
-              </a:rPr>
-              <a:t>f,θ</a:t>
-            </a:r>
-            <a:r>
-              <a:rPr lang="en-US" sz="1700" b="0" i="0" u="none" strike="noStrike" dirty="0">
-                <a:solidFill>
-                  <a:srgbClr val="000000"/>
-                </a:solidFill>
-                <a:effectLst/>
-                <a:latin typeface="Bahnschrift" panose="020B0502040204020203" pitchFamily="34" charset="0"/>
-              </a:rPr>
-              <a:t> ) are </a:t>
-            </a:r>
-            <a:r>
-              <a:rPr lang="en-US" sz="1700" b="0" i="0" u="none" strike="noStrike" dirty="0">
-                <a:solidFill>
-                  <a:srgbClr val="333333"/>
-                </a:solidFill>
-                <a:effectLst/>
-                <a:latin typeface="Bahnschrift" panose="020B0502040204020203" pitchFamily="34" charset="0"/>
-              </a:rPr>
-              <a:t>Direct-path acoustic transfer functions of left and right</a:t>
-            </a:r>
-          </a:p>
-          <a:p>
-            <a:pPr rtl="0">
-              <a:spcBef>
-                <a:spcPts val="0"/>
-              </a:spcBef>
-              <a:spcAft>
-                <a:spcPts val="0"/>
-              </a:spcAft>
-            </a:pPr>
-            <a:endParaRPr lang="en-US" sz="1600" b="0" dirty="0">
-              <a:effectLst/>
-              <a:latin typeface="Bahnschrift" panose="020B0502040204020203" pitchFamily="34" charset="0"/>
-            </a:endParaRPr>
-          </a:p>
-          <a:p>
-            <a:pPr rtl="0">
-              <a:spcBef>
-                <a:spcPts val="0"/>
-              </a:spcBef>
-              <a:spcAft>
-                <a:spcPts val="0"/>
-              </a:spcAft>
-            </a:pPr>
-            <a:r>
-              <a:rPr lang="en-IN" sz="1800" b="1" i="0" u="none" strike="noStrike" dirty="0">
-                <a:solidFill>
-                  <a:schemeClr val="accent2">
-                    <a:lumMod val="75000"/>
-                  </a:schemeClr>
-                </a:solidFill>
-                <a:effectLst/>
-                <a:latin typeface="Bahnschrift" panose="020B0502040204020203" pitchFamily="34" charset="0"/>
-              </a:rPr>
-              <a:t>For estimating Direction we use:</a:t>
-            </a:r>
-            <a:endParaRPr lang="en-IN" sz="1400" b="1" dirty="0">
-              <a:solidFill>
-                <a:schemeClr val="accent2">
-                  <a:lumMod val="75000"/>
-                </a:schemeClr>
-              </a:solidFill>
-              <a:effectLst/>
-              <a:latin typeface="Bahnschrift" panose="020B0502040204020203" pitchFamily="34" charset="0"/>
-            </a:endParaRPr>
-          </a:p>
-          <a:p>
-            <a:pPr rtl="0">
-              <a:spcBef>
-                <a:spcPts val="0"/>
-              </a:spcBef>
-              <a:spcAft>
-                <a:spcPts val="0"/>
-              </a:spcAft>
-              <a:buFont typeface="Courier New" panose="02070309020205020404" pitchFamily="49" charset="0"/>
-              <a:buChar char="o"/>
-            </a:pPr>
-            <a:r>
-              <a:rPr lang="en-IN" sz="1800" dirty="0">
-                <a:solidFill>
-                  <a:srgbClr val="333333"/>
-                </a:solidFill>
-                <a:latin typeface="Bahnschrift" panose="020B0502040204020203" pitchFamily="34" charset="0"/>
-              </a:rPr>
-              <a:t> </a:t>
-            </a:r>
-            <a:r>
-              <a:rPr lang="el-GR" sz="1800" b="0" i="0" u="none" strike="noStrike" dirty="0">
-                <a:solidFill>
-                  <a:srgbClr val="000000"/>
-                </a:solidFill>
-                <a:effectLst/>
-                <a:latin typeface="Bahnschrift" panose="020B0502040204020203" pitchFamily="34" charset="0"/>
-              </a:rPr>
-              <a:t>θ = </a:t>
-            </a:r>
-            <a:r>
-              <a:rPr lang="en-IN" sz="1800" b="0" i="0" u="none" strike="noStrike" dirty="0" err="1">
-                <a:solidFill>
-                  <a:srgbClr val="000000"/>
-                </a:solidFill>
-                <a:effectLst/>
-                <a:latin typeface="Bahnschrift" panose="020B0502040204020203" pitchFamily="34" charset="0"/>
-              </a:rPr>
-              <a:t>arg</a:t>
-            </a:r>
-            <a:r>
-              <a:rPr lang="en-IN" sz="1800" b="0" i="0" u="none" strike="noStrike" dirty="0">
-                <a:solidFill>
-                  <a:srgbClr val="000000"/>
-                </a:solidFill>
-                <a:effectLst/>
-                <a:latin typeface="Bahnschrift" panose="020B0502040204020203" pitchFamily="34" charset="0"/>
-              </a:rPr>
-              <a:t> min </a:t>
-            </a:r>
-            <a:r>
-              <a:rPr lang="el-GR" sz="1800" b="0" i="0" u="none" strike="noStrike" baseline="-25000" dirty="0">
-                <a:solidFill>
-                  <a:srgbClr val="000000"/>
-                </a:solidFill>
-                <a:effectLst/>
-                <a:latin typeface="Bahnschrift" panose="020B0502040204020203" pitchFamily="34" charset="0"/>
-              </a:rPr>
-              <a:t>θ</a:t>
-            </a:r>
-            <a:r>
-              <a:rPr lang="el-GR" sz="1800" b="0" i="0" u="none" strike="noStrike" dirty="0">
-                <a:solidFill>
-                  <a:srgbClr val="000000"/>
-                </a:solidFill>
-                <a:effectLst/>
-                <a:latin typeface="Bahnschrift" panose="020B0502040204020203" pitchFamily="34" charset="0"/>
-              </a:rPr>
-              <a:t> ||</a:t>
-            </a:r>
-            <a:r>
-              <a:rPr lang="en-IN" sz="1800" b="0" i="0" u="none" strike="noStrike" dirty="0">
-                <a:solidFill>
-                  <a:srgbClr val="000000"/>
-                </a:solidFill>
-                <a:effectLst/>
-                <a:latin typeface="Bahnschrift" panose="020B0502040204020203" pitchFamily="34" charset="0"/>
-              </a:rPr>
-              <a:t>r − r(</a:t>
-            </a:r>
-            <a:r>
-              <a:rPr lang="el-GR" sz="1800" b="0" i="0" u="none" strike="noStrike" dirty="0">
-                <a:solidFill>
-                  <a:srgbClr val="000000"/>
-                </a:solidFill>
-                <a:effectLst/>
-                <a:latin typeface="Bahnschrift" panose="020B0502040204020203" pitchFamily="34" charset="0"/>
-              </a:rPr>
-              <a:t>θ)||</a:t>
-            </a:r>
-            <a:r>
-              <a:rPr lang="el-GR" sz="1800" b="0" i="0" u="none" strike="noStrike" baseline="30000" dirty="0">
-                <a:solidFill>
-                  <a:srgbClr val="000000"/>
-                </a:solidFill>
-                <a:effectLst/>
-                <a:latin typeface="Bahnschrift" panose="020B0502040204020203" pitchFamily="34" charset="0"/>
-              </a:rPr>
-              <a:t>2</a:t>
-            </a:r>
-            <a:r>
-              <a:rPr lang="el-GR" sz="1800" b="0" i="0" u="none" strike="noStrike" dirty="0">
-                <a:solidFill>
-                  <a:srgbClr val="000000"/>
-                </a:solidFill>
-                <a:effectLst/>
-                <a:latin typeface="Bahnschrift" panose="020B0502040204020203" pitchFamily="34" charset="0"/>
-              </a:rPr>
-              <a:t>   </a:t>
-            </a:r>
-            <a:endParaRPr lang="en-US" sz="1800" b="0" i="0" u="none" strike="noStrike" dirty="0">
-              <a:solidFill>
-                <a:srgbClr val="000000"/>
-              </a:solidFill>
-              <a:effectLst/>
-              <a:latin typeface="Bahnschrift" panose="020B0502040204020203" pitchFamily="34" charset="0"/>
-            </a:endParaRPr>
-          </a:p>
-          <a:p>
-            <a:pPr rtl="0">
-              <a:spcBef>
-                <a:spcPts val="0"/>
-              </a:spcBef>
-              <a:spcAft>
-                <a:spcPts val="0"/>
-              </a:spcAft>
-              <a:buFont typeface="Courier New" panose="02070309020205020404" pitchFamily="49" charset="0"/>
-              <a:buChar char="o"/>
-            </a:pPr>
-            <a:r>
-              <a:rPr lang="el-GR" sz="1800" b="0" i="0" u="none" strike="noStrike" dirty="0">
-                <a:solidFill>
-                  <a:srgbClr val="333333"/>
-                </a:solidFill>
-                <a:effectLst/>
-                <a:latin typeface="Bahnschrift" panose="020B0502040204020203" pitchFamily="34" charset="0"/>
-              </a:rPr>
-              <a:t> </a:t>
-            </a:r>
-            <a:r>
-              <a:rPr lang="en-IN" sz="1800" b="0" i="0" u="none" strike="noStrike" dirty="0">
-                <a:solidFill>
-                  <a:srgbClr val="333333"/>
-                </a:solidFill>
-                <a:effectLst/>
-                <a:latin typeface="Bahnschrift" panose="020B0502040204020203" pitchFamily="34" charset="0"/>
-              </a:rPr>
-              <a:t>r: DP-RTF prediction.</a:t>
-            </a:r>
-            <a:endParaRPr lang="en-IN" sz="1400" b="0" dirty="0">
-              <a:effectLst/>
-              <a:latin typeface="Bahnschrift" panose="020B0502040204020203" pitchFamily="34" charset="0"/>
-            </a:endParaRPr>
-          </a:p>
-          <a:p>
-            <a:pPr rtl="0">
-              <a:spcBef>
-                <a:spcPts val="0"/>
-              </a:spcBef>
-              <a:spcAft>
-                <a:spcPts val="0"/>
-              </a:spcAft>
-              <a:buFont typeface="Courier New" panose="02070309020205020404" pitchFamily="49" charset="0"/>
-              <a:buChar char="o"/>
-            </a:pPr>
-            <a:r>
-              <a:rPr lang="en-IN" sz="1800" b="0" i="0" u="none" strike="noStrike" dirty="0">
-                <a:solidFill>
-                  <a:srgbClr val="333333"/>
-                </a:solidFill>
-                <a:effectLst/>
-                <a:latin typeface="Bahnschrift" panose="020B0502040204020203" pitchFamily="34" charset="0"/>
-              </a:rPr>
-              <a:t> r(</a:t>
-            </a:r>
-            <a:r>
-              <a:rPr lang="el-GR" sz="1800" b="0" i="0" u="none" strike="noStrike" dirty="0">
-                <a:solidFill>
-                  <a:srgbClr val="333333"/>
-                </a:solidFill>
-                <a:effectLst/>
-                <a:latin typeface="Bahnschrift" panose="020B0502040204020203" pitchFamily="34" charset="0"/>
-              </a:rPr>
-              <a:t>θ): </a:t>
-            </a:r>
-            <a:r>
-              <a:rPr lang="en-IN" sz="1800" b="0" i="0" u="none" strike="noStrike" dirty="0">
-                <a:solidFill>
-                  <a:srgbClr val="333333"/>
-                </a:solidFill>
-                <a:effectLst/>
-                <a:latin typeface="Bahnschrift" panose="020B0502040204020203" pitchFamily="34" charset="0"/>
-              </a:rPr>
-              <a:t>Lookup in DP-RTF dictionary</a:t>
-            </a:r>
-          </a:p>
-          <a:p>
-            <a:pPr rtl="0">
-              <a:spcBef>
-                <a:spcPts val="0"/>
-              </a:spcBef>
-              <a:spcAft>
-                <a:spcPts val="0"/>
-              </a:spcAft>
-            </a:pPr>
-            <a:endParaRPr lang="en-IN" sz="1800" dirty="0">
-              <a:solidFill>
-                <a:srgbClr val="333333"/>
-              </a:solidFill>
-              <a:latin typeface="Bahnschrift" panose="020B0502040204020203" pitchFamily="34" charset="0"/>
-            </a:endParaRPr>
-          </a:p>
-          <a:p>
-            <a:pPr rtl="0">
-              <a:spcBef>
-                <a:spcPts val="0"/>
-              </a:spcBef>
-              <a:spcAft>
-                <a:spcPts val="0"/>
-              </a:spcAft>
-            </a:pPr>
-            <a:r>
-              <a:rPr lang="en-IN" sz="1800" b="1" dirty="0">
-                <a:solidFill>
-                  <a:schemeClr val="accent2">
-                    <a:lumMod val="75000"/>
-                  </a:schemeClr>
-                </a:solidFill>
-                <a:effectLst/>
-                <a:latin typeface="Bahnschrift" panose="020B0502040204020203" pitchFamily="34" charset="0"/>
-              </a:rPr>
-              <a:t>Where </a:t>
-            </a:r>
-            <a:r>
-              <a:rPr lang="en-IN" sz="1800" b="1" i="0" u="none" strike="noStrike" dirty="0">
-                <a:solidFill>
-                  <a:schemeClr val="accent2">
-                    <a:lumMod val="75000"/>
-                  </a:schemeClr>
-                </a:solidFill>
-                <a:effectLst/>
-                <a:latin typeface="Bahnschrift" panose="020B0502040204020203" pitchFamily="34" charset="0"/>
-              </a:rPr>
-              <a:t>Dictionary of DP-RTF is :</a:t>
-            </a:r>
-            <a:endParaRPr lang="en-IN" sz="1400" b="1" dirty="0">
-              <a:solidFill>
-                <a:schemeClr val="accent2">
-                  <a:lumMod val="75000"/>
-                </a:schemeClr>
-              </a:solidFill>
-              <a:effectLst/>
-              <a:latin typeface="Bahnschrift" panose="020B0502040204020203" pitchFamily="34" charset="0"/>
-            </a:endParaRPr>
-          </a:p>
-          <a:p>
-            <a:pPr rtl="0">
-              <a:spcBef>
-                <a:spcPts val="0"/>
-              </a:spcBef>
-              <a:spcAft>
-                <a:spcPts val="0"/>
-              </a:spcAft>
-              <a:buFont typeface="Courier New" panose="02070309020205020404" pitchFamily="49" charset="0"/>
-              <a:buChar char="o"/>
-            </a:pPr>
-            <a:r>
-              <a:rPr lang="en-US" sz="1700" b="0" i="0" u="none" strike="noStrike" dirty="0">
-                <a:solidFill>
-                  <a:srgbClr val="333333"/>
-                </a:solidFill>
-                <a:effectLst/>
-                <a:latin typeface="Bahnschrift" panose="020B0502040204020203" pitchFamily="34" charset="0"/>
-              </a:rPr>
-              <a:t> Collection of real-valued DP-RTF representations for different DOAs.</a:t>
-            </a:r>
-            <a:endParaRPr lang="en-US" sz="1100" b="0" dirty="0">
-              <a:effectLst/>
-              <a:latin typeface="Bahnschrift" panose="020B0502040204020203" pitchFamily="34" charset="0"/>
-            </a:endParaRPr>
-          </a:p>
-          <a:p>
-            <a:pPr rtl="0">
-              <a:spcBef>
-                <a:spcPts val="0"/>
-              </a:spcBef>
-              <a:spcAft>
-                <a:spcPts val="0"/>
-              </a:spcAft>
-              <a:buFont typeface="Courier New" panose="02070309020205020404" pitchFamily="49" charset="0"/>
-              <a:buChar char="o"/>
-            </a:pPr>
-            <a:r>
-              <a:rPr lang="en-US" sz="1700" b="0" i="0" u="none" strike="noStrike" dirty="0">
-                <a:solidFill>
-                  <a:srgbClr val="333333"/>
-                </a:solidFill>
-                <a:effectLst/>
-                <a:latin typeface="Bahnschrift" panose="020B0502040204020203" pitchFamily="34" charset="0"/>
-              </a:rPr>
-              <a:t> </a:t>
-            </a:r>
-            <a:r>
-              <a:rPr lang="en-US" sz="1500" b="0" i="0" u="none" strike="noStrike" dirty="0">
-                <a:solidFill>
-                  <a:srgbClr val="333333"/>
-                </a:solidFill>
-                <a:effectLst/>
-                <a:latin typeface="Bahnschrift" panose="020B0502040204020203" pitchFamily="34" charset="0"/>
-              </a:rPr>
-              <a:t>W</a:t>
-            </a:r>
-            <a:r>
-              <a:rPr lang="en-US" sz="1700" dirty="0">
-                <a:latin typeface="Bahnschrift" panose="020B0502040204020203" pitchFamily="34" charset="0"/>
-              </a:rPr>
-              <a:t>e use the averaged DP-RTF of all the CIPIC HRIRs to form the DP-RTF dictionary of the test array </a:t>
-            </a:r>
-            <a:br>
-              <a:rPr lang="en-US" sz="1200" dirty="0">
-                <a:latin typeface="Bahnschrift" panose="020B0502040204020203" pitchFamily="34" charset="0"/>
-              </a:rPr>
-            </a:br>
-            <a:endParaRPr lang="en-IN" dirty="0">
-              <a:latin typeface="Bahnschrift" panose="020B0502040204020203" pitchFamily="34" charset="0"/>
-            </a:endParaRPr>
+            <a:pPr algn="ctr"/>
+            <a:r>
+              <a:rPr lang="en-US" sz="2800" b="1" dirty="0"/>
+              <a:t>METHODOLOGY</a:t>
+            </a:r>
+            <a:endParaRPr lang="en-IN" sz="2800" b="1" dirty="0"/>
           </a:p>
         </p:txBody>
       </p:sp>
       <p:pic>
         <p:nvPicPr>
-          <p:cNvPr id="6" name="Picture 5">
+          <p:cNvPr id="7" name="Picture 6">
             <a:extLst>
               <a:ext uri="{FF2B5EF4-FFF2-40B4-BE49-F238E27FC236}">
-                <a16:creationId xmlns:a16="http://schemas.microsoft.com/office/drawing/2014/main" id="{E4B96BD2-C20C-04A4-06EF-CD4495F25354}"/>
+                <a16:creationId xmlns:a16="http://schemas.microsoft.com/office/drawing/2014/main" id="{17B63977-C36A-1617-28E4-6FE1AE83DEDB}"/>
               </a:ext>
             </a:extLst>
           </p:cNvPr>
@@ -5770,20 +4760,259 @@
         </p:blipFill>
         <p:spPr>
           <a:xfrm>
-            <a:off x="0" y="1625599"/>
-            <a:ext cx="6797414" cy="4518026"/>
+            <a:off x="8505823" y="853639"/>
+            <a:ext cx="3424600" cy="1822264"/>
           </a:xfrm>
           <a:prstGeom prst="rect">
             <a:avLst/>
           </a:prstGeom>
         </p:spPr>
       </p:pic>
-      <p:sp>
-        <p:nvSpPr>
-          <p:cNvPr id="7" name="TextBox 6">
+      <p:grpSp>
+        <p:nvGrpSpPr>
+          <p:cNvPr id="19" name="Group 18">
             <a:extLst>
               <a:ext uri="{FF2B5EF4-FFF2-40B4-BE49-F238E27FC236}">
-                <a16:creationId xmlns:a16="http://schemas.microsoft.com/office/drawing/2014/main" id="{546B76DE-2F54-513E-DEA4-56C6B30BE9DC}"/>
+                <a16:creationId xmlns:a16="http://schemas.microsoft.com/office/drawing/2014/main" id="{61B941E3-651C-A969-B1FE-AF06A80E3A44}"/>
+              </a:ext>
+            </a:extLst>
+          </p:cNvPr>
+          <p:cNvGrpSpPr/>
+          <p:nvPr/>
+        </p:nvGrpSpPr>
+        <p:grpSpPr>
+          <a:xfrm>
+            <a:off x="554503" y="847485"/>
+            <a:ext cx="7810498" cy="1704702"/>
+            <a:chOff x="4162425" y="946180"/>
+            <a:chExt cx="7810498" cy="1704702"/>
+          </a:xfrm>
+        </p:grpSpPr>
+        <p:sp>
+          <p:nvSpPr>
+            <p:cNvPr id="8" name="TextBox 7">
+              <a:extLst>
+                <a:ext uri="{FF2B5EF4-FFF2-40B4-BE49-F238E27FC236}">
+                  <a16:creationId xmlns:a16="http://schemas.microsoft.com/office/drawing/2014/main" id="{9E7125FF-54B1-38BE-9CE4-51595787B277}"/>
+                </a:ext>
+              </a:extLst>
+            </p:cNvPr>
+            <p:cNvSpPr txBox="1"/>
+            <p:nvPr/>
+          </p:nvSpPr>
+          <p:spPr>
+            <a:xfrm>
+              <a:off x="4162425" y="946180"/>
+              <a:ext cx="7624762" cy="338554"/>
+            </a:xfrm>
+            <a:prstGeom prst="rect">
+              <a:avLst/>
+            </a:prstGeom>
+            <a:noFill/>
+          </p:spPr>
+          <p:txBody>
+            <a:bodyPr wrap="square" rtlCol="0">
+              <a:spAutoFit/>
+            </a:bodyPr>
+            <a:lstStyle/>
+            <a:p>
+              <a:pPr marL="285750" indent="-285750">
+                <a:buFont typeface="Arial" panose="020B0604020202020204" pitchFamily="34" charset="0"/>
+                <a:buChar char="•"/>
+              </a:pPr>
+              <a:r>
+                <a:rPr lang="en-US" sz="1600" dirty="0"/>
+                <a:t>The signal received by the m-</a:t>
+              </a:r>
+              <a:r>
+                <a:rPr lang="en-US" sz="1600" dirty="0" err="1"/>
+                <a:t>th</a:t>
+              </a:r>
+              <a:r>
+                <a:rPr lang="en-US" sz="1600" dirty="0"/>
+                <a:t> microphone where m is [1,2] </a:t>
+              </a:r>
+              <a:r>
+                <a:rPr lang="en-US" sz="1600" dirty="0" err="1"/>
+                <a:t>i.e</a:t>
+              </a:r>
+              <a:r>
+                <a:rPr lang="en-US" sz="1600" dirty="0"/>
+                <a:t> left or right</a:t>
+              </a:r>
+              <a:endParaRPr lang="en-IN" sz="1600" dirty="0"/>
+            </a:p>
+          </p:txBody>
+        </p:sp>
+        <p:pic>
+          <p:nvPicPr>
+            <p:cNvPr id="10" name="Picture 9">
+              <a:extLst>
+                <a:ext uri="{FF2B5EF4-FFF2-40B4-BE49-F238E27FC236}">
+                  <a16:creationId xmlns:a16="http://schemas.microsoft.com/office/drawing/2014/main" id="{1B4DA450-7E4D-F390-6651-24BDBC73CC60}"/>
+                </a:ext>
+              </a:extLst>
+            </p:cNvPr>
+            <p:cNvPicPr>
+              <a:picLocks noChangeAspect="1"/>
+            </p:cNvPicPr>
+            <p:nvPr/>
+          </p:nvPicPr>
+          <p:blipFill>
+            <a:blip r:embed="rId3"/>
+            <a:stretch>
+              <a:fillRect/>
+            </a:stretch>
+          </p:blipFill>
+          <p:spPr>
+            <a:xfrm>
+              <a:off x="4688352" y="1285997"/>
+              <a:ext cx="4143702" cy="269509"/>
+            </a:xfrm>
+            <a:prstGeom prst="rect">
+              <a:avLst/>
+            </a:prstGeom>
+          </p:spPr>
+        </p:pic>
+        <p:sp>
+          <p:nvSpPr>
+            <p:cNvPr id="11" name="TextBox 10">
+              <a:extLst>
+                <a:ext uri="{FF2B5EF4-FFF2-40B4-BE49-F238E27FC236}">
+                  <a16:creationId xmlns:a16="http://schemas.microsoft.com/office/drawing/2014/main" id="{800684D9-F014-BAAF-F56C-07B2F8F581A1}"/>
+                </a:ext>
+              </a:extLst>
+            </p:cNvPr>
+            <p:cNvSpPr txBox="1"/>
+            <p:nvPr/>
+          </p:nvSpPr>
+          <p:spPr>
+            <a:xfrm>
+              <a:off x="4162425" y="1518946"/>
+              <a:ext cx="7810498" cy="830997"/>
+            </a:xfrm>
+            <a:prstGeom prst="rect">
+              <a:avLst/>
+            </a:prstGeom>
+            <a:noFill/>
+          </p:spPr>
+          <p:txBody>
+            <a:bodyPr wrap="square" rtlCol="0">
+              <a:spAutoFit/>
+            </a:bodyPr>
+            <a:lstStyle/>
+            <a:p>
+              <a:pPr marL="285750" indent="-285750">
+                <a:buFont typeface="Arial" panose="020B0604020202020204" pitchFamily="34" charset="0"/>
+                <a:buChar char="•"/>
+              </a:pPr>
+              <a:r>
+                <a:rPr lang="en-US" sz="1600" dirty="0"/>
+                <a:t>s(t) ,</a:t>
+              </a:r>
+              <a:r>
+                <a:rPr lang="en-IN" sz="1600" dirty="0">
+                  <a:solidFill>
+                    <a:srgbClr val="000000"/>
+                  </a:solidFill>
+                  <a:latin typeface="Times New Roman" panose="02020603050405020304" pitchFamily="18" charset="0"/>
+                </a:rPr>
+                <a:t>V</a:t>
+              </a:r>
+              <a:r>
+                <a:rPr lang="en-US" sz="1600" baseline="-25000" dirty="0">
+                  <a:solidFill>
+                    <a:srgbClr val="000000"/>
+                  </a:solidFill>
+                  <a:latin typeface="Times New Roman" panose="02020603050405020304" pitchFamily="18" charset="0"/>
+                </a:rPr>
+                <a:t>m</a:t>
+              </a:r>
+              <a:r>
+                <a:rPr lang="en-US" sz="1600" dirty="0"/>
+                <a:t>(t) denotes the source signal, noise signal at the m-</a:t>
+              </a:r>
+              <a:r>
+                <a:rPr lang="en-US" sz="1600" dirty="0" err="1"/>
+                <a:t>th</a:t>
+              </a:r>
+              <a:r>
+                <a:rPr lang="en-US" sz="1600" dirty="0"/>
+                <a:t> microphone, and </a:t>
+              </a:r>
+              <a:r>
+                <a:rPr lang="en-IN" sz="1600" dirty="0">
+                  <a:solidFill>
+                    <a:srgbClr val="000000"/>
+                  </a:solidFill>
+                  <a:latin typeface="Times New Roman" panose="02020603050405020304" pitchFamily="18" charset="0"/>
+                </a:rPr>
+                <a:t>h</a:t>
+              </a:r>
+              <a:r>
+                <a:rPr lang="en-US" sz="1600" baseline="-25000" dirty="0">
+                  <a:solidFill>
+                    <a:srgbClr val="000000"/>
+                  </a:solidFill>
+                  <a:latin typeface="Times New Roman" panose="02020603050405020304" pitchFamily="18" charset="0"/>
+                </a:rPr>
+                <a:t>m</a:t>
+              </a:r>
+              <a:r>
+                <a:rPr lang="en-US" sz="1600" dirty="0"/>
+                <a:t>(t, θ) is the acoustic impulse response from the source at θ </a:t>
+              </a:r>
+            </a:p>
+            <a:p>
+              <a:pPr marL="285750" indent="-285750">
+                <a:buFont typeface="Arial" panose="020B0604020202020204" pitchFamily="34" charset="0"/>
+                <a:buChar char="•"/>
+              </a:pPr>
+              <a:r>
+                <a:rPr lang="en-US" sz="1600" dirty="0"/>
+                <a:t>And we apply STFT to eq(1)</a:t>
+              </a:r>
+              <a:endParaRPr lang="en-IN" sz="1600" dirty="0"/>
+            </a:p>
+          </p:txBody>
+        </p:sp>
+        <p:pic>
+          <p:nvPicPr>
+            <p:cNvPr id="13" name="Picture 12">
+              <a:extLst>
+                <a:ext uri="{FF2B5EF4-FFF2-40B4-BE49-F238E27FC236}">
+                  <a16:creationId xmlns:a16="http://schemas.microsoft.com/office/drawing/2014/main" id="{3CE1F4F7-B2D4-939E-047C-0D8D56119020}"/>
+                </a:ext>
+              </a:extLst>
+            </p:cNvPr>
+            <p:cNvPicPr>
+              <a:picLocks noChangeAspect="1"/>
+            </p:cNvPicPr>
+            <p:nvPr/>
+          </p:nvPicPr>
+          <p:blipFill>
+            <a:blip r:embed="rId4"/>
+            <a:stretch>
+              <a:fillRect/>
+            </a:stretch>
+          </p:blipFill>
+          <p:spPr>
+            <a:xfrm>
+              <a:off x="4688352" y="2349943"/>
+              <a:ext cx="4143702" cy="300939"/>
+            </a:xfrm>
+            <a:prstGeom prst="rect">
+              <a:avLst/>
+            </a:prstGeom>
+          </p:spPr>
+        </p:pic>
+      </p:grpSp>
+      <p:sp>
+        <p:nvSpPr>
+          <p:cNvPr id="14" name="TextBox 13">
+            <a:extLst>
+              <a:ext uri="{FF2B5EF4-FFF2-40B4-BE49-F238E27FC236}">
+                <a16:creationId xmlns:a16="http://schemas.microsoft.com/office/drawing/2014/main" id="{859EFB6D-2DFD-7F89-9CAE-281B584FCE53}"/>
               </a:ext>
             </a:extLst>
           </p:cNvPr>
@@ -5792,8 +5021,8 @@
         </p:nvSpPr>
         <p:spPr>
           <a:xfrm>
-            <a:off x="2543175" y="409575"/>
-            <a:ext cx="6610350" cy="646331"/>
+            <a:off x="523875" y="2565357"/>
+            <a:ext cx="11401425" cy="830997"/>
           </a:xfrm>
           <a:prstGeom prst="rect">
             <a:avLst/>
@@ -5806,27 +5035,1000 @@
           </a:bodyPr>
           <a:lstStyle/>
           <a:p>
-            <a:pPr algn="ctr"/>
-            <a:r>
-              <a:rPr lang="en-IN" sz="3600" b="1" i="0" u="none" strike="noStrike" dirty="0">
+            <a:pPr marL="285750" indent="-285750">
+              <a:buFont typeface="Arial" panose="020B0604020202020204" pitchFamily="34" charset="0"/>
+              <a:buChar char="•"/>
+            </a:pPr>
+            <a:r>
+              <a:rPr lang="en-IN" sz="1600" dirty="0">
                 <a:solidFill>
-                  <a:schemeClr val="tx1">
-                    <a:lumMod val="65000"/>
-                    <a:lumOff val="35000"/>
-                  </a:schemeClr>
+                  <a:srgbClr val="000000"/>
                 </a:solidFill>
-                <a:effectLst/>
-                <a:latin typeface="Bahnschrift" panose="020B0502040204020203" pitchFamily="34" charset="0"/>
+                <a:latin typeface="Times New Roman" panose="02020603050405020304" pitchFamily="18" charset="0"/>
               </a:rPr>
-              <a:t>METHODOLOGY</a:t>
-            </a:r>
-          </a:p>
-        </p:txBody>
-      </p:sp>
+              <a:t>X</a:t>
+            </a:r>
+            <a:r>
+              <a:rPr lang="en-US" sz="1600" baseline="-25000" dirty="0">
+                <a:solidFill>
+                  <a:srgbClr val="000000"/>
+                </a:solidFill>
+                <a:latin typeface="Times New Roman" panose="02020603050405020304" pitchFamily="18" charset="0"/>
+              </a:rPr>
+              <a:t>m</a:t>
+            </a:r>
+            <a:r>
+              <a:rPr lang="en-US" sz="1600" dirty="0"/>
+              <a:t>(n, f), S(n, f) and </a:t>
+            </a:r>
+            <a:r>
+              <a:rPr lang="en-US" sz="1600" dirty="0" err="1"/>
+              <a:t>V</a:t>
+            </a:r>
+            <a:r>
+              <a:rPr lang="en-US" sz="1600" baseline="-25000" dirty="0" err="1">
+                <a:solidFill>
+                  <a:srgbClr val="000000"/>
+                </a:solidFill>
+                <a:latin typeface="Times New Roman" panose="02020603050405020304" pitchFamily="18" charset="0"/>
+              </a:rPr>
+              <a:t>m</a:t>
+            </a:r>
+            <a:r>
+              <a:rPr lang="en-US" sz="1600" dirty="0"/>
+              <a:t>(n, f) represent the microphone, source and noise signals in the TF domain, respectively. The acoustic transfer function </a:t>
+            </a:r>
+            <a:r>
+              <a:rPr lang="en-IN" sz="1600" dirty="0">
+                <a:solidFill>
+                  <a:srgbClr val="000000"/>
+                </a:solidFill>
+                <a:latin typeface="Times New Roman" panose="02020603050405020304" pitchFamily="18" charset="0"/>
+              </a:rPr>
+              <a:t>H</a:t>
+            </a:r>
+            <a:r>
+              <a:rPr lang="en-US" sz="1600" baseline="-25000" dirty="0">
+                <a:solidFill>
+                  <a:srgbClr val="000000"/>
+                </a:solidFill>
+                <a:latin typeface="Times New Roman" panose="02020603050405020304" pitchFamily="18" charset="0"/>
+              </a:rPr>
+              <a:t>m</a:t>
+            </a:r>
+            <a:r>
+              <a:rPr lang="en-US" sz="1600" dirty="0"/>
+              <a:t>(f, θ) is the Fourier transform of </a:t>
+            </a:r>
+            <a:r>
+              <a:rPr lang="en-IN" sz="1600" dirty="0">
+                <a:solidFill>
+                  <a:srgbClr val="000000"/>
+                </a:solidFill>
+                <a:latin typeface="Times New Roman" panose="02020603050405020304" pitchFamily="18" charset="0"/>
+              </a:rPr>
+              <a:t>h</a:t>
+            </a:r>
+            <a:r>
+              <a:rPr lang="en-US" sz="1600" baseline="-25000" dirty="0">
+                <a:solidFill>
+                  <a:srgbClr val="000000"/>
+                </a:solidFill>
+                <a:latin typeface="Times New Roman" panose="02020603050405020304" pitchFamily="18" charset="0"/>
+              </a:rPr>
+              <a:t>m</a:t>
+            </a:r>
+            <a:r>
+              <a:rPr lang="en-US" sz="1600" dirty="0"/>
+              <a:t>(t, θ).</a:t>
+            </a:r>
+          </a:p>
+          <a:p>
+            <a:pPr marL="285750" indent="-285750">
+              <a:buFont typeface="Arial" panose="020B0604020202020204" pitchFamily="34" charset="0"/>
+              <a:buChar char="•"/>
+            </a:pPr>
+            <a:r>
+              <a:rPr lang="en-US" sz="1600" dirty="0"/>
+              <a:t>The acoustic transfer function involves the direct and reflected propagation paths of the sound source to the microphones, i.e.,</a:t>
+            </a:r>
+            <a:endParaRPr lang="en-IN" sz="1600" dirty="0"/>
+          </a:p>
+        </p:txBody>
+      </p:sp>
+      <p:grpSp>
+        <p:nvGrpSpPr>
+          <p:cNvPr id="27" name="Group 26">
+            <a:extLst>
+              <a:ext uri="{FF2B5EF4-FFF2-40B4-BE49-F238E27FC236}">
+                <a16:creationId xmlns:a16="http://schemas.microsoft.com/office/drawing/2014/main" id="{2CFAEAF0-BCA9-4730-9242-BB82DA7DAC7E}"/>
+              </a:ext>
+            </a:extLst>
+          </p:cNvPr>
+          <p:cNvGrpSpPr/>
+          <p:nvPr/>
+        </p:nvGrpSpPr>
+        <p:grpSpPr>
+          <a:xfrm>
+            <a:off x="1221253" y="3338737"/>
+            <a:ext cx="4143701" cy="304843"/>
+            <a:chOff x="1221253" y="3338737"/>
+            <a:chExt cx="4143701" cy="304843"/>
+          </a:xfrm>
+        </p:grpSpPr>
+        <p:grpSp>
+          <p:nvGrpSpPr>
+            <p:cNvPr id="24" name="Group 23">
+              <a:extLst>
+                <a:ext uri="{FF2B5EF4-FFF2-40B4-BE49-F238E27FC236}">
+                  <a16:creationId xmlns:a16="http://schemas.microsoft.com/office/drawing/2014/main" id="{6D7F5CE1-64E0-0E07-8C21-F4ECD79B83EB}"/>
+                </a:ext>
+              </a:extLst>
+            </p:cNvPr>
+            <p:cNvGrpSpPr/>
+            <p:nvPr/>
+          </p:nvGrpSpPr>
+          <p:grpSpPr>
+            <a:xfrm>
+              <a:off x="1221253" y="3338737"/>
+              <a:ext cx="3884147" cy="304843"/>
+              <a:chOff x="1221253" y="3338737"/>
+              <a:chExt cx="3884147" cy="304843"/>
+            </a:xfrm>
+          </p:grpSpPr>
+          <p:pic>
+            <p:nvPicPr>
+              <p:cNvPr id="21" name="Picture 20">
+                <a:extLst>
+                  <a:ext uri="{FF2B5EF4-FFF2-40B4-BE49-F238E27FC236}">
+                    <a16:creationId xmlns:a16="http://schemas.microsoft.com/office/drawing/2014/main" id="{1EB6BD22-6B69-3752-6B1E-2E1E657FAF4F}"/>
+                  </a:ext>
+                </a:extLst>
+              </p:cNvPr>
+              <p:cNvPicPr>
+                <a:picLocks noChangeAspect="1"/>
+              </p:cNvPicPr>
+              <p:nvPr/>
+            </p:nvPicPr>
+            <p:blipFill>
+              <a:blip r:embed="rId5"/>
+              <a:stretch>
+                <a:fillRect/>
+              </a:stretch>
+            </p:blipFill>
+            <p:spPr>
+              <a:xfrm>
+                <a:off x="1221253" y="3368383"/>
+                <a:ext cx="3884147" cy="271891"/>
+              </a:xfrm>
+              <a:prstGeom prst="rect">
+                <a:avLst/>
+              </a:prstGeom>
+            </p:spPr>
+          </p:pic>
+          <p:pic>
+            <p:nvPicPr>
+              <p:cNvPr id="23" name="Picture 22">
+                <a:extLst>
+                  <a:ext uri="{FF2B5EF4-FFF2-40B4-BE49-F238E27FC236}">
+                    <a16:creationId xmlns:a16="http://schemas.microsoft.com/office/drawing/2014/main" id="{277E10AA-905D-24F4-F0DF-F292CDEBA688}"/>
+                  </a:ext>
+                </a:extLst>
+              </p:cNvPr>
+              <p:cNvPicPr>
+                <a:picLocks noChangeAspect="1"/>
+              </p:cNvPicPr>
+              <p:nvPr/>
+            </p:nvPicPr>
+            <p:blipFill>
+              <a:blip r:embed="rId6"/>
+              <a:stretch>
+                <a:fillRect/>
+              </a:stretch>
+            </p:blipFill>
+            <p:spPr>
+              <a:xfrm>
+                <a:off x="4810084" y="3338737"/>
+                <a:ext cx="295316" cy="304843"/>
+              </a:xfrm>
+              <a:prstGeom prst="rect">
+                <a:avLst/>
+              </a:prstGeom>
+            </p:spPr>
+          </p:pic>
+        </p:grpSp>
+        <p:pic>
+          <p:nvPicPr>
+            <p:cNvPr id="26" name="Picture 25">
+              <a:extLst>
+                <a:ext uri="{FF2B5EF4-FFF2-40B4-BE49-F238E27FC236}">
+                  <a16:creationId xmlns:a16="http://schemas.microsoft.com/office/drawing/2014/main" id="{D0D44BA1-18B4-E845-3C84-2F060361CD84}"/>
+                </a:ext>
+              </a:extLst>
+            </p:cNvPr>
+            <p:cNvPicPr>
+              <a:picLocks noChangeAspect="1"/>
+            </p:cNvPicPr>
+            <p:nvPr/>
+          </p:nvPicPr>
+          <p:blipFill>
+            <a:blip r:embed="rId7"/>
+            <a:stretch>
+              <a:fillRect/>
+            </a:stretch>
+          </p:blipFill>
+          <p:spPr>
+            <a:xfrm>
+              <a:off x="5105399" y="3365077"/>
+              <a:ext cx="259555" cy="235959"/>
+            </a:xfrm>
+            <a:prstGeom prst="rect">
+              <a:avLst/>
+            </a:prstGeom>
+          </p:spPr>
+        </p:pic>
+      </p:grpSp>
+      <p:sp>
+        <p:nvSpPr>
+          <p:cNvPr id="28" name="TextBox 27">
+            <a:extLst>
+              <a:ext uri="{FF2B5EF4-FFF2-40B4-BE49-F238E27FC236}">
+                <a16:creationId xmlns:a16="http://schemas.microsoft.com/office/drawing/2014/main" id="{F69BBA5D-9DFC-9C44-4D66-97AB9DDB0F70}"/>
+              </a:ext>
+            </a:extLst>
+          </p:cNvPr>
+          <p:cNvSpPr txBox="1"/>
+          <p:nvPr/>
+        </p:nvSpPr>
+        <p:spPr>
+          <a:xfrm>
+            <a:off x="523875" y="3640274"/>
+            <a:ext cx="11401425" cy="338554"/>
+          </a:xfrm>
+          <a:prstGeom prst="rect">
+            <a:avLst/>
+          </a:prstGeom>
+          <a:noFill/>
+        </p:spPr>
+        <p:txBody>
+          <a:bodyPr wrap="square" rtlCol="0">
+            <a:spAutoFit/>
+          </a:bodyPr>
+          <a:lstStyle/>
+          <a:p>
+            <a:pPr marL="285750" indent="-285750">
+              <a:buFont typeface="Arial" panose="020B0604020202020204" pitchFamily="34" charset="0"/>
+              <a:buChar char="•"/>
+            </a:pPr>
+            <a:r>
+              <a:rPr lang="en-US" sz="1600" dirty="0"/>
+              <a:t>The direct-path relative transfer function (DPRTF) is defined as the ratio between the two </a:t>
+            </a:r>
+            <a:r>
+              <a:rPr lang="en-US" sz="1600" dirty="0" err="1"/>
+              <a:t>directpath</a:t>
+            </a:r>
+            <a:r>
+              <a:rPr lang="en-US" sz="1600" dirty="0"/>
+              <a:t> acoustic transfer functions, </a:t>
+            </a:r>
+            <a:endParaRPr lang="en-IN" sz="1600" dirty="0"/>
+          </a:p>
+        </p:txBody>
+      </p:sp>
+      <p:grpSp>
+        <p:nvGrpSpPr>
+          <p:cNvPr id="33" name="Group 32">
+            <a:extLst>
+              <a:ext uri="{FF2B5EF4-FFF2-40B4-BE49-F238E27FC236}">
+                <a16:creationId xmlns:a16="http://schemas.microsoft.com/office/drawing/2014/main" id="{367998E2-CA4E-5BBE-A74A-C83656DA0589}"/>
+              </a:ext>
+            </a:extLst>
+          </p:cNvPr>
+          <p:cNvGrpSpPr/>
+          <p:nvPr/>
+        </p:nvGrpSpPr>
+        <p:grpSpPr>
+          <a:xfrm>
+            <a:off x="1221253" y="3931505"/>
+            <a:ext cx="4006553" cy="530427"/>
+            <a:chOff x="1221253" y="3931505"/>
+            <a:chExt cx="4006553" cy="530427"/>
+          </a:xfrm>
+        </p:grpSpPr>
+        <p:pic>
+          <p:nvPicPr>
+            <p:cNvPr id="30" name="Picture 29">
+              <a:extLst>
+                <a:ext uri="{FF2B5EF4-FFF2-40B4-BE49-F238E27FC236}">
+                  <a16:creationId xmlns:a16="http://schemas.microsoft.com/office/drawing/2014/main" id="{82592CB7-B2EC-A30A-1AAB-95F922FC9010}"/>
+                </a:ext>
+              </a:extLst>
+            </p:cNvPr>
+            <p:cNvPicPr>
+              <a:picLocks noChangeAspect="1"/>
+            </p:cNvPicPr>
+            <p:nvPr/>
+          </p:nvPicPr>
+          <p:blipFill>
+            <a:blip r:embed="rId8"/>
+            <a:stretch>
+              <a:fillRect/>
+            </a:stretch>
+          </p:blipFill>
+          <p:spPr>
+            <a:xfrm>
+              <a:off x="1221253" y="3931505"/>
+              <a:ext cx="1648625" cy="530427"/>
+            </a:xfrm>
+            <a:prstGeom prst="rect">
+              <a:avLst/>
+            </a:prstGeom>
+          </p:spPr>
+        </p:pic>
+        <p:pic>
+          <p:nvPicPr>
+            <p:cNvPr id="32" name="Picture 31">
+              <a:extLst>
+                <a:ext uri="{FF2B5EF4-FFF2-40B4-BE49-F238E27FC236}">
+                  <a16:creationId xmlns:a16="http://schemas.microsoft.com/office/drawing/2014/main" id="{F0C4F202-9008-206F-EA42-4D6474F0DF62}"/>
+                </a:ext>
+              </a:extLst>
+            </p:cNvPr>
+            <p:cNvPicPr>
+              <a:picLocks noChangeAspect="1"/>
+            </p:cNvPicPr>
+            <p:nvPr/>
+          </p:nvPicPr>
+          <p:blipFill>
+            <a:blip r:embed="rId9"/>
+            <a:stretch>
+              <a:fillRect/>
+            </a:stretch>
+          </p:blipFill>
+          <p:spPr>
+            <a:xfrm>
+              <a:off x="4993435" y="4057942"/>
+              <a:ext cx="234371" cy="205963"/>
+            </a:xfrm>
+            <a:prstGeom prst="rect">
+              <a:avLst/>
+            </a:prstGeom>
+          </p:spPr>
+        </p:pic>
+      </p:grpSp>
+      <p:grpSp>
+        <p:nvGrpSpPr>
+          <p:cNvPr id="45" name="Group 44">
+            <a:extLst>
+              <a:ext uri="{FF2B5EF4-FFF2-40B4-BE49-F238E27FC236}">
+                <a16:creationId xmlns:a16="http://schemas.microsoft.com/office/drawing/2014/main" id="{C520D3E2-835D-7A49-A2E3-975F5EE1C962}"/>
+              </a:ext>
+            </a:extLst>
+          </p:cNvPr>
+          <p:cNvGrpSpPr/>
+          <p:nvPr/>
+        </p:nvGrpSpPr>
+        <p:grpSpPr>
+          <a:xfrm>
+            <a:off x="1040277" y="4263905"/>
+            <a:ext cx="10111445" cy="638556"/>
+            <a:chOff x="309128" y="4202472"/>
+            <a:chExt cx="11406622" cy="882888"/>
+          </a:xfrm>
+        </p:grpSpPr>
+        <p:pic>
+          <p:nvPicPr>
+            <p:cNvPr id="35" name="Picture 34">
+              <a:extLst>
+                <a:ext uri="{FF2B5EF4-FFF2-40B4-BE49-F238E27FC236}">
+                  <a16:creationId xmlns:a16="http://schemas.microsoft.com/office/drawing/2014/main" id="{3839103B-5F67-6E1D-261F-A2F51A63298C}"/>
+                </a:ext>
+              </a:extLst>
+            </p:cNvPr>
+            <p:cNvPicPr>
+              <a:picLocks noChangeAspect="1"/>
+            </p:cNvPicPr>
+            <p:nvPr/>
+          </p:nvPicPr>
+          <p:blipFill>
+            <a:blip r:embed="rId10"/>
+            <a:stretch>
+              <a:fillRect/>
+            </a:stretch>
+          </p:blipFill>
+          <p:spPr>
+            <a:xfrm>
+              <a:off x="309128" y="4605189"/>
+              <a:ext cx="3296110" cy="352474"/>
+            </a:xfrm>
+            <a:prstGeom prst="rect">
+              <a:avLst/>
+            </a:prstGeom>
+          </p:spPr>
+        </p:pic>
+        <p:pic>
+          <p:nvPicPr>
+            <p:cNvPr id="37" name="Picture 36">
+              <a:extLst>
+                <a:ext uri="{FF2B5EF4-FFF2-40B4-BE49-F238E27FC236}">
+                  <a16:creationId xmlns:a16="http://schemas.microsoft.com/office/drawing/2014/main" id="{69B1ABCA-2022-656D-30DA-D5B3FB22CD3B}"/>
+                </a:ext>
+              </a:extLst>
+            </p:cNvPr>
+            <p:cNvPicPr>
+              <a:picLocks noChangeAspect="1"/>
+            </p:cNvPicPr>
+            <p:nvPr/>
+          </p:nvPicPr>
+          <p:blipFill>
+            <a:blip r:embed="rId11"/>
+            <a:stretch>
+              <a:fillRect/>
+            </a:stretch>
+          </p:blipFill>
+          <p:spPr>
+            <a:xfrm>
+              <a:off x="4375351" y="4385733"/>
+              <a:ext cx="3762900" cy="666843"/>
+            </a:xfrm>
+            <a:prstGeom prst="rect">
+              <a:avLst/>
+            </a:prstGeom>
+          </p:spPr>
+        </p:pic>
+        <p:pic>
+          <p:nvPicPr>
+            <p:cNvPr id="39" name="Picture 38">
+              <a:extLst>
+                <a:ext uri="{FF2B5EF4-FFF2-40B4-BE49-F238E27FC236}">
+                  <a16:creationId xmlns:a16="http://schemas.microsoft.com/office/drawing/2014/main" id="{998B090A-82AE-B132-CEB0-0126438D70E1}"/>
+                </a:ext>
+              </a:extLst>
+            </p:cNvPr>
+            <p:cNvPicPr>
+              <a:picLocks noChangeAspect="1"/>
+            </p:cNvPicPr>
+            <p:nvPr/>
+          </p:nvPicPr>
+          <p:blipFill>
+            <a:blip r:embed="rId12"/>
+            <a:stretch>
+              <a:fillRect/>
+            </a:stretch>
+          </p:blipFill>
+          <p:spPr>
+            <a:xfrm>
+              <a:off x="9402903" y="4687365"/>
+              <a:ext cx="2133935" cy="397995"/>
+            </a:xfrm>
+            <a:prstGeom prst="rect">
+              <a:avLst/>
+            </a:prstGeom>
+          </p:spPr>
+        </p:pic>
+        <p:pic>
+          <p:nvPicPr>
+            <p:cNvPr id="41" name="Picture 40">
+              <a:extLst>
+                <a:ext uri="{FF2B5EF4-FFF2-40B4-BE49-F238E27FC236}">
+                  <a16:creationId xmlns:a16="http://schemas.microsoft.com/office/drawing/2014/main" id="{F0C7A52D-690E-E363-7BDC-44E5E17EE41D}"/>
+                </a:ext>
+              </a:extLst>
+            </p:cNvPr>
+            <p:cNvPicPr>
+              <a:picLocks noChangeAspect="1"/>
+            </p:cNvPicPr>
+            <p:nvPr/>
+          </p:nvPicPr>
+          <p:blipFill>
+            <a:blip r:embed="rId13"/>
+            <a:stretch>
+              <a:fillRect/>
+            </a:stretch>
+          </p:blipFill>
+          <p:spPr>
+            <a:xfrm>
+              <a:off x="9089189" y="4202472"/>
+              <a:ext cx="2626561" cy="575793"/>
+            </a:xfrm>
+            <a:prstGeom prst="rect">
+              <a:avLst/>
+            </a:prstGeom>
+          </p:spPr>
+        </p:pic>
+        <p:cxnSp>
+          <p:nvCxnSpPr>
+            <p:cNvPr id="43" name="Straight Arrow Connector 42">
+              <a:extLst>
+                <a:ext uri="{FF2B5EF4-FFF2-40B4-BE49-F238E27FC236}">
+                  <a16:creationId xmlns:a16="http://schemas.microsoft.com/office/drawing/2014/main" id="{779DD5E2-15CF-59AB-9F18-DC27163CBE4B}"/>
+                </a:ext>
+              </a:extLst>
+            </p:cNvPr>
+            <p:cNvCxnSpPr/>
+            <p:nvPr/>
+          </p:nvCxnSpPr>
+          <p:spPr>
+            <a:xfrm>
+              <a:off x="3738358" y="4719154"/>
+              <a:ext cx="457200" cy="0"/>
+            </a:xfrm>
+            <a:prstGeom prst="straightConnector1">
+              <a:avLst/>
+            </a:prstGeom>
+            <a:ln>
+              <a:tailEnd type="triangle"/>
+            </a:ln>
+          </p:spPr>
+          <p:style>
+            <a:lnRef idx="1">
+              <a:schemeClr val="dk1"/>
+            </a:lnRef>
+            <a:fillRef idx="0">
+              <a:schemeClr val="dk1"/>
+            </a:fillRef>
+            <a:effectRef idx="0">
+              <a:schemeClr val="dk1"/>
+            </a:effectRef>
+            <a:fontRef idx="minor">
+              <a:schemeClr val="tx1"/>
+            </a:fontRef>
+          </p:style>
+        </p:cxnSp>
+        <p:cxnSp>
+          <p:nvCxnSpPr>
+            <p:cNvPr id="44" name="Straight Arrow Connector 43">
+              <a:extLst>
+                <a:ext uri="{FF2B5EF4-FFF2-40B4-BE49-F238E27FC236}">
+                  <a16:creationId xmlns:a16="http://schemas.microsoft.com/office/drawing/2014/main" id="{2AE1A3A7-CFAE-2BB8-FD4B-8C9376FBB93B}"/>
+                </a:ext>
+              </a:extLst>
+            </p:cNvPr>
+            <p:cNvCxnSpPr/>
+            <p:nvPr/>
+          </p:nvCxnSpPr>
+          <p:spPr>
+            <a:xfrm>
+              <a:off x="8362948" y="4687365"/>
+              <a:ext cx="457200" cy="0"/>
+            </a:xfrm>
+            <a:prstGeom prst="straightConnector1">
+              <a:avLst/>
+            </a:prstGeom>
+            <a:ln>
+              <a:tailEnd type="triangle"/>
+            </a:ln>
+          </p:spPr>
+          <p:style>
+            <a:lnRef idx="1">
+              <a:schemeClr val="dk1"/>
+            </a:lnRef>
+            <a:fillRef idx="0">
+              <a:schemeClr val="dk1"/>
+            </a:fillRef>
+            <a:effectRef idx="0">
+              <a:schemeClr val="dk1"/>
+            </a:effectRef>
+            <a:fontRef idx="minor">
+              <a:schemeClr val="tx1"/>
+            </a:fontRef>
+          </p:style>
+        </p:cxnSp>
+      </p:grpSp>
+      <p:pic>
+        <p:nvPicPr>
+          <p:cNvPr id="47" name="Picture 46">
+            <a:extLst>
+              <a:ext uri="{FF2B5EF4-FFF2-40B4-BE49-F238E27FC236}">
+                <a16:creationId xmlns:a16="http://schemas.microsoft.com/office/drawing/2014/main" id="{A7C4141A-5A78-FD95-6D7A-06F5859782D5}"/>
+              </a:ext>
+            </a:extLst>
+          </p:cNvPr>
+          <p:cNvPicPr>
+            <a:picLocks noChangeAspect="1"/>
+          </p:cNvPicPr>
+          <p:nvPr/>
+        </p:nvPicPr>
+        <p:blipFill>
+          <a:blip r:embed="rId14"/>
+          <a:stretch>
+            <a:fillRect/>
+          </a:stretch>
+        </p:blipFill>
+        <p:spPr>
+          <a:xfrm>
+            <a:off x="949436" y="5032968"/>
+            <a:ext cx="3510316" cy="809562"/>
+          </a:xfrm>
+          <a:prstGeom prst="rect">
+            <a:avLst/>
+          </a:prstGeom>
+        </p:spPr>
+      </p:pic>
+      <p:sp>
+        <p:nvSpPr>
+          <p:cNvPr id="48" name="TextBox 47">
+            <a:extLst>
+              <a:ext uri="{FF2B5EF4-FFF2-40B4-BE49-F238E27FC236}">
+                <a16:creationId xmlns:a16="http://schemas.microsoft.com/office/drawing/2014/main" id="{554BA40B-389D-0BC0-9745-F62CC58FF4B4}"/>
+              </a:ext>
+            </a:extLst>
+          </p:cNvPr>
+          <p:cNvSpPr txBox="1"/>
+          <p:nvPr/>
+        </p:nvSpPr>
+        <p:spPr>
+          <a:xfrm>
+            <a:off x="4114309" y="5023744"/>
+            <a:ext cx="7732248" cy="584775"/>
+          </a:xfrm>
+          <a:prstGeom prst="rect">
+            <a:avLst/>
+          </a:prstGeom>
+          <a:noFill/>
+        </p:spPr>
+        <p:txBody>
+          <a:bodyPr wrap="square" rtlCol="0">
+            <a:spAutoFit/>
+          </a:bodyPr>
+          <a:lstStyle/>
+          <a:p>
+            <a:pPr marL="285750" indent="-285750">
+              <a:buFont typeface="Arial" panose="020B0604020202020204" pitchFamily="34" charset="0"/>
+              <a:buChar char="•"/>
+            </a:pPr>
+            <a:r>
+              <a:rPr lang="en-US" sz="1600" dirty="0"/>
+              <a:t>Finally, the DOA of the sound source is estimated by looking up the DP-RTF dictionary (taking the direction that minimizes the dictionary matching result), i.e.,</a:t>
+            </a:r>
+            <a:endParaRPr lang="en-IN" sz="1600" dirty="0"/>
+          </a:p>
+        </p:txBody>
+      </p:sp>
+      <p:pic>
+        <p:nvPicPr>
+          <p:cNvPr id="50" name="Picture 49">
+            <a:extLst>
+              <a:ext uri="{FF2B5EF4-FFF2-40B4-BE49-F238E27FC236}">
+                <a16:creationId xmlns:a16="http://schemas.microsoft.com/office/drawing/2014/main" id="{C418A031-7A2D-6696-C448-77CCFC7959B0}"/>
+              </a:ext>
+            </a:extLst>
+          </p:cNvPr>
+          <p:cNvPicPr>
+            <a:picLocks noChangeAspect="1"/>
+          </p:cNvPicPr>
+          <p:nvPr/>
+        </p:nvPicPr>
+        <p:blipFill>
+          <a:blip r:embed="rId15"/>
+          <a:stretch>
+            <a:fillRect/>
+          </a:stretch>
+        </p:blipFill>
+        <p:spPr>
+          <a:xfrm>
+            <a:off x="6722958" y="5564225"/>
+            <a:ext cx="2514951" cy="476316"/>
+          </a:xfrm>
+          <a:prstGeom prst="rect">
+            <a:avLst/>
+          </a:prstGeom>
+        </p:spPr>
+      </p:pic>
     </p:spTree>
     <p:extLst>
       <p:ext uri="{BB962C8B-B14F-4D97-AF65-F5344CB8AC3E}">
-        <p14:creationId xmlns:p14="http://schemas.microsoft.com/office/powerpoint/2010/main" val="507175694"/>
+        <p14:creationId xmlns:p14="http://schemas.microsoft.com/office/powerpoint/2010/main" val="1031603021"/>
+      </p:ext>
+    </p:extLst>
+  </p:cSld>
+  <p:clrMapOvr>
+    <a:masterClrMapping/>
+  </p:clrMapOvr>
+</p:sld>
+</file>
+
+<file path=ppt/slides/slide5.xml><?xml version="1.0" encoding="utf-8"?>
+<p:sld xmlns:a="http://schemas.openxmlformats.org/drawingml/2006/main" xmlns:r="http://schemas.openxmlformats.org/officeDocument/2006/relationships" xmlns:p="http://schemas.openxmlformats.org/presentationml/2006/main">
+  <p:cSld>
+    <p:spTree>
+      <p:nvGrpSpPr>
+        <p:cNvPr id="1" name=""/>
+        <p:cNvGrpSpPr/>
+        <p:nvPr/>
+      </p:nvGrpSpPr>
+      <p:grpSpPr>
+        <a:xfrm>
+          <a:off x="0" y="0"/>
+          <a:ext cx="0" cy="0"/>
+          <a:chOff x="0" y="0"/>
+          <a:chExt cx="0" cy="0"/>
+        </a:xfrm>
+      </p:grpSpPr>
+      <p:pic>
+        <p:nvPicPr>
+          <p:cNvPr id="8" name="Picture 7">
+            <a:extLst>
+              <a:ext uri="{FF2B5EF4-FFF2-40B4-BE49-F238E27FC236}">
+                <a16:creationId xmlns:a16="http://schemas.microsoft.com/office/drawing/2014/main" id="{1AA4786D-BDE0-1E72-FA55-331F1FBA43F6}"/>
+              </a:ext>
+            </a:extLst>
+          </p:cNvPr>
+          <p:cNvPicPr>
+            <a:picLocks noChangeAspect="1"/>
+          </p:cNvPicPr>
+          <p:nvPr/>
+        </p:nvPicPr>
+        <p:blipFill>
+          <a:blip r:embed="rId2"/>
+          <a:stretch>
+            <a:fillRect/>
+          </a:stretch>
+        </p:blipFill>
+        <p:spPr>
+          <a:xfrm>
+            <a:off x="0" y="6264469"/>
+            <a:ext cx="12192000" cy="383981"/>
+          </a:xfrm>
+          <a:prstGeom prst="rect">
+            <a:avLst/>
+          </a:prstGeom>
+        </p:spPr>
+      </p:pic>
+      <p:sp>
+        <p:nvSpPr>
+          <p:cNvPr id="3" name="TextBox 2">
+            <a:extLst>
+              <a:ext uri="{FF2B5EF4-FFF2-40B4-BE49-F238E27FC236}">
+                <a16:creationId xmlns:a16="http://schemas.microsoft.com/office/drawing/2014/main" id="{257EBFFD-2215-FFC1-4977-0F97436B8496}"/>
+              </a:ext>
+            </a:extLst>
+          </p:cNvPr>
+          <p:cNvSpPr txBox="1"/>
+          <p:nvPr/>
+        </p:nvSpPr>
+        <p:spPr>
+          <a:xfrm>
+            <a:off x="5453697" y="371475"/>
+            <a:ext cx="6347778" cy="3970318"/>
+          </a:xfrm>
+          <a:prstGeom prst="rect">
+            <a:avLst/>
+          </a:prstGeom>
+          <a:noFill/>
+        </p:spPr>
+        <p:txBody>
+          <a:bodyPr wrap="square" rtlCol="0">
+            <a:spAutoFit/>
+          </a:bodyPr>
+          <a:lstStyle/>
+          <a:p>
+            <a:pPr marL="285750" indent="-285750">
+              <a:buFont typeface="Arial" panose="020B0604020202020204" pitchFamily="34" charset="0"/>
+              <a:buChar char="•"/>
+            </a:pPr>
+            <a:r>
+              <a:rPr lang="en-US" dirty="0"/>
+              <a:t>Model architecture for DP-RTF estimation. The model consists of two parts, namely the </a:t>
+            </a:r>
+            <a:r>
+              <a:rPr lang="en-US" b="1" dirty="0"/>
+              <a:t>monaural enhancement</a:t>
+            </a:r>
+            <a:r>
+              <a:rPr lang="en-US" dirty="0"/>
+              <a:t> network and the </a:t>
+            </a:r>
+            <a:r>
+              <a:rPr lang="en-US" b="1" dirty="0"/>
+              <a:t>DP-RTF learning</a:t>
+            </a:r>
+            <a:r>
+              <a:rPr lang="en-US" dirty="0"/>
+              <a:t> network.</a:t>
+            </a:r>
+          </a:p>
+          <a:p>
+            <a:pPr marL="285750" indent="-285750">
+              <a:buFont typeface="Arial" panose="020B0604020202020204" pitchFamily="34" charset="0"/>
+              <a:buChar char="•"/>
+            </a:pPr>
+            <a:endParaRPr lang="en-US" dirty="0"/>
+          </a:p>
+          <a:p>
+            <a:r>
+              <a:rPr lang="en-US" dirty="0"/>
+              <a:t>Monaural enhancement</a:t>
+            </a:r>
+          </a:p>
+          <a:p>
+            <a:pPr marL="285750" indent="-285750">
+              <a:buFont typeface="Arial" panose="020B0604020202020204" pitchFamily="34" charset="0"/>
+              <a:buChar char="•"/>
+            </a:pPr>
+            <a:r>
+              <a:rPr lang="en-US" sz="1600" dirty="0"/>
+              <a:t>Deep learning has been widely used for monaural speech enhancement</a:t>
+            </a:r>
+          </a:p>
+          <a:p>
+            <a:pPr marL="285750" indent="-285750">
+              <a:buFont typeface="Arial" panose="020B0604020202020204" pitchFamily="34" charset="0"/>
+              <a:buChar char="•"/>
+            </a:pPr>
+            <a:r>
+              <a:rPr lang="en-US" sz="1600" dirty="0"/>
+              <a:t>It recovers the clean magnitude spectrogram by learning the structured magnitude spectral pattern of speech.</a:t>
+            </a:r>
+          </a:p>
+          <a:p>
+            <a:pPr marL="285750" indent="-285750">
+              <a:buFont typeface="Arial" panose="020B0604020202020204" pitchFamily="34" charset="0"/>
+              <a:buChar char="•"/>
+            </a:pPr>
+            <a:r>
+              <a:rPr lang="en-US" sz="1600" dirty="0"/>
+              <a:t>Accounting for the following DP-RTF learning, the clean direct-path sound is taken as the target signal, which means both noise reduction and dereverberation are conducted.</a:t>
+            </a:r>
+          </a:p>
+          <a:p>
+            <a:pPr marL="285750" indent="-285750">
+              <a:buFont typeface="Arial" panose="020B0604020202020204" pitchFamily="34" charset="0"/>
+              <a:buChar char="•"/>
+            </a:pPr>
+            <a:r>
+              <a:rPr lang="en-US" sz="1600" dirty="0"/>
+              <a:t>During testing, the binaural microphone signals are separately enhanced using the same monaural speech enhancement network.</a:t>
+            </a:r>
+          </a:p>
+          <a:p>
+            <a:pPr marL="285750" indent="-285750">
+              <a:buFont typeface="Arial" panose="020B0604020202020204" pitchFamily="34" charset="0"/>
+              <a:buChar char="•"/>
+            </a:pPr>
+            <a:endParaRPr lang="en-IN" dirty="0"/>
+          </a:p>
+        </p:txBody>
+      </p:sp>
+      <p:pic>
+        <p:nvPicPr>
+          <p:cNvPr id="5" name="Picture 4">
+            <a:extLst>
+              <a:ext uri="{FF2B5EF4-FFF2-40B4-BE49-F238E27FC236}">
+                <a16:creationId xmlns:a16="http://schemas.microsoft.com/office/drawing/2014/main" id="{7D6A9025-95A7-BE64-76CB-7120D82795B7}"/>
+              </a:ext>
+            </a:extLst>
+          </p:cNvPr>
+          <p:cNvPicPr>
+            <a:picLocks noChangeAspect="1"/>
+          </p:cNvPicPr>
+          <p:nvPr/>
+        </p:nvPicPr>
+        <p:blipFill>
+          <a:blip r:embed="rId3"/>
+          <a:stretch>
+            <a:fillRect/>
+          </a:stretch>
+        </p:blipFill>
+        <p:spPr>
+          <a:xfrm>
+            <a:off x="0" y="298212"/>
+            <a:ext cx="5453697" cy="3923235"/>
+          </a:xfrm>
+          <a:prstGeom prst="rect">
+            <a:avLst/>
+          </a:prstGeom>
+        </p:spPr>
+      </p:pic>
+      <p:sp>
+        <p:nvSpPr>
+          <p:cNvPr id="6" name="TextBox 5">
+            <a:extLst>
+              <a:ext uri="{FF2B5EF4-FFF2-40B4-BE49-F238E27FC236}">
+                <a16:creationId xmlns:a16="http://schemas.microsoft.com/office/drawing/2014/main" id="{8188CF01-EF8D-4F75-B5C6-C5D1C56E5E4F}"/>
+              </a:ext>
+            </a:extLst>
+          </p:cNvPr>
+          <p:cNvSpPr txBox="1"/>
+          <p:nvPr/>
+        </p:nvSpPr>
+        <p:spPr>
+          <a:xfrm>
+            <a:off x="247650" y="4221447"/>
+            <a:ext cx="11696700" cy="2339102"/>
+          </a:xfrm>
+          <a:prstGeom prst="rect">
+            <a:avLst/>
+          </a:prstGeom>
+          <a:noFill/>
+        </p:spPr>
+        <p:txBody>
+          <a:bodyPr wrap="square" rtlCol="0">
+            <a:spAutoFit/>
+          </a:bodyPr>
+          <a:lstStyle/>
+          <a:p>
+            <a:r>
+              <a:rPr lang="en-US" dirty="0"/>
+              <a:t>DP-RTF learning</a:t>
+            </a:r>
+          </a:p>
+          <a:p>
+            <a:pPr marL="285750" indent="-285750">
+              <a:buFont typeface="Arial" panose="020B0604020202020204" pitchFamily="34" charset="0"/>
+              <a:buChar char="•"/>
+            </a:pPr>
+            <a:r>
+              <a:rPr lang="en-US" sz="1600" dirty="0"/>
+              <a:t>The magnitude and phase spectrograms of binaural signals are taken as the network input. </a:t>
+            </a:r>
+          </a:p>
+          <a:p>
+            <a:pPr marL="285750" indent="-285750">
+              <a:buFont typeface="Arial" panose="020B0604020202020204" pitchFamily="34" charset="0"/>
+              <a:buChar char="•"/>
+            </a:pPr>
+            <a:r>
+              <a:rPr lang="en-US" sz="1600" dirty="0"/>
+              <a:t>Both original and enhanced binaural signals are used, as they are complementary in the sense that the original signals are noisy but less speech-distorted, while the enhanced signals are less noisy but possibly speech-distorted.</a:t>
+            </a:r>
+          </a:p>
+          <a:p>
+            <a:pPr marL="285750" indent="-285750">
+              <a:buFont typeface="Arial" panose="020B0604020202020204" pitchFamily="34" charset="0"/>
+              <a:buChar char="•"/>
+            </a:pPr>
+            <a:r>
+              <a:rPr lang="en-US" sz="1600" b="0" i="0" dirty="0">
+                <a:effectLst/>
+              </a:rPr>
+              <a:t>The magnitude and phase spectrograms are processed by separate convolutional neural networks (CNNs). </a:t>
+            </a:r>
+          </a:p>
+          <a:p>
+            <a:pPr marL="285750" indent="-285750">
+              <a:buFont typeface="Arial" panose="020B0604020202020204" pitchFamily="34" charset="0"/>
+              <a:buChar char="•"/>
+            </a:pPr>
+            <a:r>
+              <a:rPr lang="en-US" sz="1600" b="0" i="0" dirty="0">
+                <a:effectLst/>
+              </a:rPr>
+              <a:t>The outputs of the CNNs are then combined and processed by a convolutional recurrent neural network (CRNN). </a:t>
+            </a:r>
+          </a:p>
+          <a:p>
+            <a:pPr marL="285750" indent="-285750">
+              <a:buFont typeface="Arial" panose="020B0604020202020204" pitchFamily="34" charset="0"/>
+              <a:buChar char="•"/>
+            </a:pPr>
+            <a:r>
+              <a:rPr lang="en-US" sz="1600" b="0" i="0" dirty="0">
+                <a:effectLst/>
+              </a:rPr>
+              <a:t>The CRNN extracts temporal features from the combined features and outputs a prediction of the DP-RTF.</a:t>
+            </a:r>
+          </a:p>
+          <a:p>
+            <a:pPr marL="285750" indent="-285750">
+              <a:buFont typeface="Arial" panose="020B0604020202020204" pitchFamily="34" charset="0"/>
+              <a:buChar char="•"/>
+            </a:pPr>
+            <a:r>
+              <a:rPr lang="en-US" sz="1600" b="0" i="0" dirty="0">
+                <a:effectLst/>
+              </a:rPr>
+              <a:t>The model is trained using a supervised learning approach. The training data consists of pairs of binaural signals and ground truth DP-RTFs. The model is trained to minimize the error between its estimated DP-RTFs and the ground truth DP-RTFs.</a:t>
+            </a:r>
+            <a:endParaRPr lang="en-IN" sz="1600" dirty="0"/>
+          </a:p>
+        </p:txBody>
+      </p:sp>
+    </p:spTree>
+    <p:extLst>
+      <p:ext uri="{BB962C8B-B14F-4D97-AF65-F5344CB8AC3E}">
+        <p14:creationId xmlns:p14="http://schemas.microsoft.com/office/powerpoint/2010/main" val="1284515577"/>
       </p:ext>
     </p:extLst>
   </p:cSld>
@@ -6117,49 +6319,6 @@
     </a:ext>
   </a:extLst>
 </a:theme>
-</file>
-
-<file path=ppt/theme/themeOverride1.xml><?xml version="1.0" encoding="utf-8"?>
-<a:themeOverride xmlns:a="http://schemas.openxmlformats.org/drawingml/2006/main">
-  <a:clrScheme name="Parcel">
-    <a:dk1>
-      <a:srgbClr val="000000"/>
-    </a:dk1>
-    <a:lt1>
-      <a:srgbClr val="FFFFFF"/>
-    </a:lt1>
-    <a:dk2>
-      <a:srgbClr val="4A5356"/>
-    </a:dk2>
-    <a:lt2>
-      <a:srgbClr val="E8E3CE"/>
-    </a:lt2>
-    <a:accent1>
-      <a:srgbClr val="F6A21D"/>
-    </a:accent1>
-    <a:accent2>
-      <a:srgbClr val="9BAFB5"/>
-    </a:accent2>
-    <a:accent3>
-      <a:srgbClr val="C96731"/>
-    </a:accent3>
-    <a:accent4>
-      <a:srgbClr val="9CA383"/>
-    </a:accent4>
-    <a:accent5>
-      <a:srgbClr val="87795D"/>
-    </a:accent5>
-    <a:accent6>
-      <a:srgbClr val="A0988C"/>
-    </a:accent6>
-    <a:hlink>
-      <a:srgbClr val="00B0F0"/>
-    </a:hlink>
-    <a:folHlink>
-      <a:srgbClr val="738F97"/>
-    </a:folHlink>
-  </a:clrScheme>
-</a:themeOverride>
 </file>
 
 <file path=customXml/item1.xml><?xml version="1.0" encoding="utf-8"?>

--- a/DP-RTF.pptx
+++ b/DP-RTF.pptx
@@ -10,6 +10,8 @@
     <p:sldId id="307" r:id="rId7"/>
     <p:sldId id="308" r:id="rId8"/>
     <p:sldId id="309" r:id="rId9"/>
+    <p:sldId id="310" r:id="rId10"/>
+    <p:sldId id="311" r:id="rId11"/>
   </p:sldIdLst>
   <p:sldSz cx="12192000" cy="6858000"/>
   <p:notesSz cx="6858000" cy="9144000"/>
@@ -360,7 +362,7 @@
           <a:p>
             <a:fld id="{9184DA70-C731-4C70-880D-CCD4705E623C}" type="datetime1">
               <a:rPr lang="en-US" smtClean="0"/>
-              <a:t>7/13/2023</a:t>
+              <a:t>7/14/2023</a:t>
             </a:fld>
             <a:endParaRPr lang="en-US" dirty="0"/>
           </a:p>
@@ -548,7 +550,7 @@
           <a:p>
             <a:fld id="{4BE1D723-8F53-4F53-90B0-1982A396982E}" type="datetime1">
               <a:rPr lang="en-US" smtClean="0"/>
-              <a:t>7/13/2023</a:t>
+              <a:t>7/14/2023</a:t>
             </a:fld>
             <a:endParaRPr lang="en-US" dirty="0"/>
           </a:p>
@@ -921,7 +923,7 @@
           <a:p>
             <a:fld id="{97669AF7-7BEB-44E4-9852-375E34362B5B}" type="datetime1">
               <a:rPr lang="en-US" smtClean="0"/>
-              <a:t>7/13/2023</a:t>
+              <a:t>7/14/2023</a:t>
             </a:fld>
             <a:endParaRPr lang="en-US" dirty="0"/>
           </a:p>
@@ -1176,7 +1178,7 @@
           <a:p>
             <a:fld id="{BAAAC38D-0552-4C82-B593-E6124DFADBE2}" type="datetime1">
               <a:rPr lang="en-US" smtClean="0"/>
-              <a:t>7/13/2023</a:t>
+              <a:t>7/14/2023</a:t>
             </a:fld>
             <a:endParaRPr lang="en-US" dirty="0"/>
           </a:p>
@@ -1573,7 +1575,7 @@
           <a:p>
             <a:fld id="{D9DF0F1C-5577-4ACB-BB62-DF8F3C494C7E}" type="datetime1">
               <a:rPr lang="en-US" smtClean="0"/>
-              <a:t>7/13/2023</a:t>
+              <a:t>7/14/2023</a:t>
             </a:fld>
             <a:endParaRPr lang="en-US" dirty="0"/>
           </a:p>
@@ -1709,7 +1711,7 @@
           <a:p>
             <a:fld id="{1775B394-D9F9-4F0C-B15D-605F45CB9E9F}" type="datetime1">
               <a:rPr lang="en-US" smtClean="0"/>
-              <a:t>7/13/2023</a:t>
+              <a:t>7/14/2023</a:t>
             </a:fld>
             <a:endParaRPr lang="en-US" dirty="0"/>
           </a:p>
@@ -1866,7 +1868,7 @@
           <a:p>
             <a:fld id="{39667345-2558-425A-8533-9BFDBCE15005}" type="datetime1">
               <a:rPr lang="en-US" smtClean="0"/>
-              <a:t>7/13/2023</a:t>
+              <a:t>7/14/2023</a:t>
             </a:fld>
             <a:endParaRPr lang="en-US" dirty="0"/>
           </a:p>
@@ -2195,7 +2197,7 @@
           <a:p>
             <a:fld id="{92BEA474-078D-4E9B-9B14-09A87B19DC46}" type="datetime1">
               <a:rPr lang="en-US" smtClean="0"/>
-              <a:t>7/13/2023</a:t>
+              <a:t>7/14/2023</a:t>
             </a:fld>
             <a:endParaRPr lang="en-US" dirty="0"/>
           </a:p>
@@ -2545,7 +2547,7 @@
           <a:p>
             <a:fld id="{4907D986-8816-4272-A432-0437A28A9828}" type="datetime1">
               <a:rPr lang="en-US" smtClean="0"/>
-              <a:t>7/13/2023</a:t>
+              <a:t>7/14/2023</a:t>
             </a:fld>
             <a:endParaRPr lang="en-US" dirty="0"/>
           </a:p>
@@ -2806,7 +2808,7 @@
           <a:p>
             <a:fld id="{62D6E202-B606-4609-B914-27C9371A1F6D}" type="datetime1">
               <a:rPr lang="en-US" smtClean="0"/>
-              <a:t>7/13/2023</a:t>
+              <a:t>7/14/2023</a:t>
             </a:fld>
             <a:endParaRPr lang="en-US" dirty="0"/>
           </a:p>
@@ -6038,6 +6040,354 @@
 </p:sld>
 </file>
 
+<file path=ppt/slides/slide6.xml><?xml version="1.0" encoding="utf-8"?>
+<p:sld xmlns:a="http://schemas.openxmlformats.org/drawingml/2006/main" xmlns:r="http://schemas.openxmlformats.org/officeDocument/2006/relationships" xmlns:p="http://schemas.openxmlformats.org/presentationml/2006/main">
+  <p:cSld>
+    <p:spTree>
+      <p:nvGrpSpPr>
+        <p:cNvPr id="1" name=""/>
+        <p:cNvGrpSpPr/>
+        <p:nvPr/>
+      </p:nvGrpSpPr>
+      <p:grpSpPr>
+        <a:xfrm>
+          <a:off x="0" y="0"/>
+          <a:ext cx="0" cy="0"/>
+          <a:chOff x="0" y="0"/>
+          <a:chExt cx="0" cy="0"/>
+        </a:xfrm>
+      </p:grpSpPr>
+      <p:sp>
+        <p:nvSpPr>
+          <p:cNvPr id="2" name="TextBox 1">
+            <a:extLst>
+              <a:ext uri="{FF2B5EF4-FFF2-40B4-BE49-F238E27FC236}">
+                <a16:creationId xmlns:a16="http://schemas.microsoft.com/office/drawing/2014/main" id="{EAC06343-AA77-8DED-FD4C-9552EAC3FC76}"/>
+              </a:ext>
+            </a:extLst>
+          </p:cNvPr>
+          <p:cNvSpPr txBox="1"/>
+          <p:nvPr/>
+        </p:nvSpPr>
+        <p:spPr>
+          <a:xfrm>
+            <a:off x="4360415" y="239697"/>
+            <a:ext cx="3471169" cy="523220"/>
+          </a:xfrm>
+          <a:prstGeom prst="rect">
+            <a:avLst/>
+          </a:prstGeom>
+          <a:noFill/>
+        </p:spPr>
+        <p:txBody>
+          <a:bodyPr wrap="square" rtlCol="0">
+            <a:spAutoFit/>
+          </a:bodyPr>
+          <a:lstStyle/>
+          <a:p>
+            <a:pPr algn="ctr"/>
+            <a:r>
+              <a:rPr lang="en-US" sz="2800" b="1" dirty="0"/>
+              <a:t>FUTURE WORK</a:t>
+            </a:r>
+            <a:endParaRPr lang="en-IN" sz="2800" b="1" dirty="0"/>
+          </a:p>
+        </p:txBody>
+      </p:sp>
+      <p:sp>
+        <p:nvSpPr>
+          <p:cNvPr id="3" name="TextBox 2">
+            <a:extLst>
+              <a:ext uri="{FF2B5EF4-FFF2-40B4-BE49-F238E27FC236}">
+                <a16:creationId xmlns:a16="http://schemas.microsoft.com/office/drawing/2014/main" id="{DD2B9CFD-790C-4356-16D3-D3D8AAB86BBB}"/>
+              </a:ext>
+            </a:extLst>
+          </p:cNvPr>
+          <p:cNvSpPr txBox="1"/>
+          <p:nvPr/>
+        </p:nvSpPr>
+        <p:spPr>
+          <a:xfrm>
+            <a:off x="418729" y="1100831"/>
+            <a:ext cx="11354540" cy="4801314"/>
+          </a:xfrm>
+          <a:prstGeom prst="rect">
+            <a:avLst/>
+          </a:prstGeom>
+          <a:noFill/>
+        </p:spPr>
+        <p:txBody>
+          <a:bodyPr wrap="square" rtlCol="0">
+            <a:spAutoFit/>
+          </a:bodyPr>
+          <a:lstStyle/>
+          <a:p>
+            <a:pPr algn="l">
+              <a:buFont typeface="Arial" panose="020B0604020202020204" pitchFamily="34" charset="0"/>
+              <a:buChar char="•"/>
+            </a:pPr>
+            <a:r>
+              <a:rPr lang="en-IN" b="1" i="0" dirty="0">
+                <a:effectLst/>
+              </a:rPr>
+              <a:t>Improved Robustness: </a:t>
+            </a:r>
+            <a:r>
+              <a:rPr lang="en-US" b="0" i="0" dirty="0">
+                <a:effectLst/>
+              </a:rPr>
+              <a:t>Enhance the robustness of DP-RTF estimation in highly challenging environments, such as those with strong reverberation, multiple overlapping sources, and dynamic background noise. </a:t>
+            </a:r>
+          </a:p>
+          <a:p>
+            <a:pPr algn="l">
+              <a:buFont typeface="Arial" panose="020B0604020202020204" pitchFamily="34" charset="0"/>
+              <a:buChar char="•"/>
+            </a:pPr>
+            <a:r>
+              <a:rPr lang="en-IN" b="1" i="0" dirty="0">
+                <a:effectLst/>
+              </a:rPr>
+              <a:t>Integration with Multi-Modal Information: </a:t>
+            </a:r>
+            <a:r>
+              <a:rPr lang="en-US" dirty="0"/>
+              <a:t>I</a:t>
+            </a:r>
+            <a:r>
+              <a:rPr lang="en-US" b="0" i="0" dirty="0">
+                <a:effectLst/>
+              </a:rPr>
+              <a:t>ntegration of DP-RTF estimation with other modalities, such as visual or depth information, to enhance the overall sound source localization performance.</a:t>
+            </a:r>
+          </a:p>
+          <a:p>
+            <a:pPr algn="l">
+              <a:buFont typeface="Arial" panose="020B0604020202020204" pitchFamily="34" charset="0"/>
+              <a:buChar char="•"/>
+            </a:pPr>
+            <a:r>
+              <a:rPr lang="en-IN" b="1" i="0" dirty="0">
+                <a:effectLst/>
+              </a:rPr>
+              <a:t>Applications Beyond Speech: </a:t>
+            </a:r>
+            <a:r>
+              <a:rPr lang="en-IN" b="0" i="0" dirty="0">
+                <a:effectLst/>
+              </a:rPr>
+              <a:t>Explore non-speech domains for DP-RTF. </a:t>
+            </a:r>
+            <a:r>
+              <a:rPr lang="en-US" b="0" i="0" dirty="0">
+                <a:effectLst/>
+              </a:rPr>
+              <a:t>Investigate its potential in areas 	such as environmental sound analysis, music processing, and object tracking, where accurate localization of sound sources is crucial.</a:t>
+            </a:r>
+            <a:endParaRPr lang="en-IN" b="0" i="0" dirty="0">
+              <a:effectLst/>
+            </a:endParaRPr>
+          </a:p>
+          <a:p>
+            <a:pPr algn="l">
+              <a:buFont typeface="Arial" panose="020B0604020202020204" pitchFamily="34" charset="0"/>
+              <a:buChar char="•"/>
+            </a:pPr>
+            <a:r>
+              <a:rPr lang="en-IN" b="1" i="0" dirty="0">
+                <a:effectLst/>
+              </a:rPr>
+              <a:t>Benchmarking and Standardization: </a:t>
+            </a:r>
+            <a:r>
+              <a:rPr lang="en-IN" b="0" i="0" dirty="0">
+                <a:effectLst/>
+              </a:rPr>
+              <a:t>Establish evaluation protocols and datasets. </a:t>
+            </a:r>
+            <a:r>
+              <a:rPr lang="en-IN" dirty="0"/>
+              <a:t>For </a:t>
+            </a:r>
+            <a:r>
+              <a:rPr lang="en-US" b="0" i="0" dirty="0">
+                <a:effectLst/>
+              </a:rPr>
+              <a:t>Establishing standardized evaluation protocols ensures consistency and fairness when assessing the 	performance of DP-RTF estimation</a:t>
+            </a:r>
+          </a:p>
+          <a:p>
+            <a:pPr algn="l"/>
+            <a:r>
+              <a:rPr lang="en-US" b="0" i="0" dirty="0">
+                <a:effectLst/>
+              </a:rPr>
+              <a:t>algorithms</a:t>
+            </a:r>
+            <a:endParaRPr lang="en-IN" b="0" i="0" dirty="0">
+              <a:effectLst/>
+            </a:endParaRPr>
+          </a:p>
+          <a:p>
+            <a:pPr algn="l">
+              <a:buFont typeface="Arial" panose="020B0604020202020204" pitchFamily="34" charset="0"/>
+              <a:buChar char="•"/>
+            </a:pPr>
+            <a:r>
+              <a:rPr lang="en-IN" b="1" i="0" dirty="0">
+                <a:effectLst/>
+              </a:rPr>
+              <a:t>Real-Time Implementation: </a:t>
+            </a:r>
+            <a:r>
+              <a:rPr lang="en-IN" i="0" dirty="0">
+                <a:effectLst/>
+              </a:rPr>
+              <a:t>D</a:t>
+            </a:r>
+            <a:r>
+              <a:rPr lang="en-US" i="0" dirty="0" err="1">
+                <a:effectLst/>
+              </a:rPr>
+              <a:t>evelop</a:t>
+            </a:r>
+            <a:r>
+              <a:rPr lang="en-US" i="0" dirty="0">
+                <a:effectLst/>
+              </a:rPr>
+              <a:t> real-time implementation strategies for DP-RTF estimation to enable its application in real-time audio processing systems, such as teleconferencing, virtual reality, and augmented reality. </a:t>
+            </a:r>
+          </a:p>
+          <a:p>
+            <a:pPr algn="l">
+              <a:buFont typeface="Arial" panose="020B0604020202020204" pitchFamily="34" charset="0"/>
+              <a:buChar char="•"/>
+            </a:pPr>
+            <a:r>
+              <a:rPr lang="en-IN" b="1" i="0" dirty="0">
+                <a:effectLst/>
+              </a:rPr>
+              <a:t>Dataset Expansion: </a:t>
+            </a:r>
+            <a:r>
+              <a:rPr lang="en-US" b="0" i="0" dirty="0">
+                <a:effectLst/>
+              </a:rPr>
+              <a:t> Expand the dataset used for training and evaluation to include a wider range of acoustic conditions, environments, and source characteristics. </a:t>
+            </a:r>
+          </a:p>
+          <a:p>
+            <a:pPr algn="l">
+              <a:buFont typeface="Arial" panose="020B0604020202020204" pitchFamily="34" charset="0"/>
+              <a:buChar char="•"/>
+            </a:pPr>
+            <a:r>
+              <a:rPr lang="en-IN" b="1" i="0" dirty="0">
+                <a:effectLst/>
+              </a:rPr>
+              <a:t>Multichannel Extension: </a:t>
+            </a:r>
+            <a:r>
+              <a:rPr lang="en-IN" b="0" i="0" dirty="0">
+                <a:effectLst/>
+              </a:rPr>
+              <a:t>Extend DP-RTF estimation to multichannel scenarios. </a:t>
+            </a:r>
+            <a:r>
+              <a:rPr lang="en-US" b="0" i="0" dirty="0">
+                <a:effectLst/>
+              </a:rPr>
+              <a:t>This can enable better localization accuracy and robustness, particularly in environments with complex sound propagation and multiple sound sources</a:t>
+            </a:r>
+            <a:endParaRPr lang="en-IN" b="0" i="0" dirty="0">
+              <a:effectLst/>
+            </a:endParaRPr>
+          </a:p>
+          <a:p>
+            <a:endParaRPr lang="en-IN" dirty="0"/>
+          </a:p>
+        </p:txBody>
+      </p:sp>
+    </p:spTree>
+    <p:extLst>
+      <p:ext uri="{BB962C8B-B14F-4D97-AF65-F5344CB8AC3E}">
+        <p14:creationId xmlns:p14="http://schemas.microsoft.com/office/powerpoint/2010/main" val="1816027211"/>
+      </p:ext>
+    </p:extLst>
+  </p:cSld>
+  <p:clrMapOvr>
+    <a:masterClrMapping/>
+  </p:clrMapOvr>
+</p:sld>
+</file>
+
+<file path=ppt/slides/slide7.xml><?xml version="1.0" encoding="utf-8"?>
+<p:sld xmlns:a="http://schemas.openxmlformats.org/drawingml/2006/main" xmlns:r="http://schemas.openxmlformats.org/officeDocument/2006/relationships" xmlns:p="http://schemas.openxmlformats.org/presentationml/2006/main">
+  <p:cSld>
+    <p:spTree>
+      <p:nvGrpSpPr>
+        <p:cNvPr id="1" name=""/>
+        <p:cNvGrpSpPr/>
+        <p:nvPr/>
+      </p:nvGrpSpPr>
+      <p:grpSpPr>
+        <a:xfrm>
+          <a:off x="0" y="0"/>
+          <a:ext cx="0" cy="0"/>
+          <a:chOff x="0" y="0"/>
+          <a:chExt cx="0" cy="0"/>
+        </a:xfrm>
+      </p:grpSpPr>
+      <p:sp>
+        <p:nvSpPr>
+          <p:cNvPr id="2" name="TextBox 1">
+            <a:extLst>
+              <a:ext uri="{FF2B5EF4-FFF2-40B4-BE49-F238E27FC236}">
+                <a16:creationId xmlns:a16="http://schemas.microsoft.com/office/drawing/2014/main" id="{33E56400-57D6-7E98-ED4E-1D5676D9580C}"/>
+              </a:ext>
+            </a:extLst>
+          </p:cNvPr>
+          <p:cNvSpPr txBox="1"/>
+          <p:nvPr/>
+        </p:nvSpPr>
+        <p:spPr>
+          <a:xfrm>
+            <a:off x="3401627" y="2503502"/>
+            <a:ext cx="5388745" cy="1323439"/>
+          </a:xfrm>
+          <a:prstGeom prst="rect">
+            <a:avLst/>
+          </a:prstGeom>
+          <a:noFill/>
+        </p:spPr>
+        <p:txBody>
+          <a:bodyPr wrap="square" rtlCol="0">
+            <a:spAutoFit/>
+          </a:bodyPr>
+          <a:lstStyle/>
+          <a:p>
+            <a:pPr algn="ctr"/>
+            <a:r>
+              <a:rPr lang="en-US" sz="8000" dirty="0"/>
+              <a:t>THANK YOU</a:t>
+            </a:r>
+            <a:endParaRPr lang="en-IN" sz="8000" dirty="0"/>
+          </a:p>
+        </p:txBody>
+      </p:sp>
+    </p:spTree>
+    <p:extLst>
+      <p:ext uri="{BB962C8B-B14F-4D97-AF65-F5344CB8AC3E}">
+        <p14:creationId xmlns:p14="http://schemas.microsoft.com/office/powerpoint/2010/main" val="3949225213"/>
+      </p:ext>
+    </p:extLst>
+  </p:cSld>
+  <p:clrMapOvr>
+    <a:masterClrMapping/>
+  </p:clrMapOvr>
+</p:sld>
+</file>
+
 <file path=ppt/theme/theme1.xml><?xml version="1.0" encoding="utf-8"?>
 <a:theme xmlns:a="http://schemas.openxmlformats.org/drawingml/2006/main" name="Custom">
   <a:themeElements>
@@ -6322,35 +6672,6 @@
 </file>
 
 <file path=customXml/item1.xml><?xml version="1.0" encoding="utf-8"?>
-<p:properties xmlns:p="http://schemas.microsoft.com/office/2006/metadata/properties" xmlns:xsi="http://www.w3.org/2001/XMLSchema-instance" xmlns:pc="http://schemas.microsoft.com/office/infopath/2007/PartnerControls">
-  <documentManagement>
-    <Status xmlns="71af3243-3dd4-4a8d-8c0d-dd76da1f02a5">Not started</Status>
-    <MediaServiceKeyPoints xmlns="71af3243-3dd4-4a8d-8c0d-dd76da1f02a5" xsi:nil="true"/>
-    <_ip_UnifiedCompliancePolicyUIAction xmlns="http://schemas.microsoft.com/sharepoint/v3" xsi:nil="true"/>
-    <Image xmlns="71af3243-3dd4-4a8d-8c0d-dd76da1f02a5">
-      <Url xsi:nil="true"/>
-      <Description xsi:nil="true"/>
-    </Image>
-    <Background xmlns="71af3243-3dd4-4a8d-8c0d-dd76da1f02a5">false</Background>
-    <_ip_UnifiedCompliancePolicyProperties xmlns="http://schemas.microsoft.com/sharepoint/v3" xsi:nil="true"/>
-    <ImageTagsTaxHTField xmlns="71af3243-3dd4-4a8d-8c0d-dd76da1f02a5">
-      <Terms xmlns="http://schemas.microsoft.com/office/infopath/2007/PartnerControls"/>
-    </ImageTagsTaxHTField>
-    <TaxCatchAll xmlns="230e9df3-be65-4c73-a93b-d1236ebd677e" xsi:nil="true"/>
-  </documentManagement>
-</p:properties>
-</file>
-
-<file path=customXml/item2.xml><?xml version="1.0" encoding="utf-8"?>
-<?mso-contentType ?>
-<FormTemplates xmlns="http://schemas.microsoft.com/sharepoint/v3/contenttype/forms">
-  <Display>DocumentLibraryForm</Display>
-  <Edit>DocumentLibraryForm</Edit>
-  <New>DocumentLibraryForm</New>
-</FormTemplates>
-</file>
-
-<file path=customXml/item3.xml><?xml version="1.0" encoding="utf-8"?>
 <ct:contentTypeSchema xmlns:ct="http://schemas.microsoft.com/office/2006/metadata/contentType" xmlns:ma="http://schemas.microsoft.com/office/2006/metadata/properties/metaAttributes" ct:_="" ma:_="" ma:contentTypeName="Document" ma:contentTypeID="0x01010079F111ED35F8CC479449609E8A0923A6" ma:contentTypeVersion="27" ma:contentTypeDescription="Create a new document." ma:contentTypeScope="" ma:versionID="c6f9a84f66a9c8b9a21755b9ffafb945">
   <xsd:schema xmlns:xsd="http://www.w3.org/2001/XMLSchema" xmlns:xs="http://www.w3.org/2001/XMLSchema" xmlns:p="http://schemas.microsoft.com/office/2006/metadata/properties" xmlns:ns1="http://schemas.microsoft.com/sharepoint/v3" xmlns:ns2="71af3243-3dd4-4a8d-8c0d-dd76da1f02a5" xmlns:ns3="16c05727-aa75-4e4a-9b5f-8a80a1165891" xmlns:ns4="230e9df3-be65-4c73-a93b-d1236ebd677e" targetNamespace="http://schemas.microsoft.com/office/2006/metadata/properties" ma:root="true" ma:fieldsID="27df39e3e7036dff54f89ddd5805ce72" ns1:_="" ns2:_="" ns3:_="" ns4:_="">
     <xsd:import namespace="http://schemas.microsoft.com/sharepoint/v3"/>
@@ -6656,27 +6977,36 @@
 </ct:contentTypeSchema>
 </file>
 
-<file path=customXml/itemProps1.xml><?xml version="1.0" encoding="utf-8"?>
-<ds:datastoreItem xmlns:ds="http://schemas.openxmlformats.org/officeDocument/2006/customXml" ds:itemID="{A03EEFF0-FB57-4CB4-8BFC-DF397689E2ED}">
-  <ds:schemaRefs>
-    <ds:schemaRef ds:uri="http://schemas.microsoft.com/office/2006/metadata/properties"/>
-    <ds:schemaRef ds:uri="http://schemas.microsoft.com/office/infopath/2007/PartnerControls"/>
-    <ds:schemaRef ds:uri="71af3243-3dd4-4a8d-8c0d-dd76da1f02a5"/>
-    <ds:schemaRef ds:uri="http://schemas.microsoft.com/sharepoint/v3"/>
-    <ds:schemaRef ds:uri="230e9df3-be65-4c73-a93b-d1236ebd677e"/>
-  </ds:schemaRefs>
-</ds:datastoreItem>
+<file path=customXml/item2.xml><?xml version="1.0" encoding="utf-8"?>
+<?mso-contentType ?>
+<FormTemplates xmlns="http://schemas.microsoft.com/sharepoint/v3/contenttype/forms">
+  <Display>DocumentLibraryForm</Display>
+  <Edit>DocumentLibraryForm</Edit>
+  <New>DocumentLibraryForm</New>
+</FormTemplates>
 </file>
 
-<file path=customXml/itemProps2.xml><?xml version="1.0" encoding="utf-8"?>
-<ds:datastoreItem xmlns:ds="http://schemas.openxmlformats.org/officeDocument/2006/customXml" ds:itemID="{AA3F7EDC-E5B4-4BBC-9D2A-CBE6D46C37AD}">
-  <ds:schemaRefs>
-    <ds:schemaRef ds:uri="http://schemas.microsoft.com/sharepoint/v3/contenttype/forms"/>
-  </ds:schemaRefs>
-</ds:datastoreItem>
+<file path=customXml/item3.xml><?xml version="1.0" encoding="utf-8"?>
+<p:properties xmlns:p="http://schemas.microsoft.com/office/2006/metadata/properties" xmlns:xsi="http://www.w3.org/2001/XMLSchema-instance" xmlns:pc="http://schemas.microsoft.com/office/infopath/2007/PartnerControls">
+  <documentManagement>
+    <Status xmlns="71af3243-3dd4-4a8d-8c0d-dd76da1f02a5">Not started</Status>
+    <MediaServiceKeyPoints xmlns="71af3243-3dd4-4a8d-8c0d-dd76da1f02a5" xsi:nil="true"/>
+    <_ip_UnifiedCompliancePolicyUIAction xmlns="http://schemas.microsoft.com/sharepoint/v3" xsi:nil="true"/>
+    <Image xmlns="71af3243-3dd4-4a8d-8c0d-dd76da1f02a5">
+      <Url xsi:nil="true"/>
+      <Description xsi:nil="true"/>
+    </Image>
+    <Background xmlns="71af3243-3dd4-4a8d-8c0d-dd76da1f02a5">false</Background>
+    <_ip_UnifiedCompliancePolicyProperties xmlns="http://schemas.microsoft.com/sharepoint/v3" xsi:nil="true"/>
+    <ImageTagsTaxHTField xmlns="71af3243-3dd4-4a8d-8c0d-dd76da1f02a5">
+      <Terms xmlns="http://schemas.microsoft.com/office/infopath/2007/PartnerControls"/>
+    </ImageTagsTaxHTField>
+    <TaxCatchAll xmlns="230e9df3-be65-4c73-a93b-d1236ebd677e" xsi:nil="true"/>
+  </documentManagement>
+</p:properties>
 </file>
 
-<file path=customXml/itemProps3.xml><?xml version="1.0" encoding="utf-8"?>
+<file path=customXml/itemProps1.xml><?xml version="1.0" encoding="utf-8"?>
 <ds:datastoreItem xmlns:ds="http://schemas.openxmlformats.org/officeDocument/2006/customXml" ds:itemID="{D2957789-34B8-480C-AF9B-3EB54B9E5C96}">
   <ds:schemaRefs>
     <ds:schemaRef ds:uri="http://schemas.microsoft.com/office/2006/metadata/contentType"/>
@@ -6695,4 +7025,24 @@
     <ds:schemaRef ds:uri="http://schemas.microsoft.com/internal/obd"/>
   </ds:schemaRefs>
 </ds:datastoreItem>
+</file>
+
+<file path=customXml/itemProps2.xml><?xml version="1.0" encoding="utf-8"?>
+<ds:datastoreItem xmlns:ds="http://schemas.openxmlformats.org/officeDocument/2006/customXml" ds:itemID="{AA3F7EDC-E5B4-4BBC-9D2A-CBE6D46C37AD}">
+  <ds:schemaRefs>
+    <ds:schemaRef ds:uri="http://schemas.microsoft.com/sharepoint/v3/contenttype/forms"/>
+  </ds:schemaRefs>
+</ds:datastoreItem>
+</file>
+
+<file path=customXml/itemProps3.xml><?xml version="1.0" encoding="utf-8"?>
+<ds:datastoreItem xmlns:ds="http://schemas.openxmlformats.org/officeDocument/2006/customXml" ds:itemID="{A03EEFF0-FB57-4CB4-8BFC-DF397689E2ED}">
+  <ds:schemaRefs>
+    <ds:schemaRef ds:uri="http://schemas.microsoft.com/office/2006/metadata/properties"/>
+    <ds:schemaRef ds:uri="http://schemas.microsoft.com/office/infopath/2007/PartnerControls"/>
+    <ds:schemaRef ds:uri="71af3243-3dd4-4a8d-8c0d-dd76da1f02a5"/>
+    <ds:schemaRef ds:uri="http://schemas.microsoft.com/sharepoint/v3"/>
+    <ds:schemaRef ds:uri="230e9df3-be65-4c73-a93b-d1236ebd677e"/>
+  </ds:schemaRefs>
+</ds:datastoreItem>
 </file>